--- a/Handwritten Digit Identification.pptx
+++ b/Handwritten Digit Identification.pptx
@@ -10,11 +10,17 @@
     <p:sldId id="258" r:id="rId4"/>
     <p:sldId id="259" r:id="rId5"/>
     <p:sldId id="260" r:id="rId6"/>
-    <p:sldId id="261" r:id="rId7"/>
-    <p:sldId id="262" r:id="rId8"/>
-    <p:sldId id="263" r:id="rId9"/>
-    <p:sldId id="264" r:id="rId10"/>
-    <p:sldId id="265" r:id="rId11"/>
+    <p:sldId id="266" r:id="rId7"/>
+    <p:sldId id="267" r:id="rId8"/>
+    <p:sldId id="268" r:id="rId9"/>
+    <p:sldId id="261" r:id="rId10"/>
+    <p:sldId id="263" r:id="rId11"/>
+    <p:sldId id="269" r:id="rId12"/>
+    <p:sldId id="264" r:id="rId13"/>
+    <p:sldId id="265" r:id="rId14"/>
+    <p:sldId id="270" r:id="rId15"/>
+    <p:sldId id="271" r:id="rId16"/>
+    <p:sldId id="272" r:id="rId17"/>
   </p:sldIdLst>
   <p:sldSz cx="12192000" cy="6858000"/>
   <p:notesSz cx="6858000" cy="9144000"/>
@@ -113,6 +119,11 @@
       </a:defRPr>
     </a:lvl9pPr>
   </p:defaultTextStyle>
+  <p:extLst>
+    <p:ext uri="{EFAFB233-063F-42B5-8137-9DF3F51BA10A}">
+      <p15:sldGuideLst xmlns:p15="http://schemas.microsoft.com/office/powerpoint/2012/main"/>
+    </p:ext>
+  </p:extLst>
 </p:presentation>
 </file>
 
@@ -263,7 +274,7 @@
           <a:p>
             <a:fld id="{D1D546E0-C765-4B02-9093-05A735445142}" type="datetimeFigureOut">
               <a:rPr lang="en-US" smtClean="0"/>
-              <a:t>5/12/2021</a:t>
+              <a:t>5/19/2021</a:t>
             </a:fld>
             <a:endParaRPr lang="en-US"/>
           </a:p>
@@ -461,7 +472,7 @@
           <a:p>
             <a:fld id="{D1D546E0-C765-4B02-9093-05A735445142}" type="datetimeFigureOut">
               <a:rPr lang="en-US" smtClean="0"/>
-              <a:t>5/12/2021</a:t>
+              <a:t>5/19/2021</a:t>
             </a:fld>
             <a:endParaRPr lang="en-US"/>
           </a:p>
@@ -669,7 +680,7 @@
           <a:p>
             <a:fld id="{D1D546E0-C765-4B02-9093-05A735445142}" type="datetimeFigureOut">
               <a:rPr lang="en-US" smtClean="0"/>
-              <a:t>5/12/2021</a:t>
+              <a:t>5/19/2021</a:t>
             </a:fld>
             <a:endParaRPr lang="en-US"/>
           </a:p>
@@ -867,7 +878,7 @@
           <a:p>
             <a:fld id="{D1D546E0-C765-4B02-9093-05A735445142}" type="datetimeFigureOut">
               <a:rPr lang="en-US" smtClean="0"/>
-              <a:t>5/12/2021</a:t>
+              <a:t>5/19/2021</a:t>
             </a:fld>
             <a:endParaRPr lang="en-US"/>
           </a:p>
@@ -1142,7 +1153,7 @@
           <a:p>
             <a:fld id="{D1D546E0-C765-4B02-9093-05A735445142}" type="datetimeFigureOut">
               <a:rPr lang="en-US" smtClean="0"/>
-              <a:t>5/12/2021</a:t>
+              <a:t>5/19/2021</a:t>
             </a:fld>
             <a:endParaRPr lang="en-US"/>
           </a:p>
@@ -1407,7 +1418,7 @@
           <a:p>
             <a:fld id="{D1D546E0-C765-4B02-9093-05A735445142}" type="datetimeFigureOut">
               <a:rPr lang="en-US" smtClean="0"/>
-              <a:t>5/12/2021</a:t>
+              <a:t>5/19/2021</a:t>
             </a:fld>
             <a:endParaRPr lang="en-US"/>
           </a:p>
@@ -1819,7 +1830,7 @@
           <a:p>
             <a:fld id="{D1D546E0-C765-4B02-9093-05A735445142}" type="datetimeFigureOut">
               <a:rPr lang="en-US" smtClean="0"/>
-              <a:t>5/12/2021</a:t>
+              <a:t>5/19/2021</a:t>
             </a:fld>
             <a:endParaRPr lang="en-US"/>
           </a:p>
@@ -1960,7 +1971,7 @@
           <a:p>
             <a:fld id="{D1D546E0-C765-4B02-9093-05A735445142}" type="datetimeFigureOut">
               <a:rPr lang="en-US" smtClean="0"/>
-              <a:t>5/12/2021</a:t>
+              <a:t>5/19/2021</a:t>
             </a:fld>
             <a:endParaRPr lang="en-US"/>
           </a:p>
@@ -2073,7 +2084,7 @@
           <a:p>
             <a:fld id="{D1D546E0-C765-4B02-9093-05A735445142}" type="datetimeFigureOut">
               <a:rPr lang="en-US" smtClean="0"/>
-              <a:t>5/12/2021</a:t>
+              <a:t>5/19/2021</a:t>
             </a:fld>
             <a:endParaRPr lang="en-US"/>
           </a:p>
@@ -2384,7 +2395,7 @@
           <a:p>
             <a:fld id="{D1D546E0-C765-4B02-9093-05A735445142}" type="datetimeFigureOut">
               <a:rPr lang="en-US" smtClean="0"/>
-              <a:t>5/12/2021</a:t>
+              <a:t>5/19/2021</a:t>
             </a:fld>
             <a:endParaRPr lang="en-US"/>
           </a:p>
@@ -2672,7 +2683,7 @@
           <a:p>
             <a:fld id="{D1D546E0-C765-4B02-9093-05A735445142}" type="datetimeFigureOut">
               <a:rPr lang="en-US" smtClean="0"/>
-              <a:t>5/12/2021</a:t>
+              <a:t>5/19/2021</a:t>
             </a:fld>
             <a:endParaRPr lang="en-US"/>
           </a:p>
@@ -2913,7 +2924,7 @@
           <a:p>
             <a:fld id="{D1D546E0-C765-4B02-9093-05A735445142}" type="datetimeFigureOut">
               <a:rPr lang="en-US" smtClean="0"/>
-              <a:t>5/12/2021</a:t>
+              <a:t>5/19/2021</a:t>
             </a:fld>
             <a:endParaRPr lang="en-US"/>
           </a:p>
@@ -3770,6 +3781,14 @@
 <file path=ppt/slides/slide10.xml><?xml version="1.0" encoding="utf-8"?>
 <p:sld xmlns:a="http://schemas.openxmlformats.org/drawingml/2006/main" xmlns:r="http://schemas.openxmlformats.org/officeDocument/2006/relationships" xmlns:p="http://schemas.openxmlformats.org/presentationml/2006/main">
   <p:cSld>
+    <p:bg>
+      <p:bgPr>
+        <a:solidFill>
+          <a:schemeClr val="bg1"/>
+        </a:solidFill>
+        <a:effectLst/>
+      </p:bgPr>
+    </p:bg>
     <p:spTree>
       <p:nvGrpSpPr>
         <p:cNvPr id="1" name=""/>
@@ -3786,10 +3805,102 @@
       </p:grpSpPr>
       <p:sp>
         <p:nvSpPr>
+          <p:cNvPr id="19" name="Rectangle 12">
+            <a:extLst>
+              <a:ext uri="{FF2B5EF4-FFF2-40B4-BE49-F238E27FC236}">
+                <a16:creationId xmlns:a16="http://schemas.microsoft.com/office/drawing/2014/main" id="{4038CB10-1F5C-4D54-9DF7-12586DE5B007}"/>
+              </a:ext>
+              <a:ext uri="{C183D7F6-B498-43B3-948B-1728B52AA6E4}">
+                <adec:decorative xmlns:adec="http://schemas.microsoft.com/office/drawing/2017/decorative" val="1"/>
+              </a:ext>
+            </a:extLst>
+          </p:cNvPr>
+          <p:cNvSpPr>
+            <a:spLocks noGrp="1" noRot="1" noChangeAspect="1" noMove="1" noResize="1" noEditPoints="1" noAdjustHandles="1" noChangeArrowheads="1" noChangeShapeType="1" noTextEdit="1"/>
+          </p:cNvSpPr>
+          <p:nvPr>
+            <p:extLst>
+              <p:ext uri="{386F3935-93C4-4BCD-93E2-E3B085C9AB24}">
+                <p16:designElem xmlns:p16="http://schemas.microsoft.com/office/powerpoint/2015/main" val="1"/>
+              </p:ext>
+            </p:extLst>
+          </p:nvPr>
+        </p:nvSpPr>
+        <p:spPr>
+          <a:xfrm>
+            <a:off x="327546" y="321732"/>
+            <a:ext cx="7058307" cy="1964266"/>
+          </a:xfrm>
+          <a:prstGeom prst="rect">
+            <a:avLst/>
+          </a:prstGeom>
+          <a:solidFill>
+            <a:srgbClr val="3E4D51"/>
+          </a:solidFill>
+          <a:ln>
+            <a:noFill/>
+          </a:ln>
+        </p:spPr>
+        <p:style>
+          <a:lnRef idx="2">
+            <a:schemeClr val="accent1">
+              <a:shade val="50000"/>
+            </a:schemeClr>
+          </a:lnRef>
+          <a:fillRef idx="1">
+            <a:schemeClr val="accent1"/>
+          </a:fillRef>
+          <a:effectRef idx="0">
+            <a:schemeClr val="accent1"/>
+          </a:effectRef>
+          <a:fontRef idx="minor">
+            <a:schemeClr val="lt1"/>
+          </a:fontRef>
+        </p:style>
+        <p:txBody>
+          <a:bodyPr rtlCol="0" anchor="ctr"/>
+          <a:lstStyle/>
+          <a:p>
+            <a:pPr marL="0" marR="0" lvl="0" indent="0" algn="ctr" defTabSz="914400" rtl="0" eaLnBrk="1" fontAlgn="auto" latinLnBrk="0" hangingPunct="1">
+              <a:lnSpc>
+                <a:spcPct val="100000"/>
+              </a:lnSpc>
+              <a:spcBef>
+                <a:spcPts val="0"/>
+              </a:spcBef>
+              <a:spcAft>
+                <a:spcPts val="0"/>
+              </a:spcAft>
+              <a:buClrTx/>
+              <a:buSzTx/>
+              <a:buFontTx/>
+              <a:buNone/>
+              <a:tabLst/>
+              <a:defRPr/>
+            </a:pPr>
+            <a:endParaRPr kumimoji="0" lang="en-US" sz="1800" b="0" i="0" u="none" strike="noStrike" kern="1200" cap="none" spc="0" normalizeH="0" baseline="0" noProof="0">
+              <a:ln>
+                <a:noFill/>
+              </a:ln>
+              <a:solidFill>
+                <a:prstClr val="white"/>
+              </a:solidFill>
+              <a:effectLst/>
+              <a:uLnTx/>
+              <a:uFillTx/>
+              <a:latin typeface="Calibri" panose="020F0502020204030204"/>
+              <a:ea typeface="+mn-ea"/>
+              <a:cs typeface="+mn-cs"/>
+            </a:endParaRPr>
+          </a:p>
+        </p:txBody>
+      </p:sp>
+      <p:sp>
+        <p:nvSpPr>
           <p:cNvPr id="2" name="Title 1">
             <a:extLst>
               <a:ext uri="{FF2B5EF4-FFF2-40B4-BE49-F238E27FC236}">
-                <a16:creationId xmlns:a16="http://schemas.microsoft.com/office/drawing/2014/main" id="{1F2032A0-A874-44F6-BD4B-9F0B46269B9A}"/>
+                <a16:creationId xmlns:a16="http://schemas.microsoft.com/office/drawing/2014/main" id="{EF3ADDFC-D5B0-4B73-8014-07BC4153CF3E}"/>
               </a:ext>
             </a:extLst>
           </p:cNvPr>
@@ -3800,24 +3911,228 @@
             <p:ph type="title"/>
           </p:nvPr>
         </p:nvSpPr>
-        <p:spPr/>
-        <p:txBody>
-          <a:bodyPr/>
-          <a:lstStyle/>
-          <a:p>
-            <a:r>
-              <a:rPr lang="en-US" dirty="0"/>
-              <a:t>Classification</a:t>
-            </a:r>
-          </a:p>
-        </p:txBody>
-      </p:sp>
-      <p:sp>
-        <p:nvSpPr>
-          <p:cNvPr id="3" name="Content Placeholder 2">
-            <a:extLst>
-              <a:ext uri="{FF2B5EF4-FFF2-40B4-BE49-F238E27FC236}">
-                <a16:creationId xmlns:a16="http://schemas.microsoft.com/office/drawing/2014/main" id="{785B395E-CDBF-40FC-B181-692D04E8B7EA}"/>
+        <p:spPr>
+          <a:xfrm>
+            <a:off x="524256" y="516804"/>
+            <a:ext cx="6594189" cy="1625210"/>
+          </a:xfrm>
+        </p:spPr>
+        <p:txBody>
+          <a:bodyPr>
+            <a:normAutofit/>
+          </a:bodyPr>
+          <a:lstStyle/>
+          <a:p>
+            <a:r>
+              <a:rPr lang="en-US" dirty="0">
+                <a:solidFill>
+                  <a:srgbClr val="FFFFFF"/>
+                </a:solidFill>
+              </a:rPr>
+              <a:t>C Neural Network</a:t>
+            </a:r>
+          </a:p>
+        </p:txBody>
+      </p:sp>
+      <p:sp>
+        <p:nvSpPr>
+          <p:cNvPr id="20" name="Rectangle 14">
+            <a:extLst>
+              <a:ext uri="{FF2B5EF4-FFF2-40B4-BE49-F238E27FC236}">
+                <a16:creationId xmlns:a16="http://schemas.microsoft.com/office/drawing/2014/main" id="{36D30126-6314-4A93-B27E-5C66CF781924}"/>
+              </a:ext>
+              <a:ext uri="{C183D7F6-B498-43B3-948B-1728B52AA6E4}">
+                <adec:decorative xmlns:adec="http://schemas.microsoft.com/office/drawing/2017/decorative" val="1"/>
+              </a:ext>
+            </a:extLst>
+          </p:cNvPr>
+          <p:cNvSpPr>
+            <a:spLocks noGrp="1" noRot="1" noChangeAspect="1" noMove="1" noResize="1" noEditPoints="1" noAdjustHandles="1" noChangeArrowheads="1" noChangeShapeType="1" noTextEdit="1"/>
+          </p:cNvSpPr>
+          <p:nvPr>
+            <p:extLst>
+              <p:ext uri="{386F3935-93C4-4BCD-93E2-E3B085C9AB24}">
+                <p16:designElem xmlns:p16="http://schemas.microsoft.com/office/powerpoint/2015/main" val="1"/>
+              </p:ext>
+            </p:extLst>
+          </p:nvPr>
+        </p:nvSpPr>
+        <p:spPr>
+          <a:xfrm>
+            <a:off x="329184" y="2432305"/>
+            <a:ext cx="7056669" cy="4102852"/>
+          </a:xfrm>
+          <a:prstGeom prst="rect">
+            <a:avLst/>
+          </a:prstGeom>
+          <a:solidFill>
+            <a:srgbClr val="7F7F7F">
+              <a:alpha val="20000"/>
+            </a:srgbClr>
+          </a:solidFill>
+          <a:ln>
+            <a:noFill/>
+          </a:ln>
+        </p:spPr>
+        <p:style>
+          <a:lnRef idx="2">
+            <a:schemeClr val="accent1">
+              <a:shade val="50000"/>
+            </a:schemeClr>
+          </a:lnRef>
+          <a:fillRef idx="1">
+            <a:schemeClr val="accent1"/>
+          </a:fillRef>
+          <a:effectRef idx="0">
+            <a:schemeClr val="accent1"/>
+          </a:effectRef>
+          <a:fontRef idx="minor">
+            <a:schemeClr val="lt1"/>
+          </a:fontRef>
+        </p:style>
+        <p:txBody>
+          <a:bodyPr rtlCol="0" anchor="ctr"/>
+          <a:lstStyle/>
+          <a:p>
+            <a:pPr algn="ctr"/>
+            <a:endParaRPr lang="en-US"/>
+          </a:p>
+        </p:txBody>
+      </p:sp>
+      <p:pic>
+        <p:nvPicPr>
+          <p:cNvPr id="6" name="Content Placeholder 5" descr="Diagram, engineering drawing&#10;&#10;Description automatically generated">
+            <a:extLst>
+              <a:ext uri="{FF2B5EF4-FFF2-40B4-BE49-F238E27FC236}">
+                <a16:creationId xmlns:a16="http://schemas.microsoft.com/office/drawing/2014/main" id="{F6416E6E-7D6D-4A9C-B77B-D2C1B469CD3E}"/>
+              </a:ext>
+            </a:extLst>
+          </p:cNvPr>
+          <p:cNvPicPr>
+            <a:picLocks noChangeAspect="1"/>
+          </p:cNvPicPr>
+          <p:nvPr/>
+        </p:nvPicPr>
+        <p:blipFill>
+          <a:blip r:embed="rId2">
+            <a:extLst>
+              <a:ext uri="{28A0092B-C50C-407E-A947-70E740481C1C}">
+                <a14:useLocalDpi xmlns:a14="http://schemas.microsoft.com/office/drawing/2010/main" val="0"/>
+              </a:ext>
+            </a:extLst>
+          </a:blip>
+          <a:stretch>
+            <a:fillRect/>
+          </a:stretch>
+        </p:blipFill>
+        <p:spPr>
+          <a:xfrm>
+            <a:off x="566744" y="3373371"/>
+            <a:ext cx="6579910" cy="2220719"/>
+          </a:xfrm>
+          <a:prstGeom prst="rect">
+            <a:avLst/>
+          </a:prstGeom>
+        </p:spPr>
+      </p:pic>
+      <p:sp>
+        <p:nvSpPr>
+          <p:cNvPr id="21" name="Rectangle 16">
+            <a:extLst>
+              <a:ext uri="{FF2B5EF4-FFF2-40B4-BE49-F238E27FC236}">
+                <a16:creationId xmlns:a16="http://schemas.microsoft.com/office/drawing/2014/main" id="{73ED6512-6858-4552-B699-9A97FE9A4EA2}"/>
+              </a:ext>
+              <a:ext uri="{C183D7F6-B498-43B3-948B-1728B52AA6E4}">
+                <adec:decorative xmlns:adec="http://schemas.microsoft.com/office/drawing/2017/decorative" val="1"/>
+              </a:ext>
+            </a:extLst>
+          </p:cNvPr>
+          <p:cNvSpPr>
+            <a:spLocks noGrp="1" noRot="1" noChangeAspect="1" noMove="1" noResize="1" noEditPoints="1" noAdjustHandles="1" noChangeArrowheads="1" noChangeShapeType="1" noTextEdit="1"/>
+          </p:cNvSpPr>
+          <p:nvPr>
+            <p:extLst>
+              <p:ext uri="{386F3935-93C4-4BCD-93E2-E3B085C9AB24}">
+                <p16:designElem xmlns:p16="http://schemas.microsoft.com/office/powerpoint/2015/main" val="1"/>
+              </p:ext>
+            </p:extLst>
+          </p:nvPr>
+        </p:nvSpPr>
+        <p:spPr>
+          <a:xfrm>
+            <a:off x="7534655" y="321732"/>
+            <a:ext cx="4335613" cy="6214534"/>
+          </a:xfrm>
+          <a:prstGeom prst="rect">
+            <a:avLst/>
+          </a:prstGeom>
+          <a:solidFill>
+            <a:srgbClr val="595959"/>
+          </a:solidFill>
+          <a:ln>
+            <a:noFill/>
+          </a:ln>
+        </p:spPr>
+        <p:style>
+          <a:lnRef idx="2">
+            <a:schemeClr val="accent1">
+              <a:shade val="50000"/>
+            </a:schemeClr>
+          </a:lnRef>
+          <a:fillRef idx="1">
+            <a:schemeClr val="accent1"/>
+          </a:fillRef>
+          <a:effectRef idx="0">
+            <a:schemeClr val="accent1"/>
+          </a:effectRef>
+          <a:fontRef idx="minor">
+            <a:schemeClr val="lt1"/>
+          </a:fontRef>
+        </p:style>
+        <p:txBody>
+          <a:bodyPr rtlCol="0" anchor="ctr"/>
+          <a:lstStyle/>
+          <a:p>
+            <a:pPr marL="0" marR="0" lvl="0" indent="0" algn="ctr" defTabSz="914400" rtl="0" eaLnBrk="1" fontAlgn="auto" latinLnBrk="0" hangingPunct="1">
+              <a:lnSpc>
+                <a:spcPct val="100000"/>
+              </a:lnSpc>
+              <a:spcBef>
+                <a:spcPts val="0"/>
+              </a:spcBef>
+              <a:spcAft>
+                <a:spcPts val="0"/>
+              </a:spcAft>
+              <a:buClrTx/>
+              <a:buSzTx/>
+              <a:buFontTx/>
+              <a:buNone/>
+              <a:tabLst/>
+              <a:defRPr/>
+            </a:pPr>
+            <a:endParaRPr kumimoji="0" lang="en-US" sz="1800" b="0" i="0" u="none" strike="noStrike" kern="1200" cap="none" spc="0" normalizeH="0" baseline="0" noProof="0">
+              <a:ln>
+                <a:noFill/>
+              </a:ln>
+              <a:solidFill>
+                <a:prstClr val="white"/>
+              </a:solidFill>
+              <a:effectLst/>
+              <a:uLnTx/>
+              <a:uFillTx/>
+              <a:latin typeface="Calibri" panose="020F0502020204030204"/>
+              <a:ea typeface="+mn-ea"/>
+              <a:cs typeface="+mn-cs"/>
+            </a:endParaRPr>
+          </a:p>
+        </p:txBody>
+      </p:sp>
+      <p:sp>
+        <p:nvSpPr>
+          <p:cNvPr id="10" name="Content Placeholder 9">
+            <a:extLst>
+              <a:ext uri="{FF2B5EF4-FFF2-40B4-BE49-F238E27FC236}">
+                <a16:creationId xmlns:a16="http://schemas.microsoft.com/office/drawing/2014/main" id="{F3DE788C-2D4C-4D47-99ED-50A1EDC44532}"/>
               </a:ext>
             </a:extLst>
           </p:cNvPr>
@@ -3828,19 +4143,128 @@
             <p:ph idx="1"/>
           </p:nvPr>
         </p:nvSpPr>
-        <p:spPr/>
-        <p:txBody>
-          <a:bodyPr/>
-          <a:lstStyle/>
-          <a:p>
-            <a:endParaRPr lang="en-US"/>
+        <p:spPr>
+          <a:xfrm>
+            <a:off x="8029319" y="917725"/>
+            <a:ext cx="3424739" cy="4852362"/>
+          </a:xfrm>
+        </p:spPr>
+        <p:txBody>
+          <a:bodyPr anchor="ctr">
+            <a:normAutofit fontScale="92500" lnSpcReduction="10000"/>
+          </a:bodyPr>
+          <a:lstStyle/>
+          <a:p>
+            <a:pPr fontAlgn="base"/>
+            <a:r>
+              <a:rPr lang="en-US" dirty="0">
+                <a:solidFill>
+                  <a:schemeClr val="bg1"/>
+                </a:solidFill>
+              </a:rPr>
+              <a:t>Convolutional Layers</a:t>
+            </a:r>
+          </a:p>
+          <a:p>
+            <a:pPr lvl="1" fontAlgn="base"/>
+            <a:r>
+              <a:rPr lang="en-US" dirty="0">
+                <a:solidFill>
+                  <a:schemeClr val="bg1"/>
+                </a:solidFill>
+              </a:rPr>
+              <a:t>Feature Detection</a:t>
+            </a:r>
+          </a:p>
+          <a:p>
+            <a:pPr fontAlgn="base"/>
+            <a:br>
+              <a:rPr lang="en-US" dirty="0">
+                <a:solidFill>
+                  <a:schemeClr val="bg1"/>
+                </a:solidFill>
+              </a:rPr>
+            </a:br>
+            <a:r>
+              <a:rPr lang="en-US" dirty="0">
+                <a:solidFill>
+                  <a:schemeClr val="bg1"/>
+                </a:solidFill>
+              </a:rPr>
+              <a:t>Pooling Layers</a:t>
+            </a:r>
+          </a:p>
+          <a:p>
+            <a:pPr lvl="1" fontAlgn="base"/>
+            <a:r>
+              <a:rPr lang="en-US" dirty="0">
+                <a:solidFill>
+                  <a:schemeClr val="bg1"/>
+                </a:solidFill>
+              </a:rPr>
+              <a:t>Down sample the detection of features in feature maps</a:t>
+            </a:r>
+          </a:p>
+          <a:p>
+            <a:pPr fontAlgn="base"/>
+            <a:r>
+              <a:rPr lang="en-US" dirty="0">
+                <a:solidFill>
+                  <a:schemeClr val="bg1"/>
+                </a:solidFill>
+              </a:rPr>
+              <a:t>Flatten Layers</a:t>
+            </a:r>
+          </a:p>
+          <a:p>
+            <a:pPr lvl="1" fontAlgn="base"/>
+            <a:r>
+              <a:rPr lang="en-US" dirty="0">
+                <a:solidFill>
+                  <a:schemeClr val="bg1"/>
+                </a:solidFill>
+              </a:rPr>
+              <a:t>Reduce Dimensionality</a:t>
+            </a:r>
+          </a:p>
+          <a:p>
+            <a:pPr fontAlgn="base"/>
+            <a:r>
+              <a:rPr lang="en-US" dirty="0">
+                <a:solidFill>
+                  <a:schemeClr val="bg1"/>
+                </a:solidFill>
+              </a:rPr>
+              <a:t>Fully Connected Layers</a:t>
+            </a:r>
+          </a:p>
+          <a:p>
+            <a:pPr lvl="1" fontAlgn="base"/>
+            <a:r>
+              <a:rPr lang="en-US" dirty="0">
+                <a:solidFill>
+                  <a:schemeClr val="bg1"/>
+                </a:solidFill>
+              </a:rPr>
+              <a:t>Feature Selection</a:t>
+            </a:r>
+          </a:p>
+          <a:p>
+            <a:pPr marL="0" indent="0">
+              <a:buNone/>
+            </a:pPr>
+            <a:endParaRPr lang="en-US" sz="2000" dirty="0">
+              <a:solidFill>
+                <a:schemeClr val="bg1"/>
+              </a:solidFill>
+            </a:endParaRPr>
           </a:p>
         </p:txBody>
       </p:sp>
     </p:spTree>
     <p:extLst>
       <p:ext uri="{BB962C8B-B14F-4D97-AF65-F5344CB8AC3E}">
-        <p14:creationId xmlns:p14="http://schemas.microsoft.com/office/powerpoint/2010/main" val="1435613041"/>
+        <p14:creationId xmlns:p14="http://schemas.microsoft.com/office/powerpoint/2010/main" val="2121356517"/>
       </p:ext>
     </p:extLst>
   </p:cSld>
@@ -3850,9 +4274,17 @@
 </p:sld>
 </file>
 
-<file path=ppt/slides/slide2.xml><?xml version="1.0" encoding="utf-8"?>
+<file path=ppt/slides/slide11.xml><?xml version="1.0" encoding="utf-8"?>
 <p:sld xmlns:a="http://schemas.openxmlformats.org/drawingml/2006/main" xmlns:r="http://schemas.openxmlformats.org/officeDocument/2006/relationships" xmlns:p="http://schemas.openxmlformats.org/presentationml/2006/main">
   <p:cSld>
+    <p:bg>
+      <p:bgPr>
+        <a:solidFill>
+          <a:schemeClr val="bg1"/>
+        </a:solidFill>
+        <a:effectLst/>
+      </p:bgPr>
+    </p:bg>
     <p:spTree>
       <p:nvGrpSpPr>
         <p:cNvPr id="1" name=""/>
@@ -3869,9 +4301,2158 @@
       </p:grpSpPr>
       <p:sp>
         <p:nvSpPr>
+          <p:cNvPr id="74" name="Rectangle 73">
+            <a:extLst>
+              <a:ext uri="{FF2B5EF4-FFF2-40B4-BE49-F238E27FC236}">
+                <a16:creationId xmlns:a16="http://schemas.microsoft.com/office/drawing/2014/main" id="{AB45A142-4255-493C-8284-5D566C121B10}"/>
+              </a:ext>
+              <a:ext uri="{C183D7F6-B498-43B3-948B-1728B52AA6E4}">
+                <adec:decorative xmlns:adec="http://schemas.microsoft.com/office/drawing/2017/decorative" val="1"/>
+              </a:ext>
+            </a:extLst>
+          </p:cNvPr>
+          <p:cNvSpPr>
+            <a:spLocks noGrp="1" noRot="1" noChangeAspect="1" noMove="1" noResize="1" noEditPoints="1" noAdjustHandles="1" noChangeArrowheads="1" noChangeShapeType="1" noTextEdit="1"/>
+          </p:cNvSpPr>
+          <p:nvPr>
+            <p:extLst>
+              <p:ext uri="{386F3935-93C4-4BCD-93E2-E3B085C9AB24}">
+                <p16:designElem xmlns:p16="http://schemas.microsoft.com/office/powerpoint/2015/main" val="1"/>
+              </p:ext>
+            </p:extLst>
+          </p:nvPr>
+        </p:nvSpPr>
+        <p:spPr bwMode="ltGray">
+          <a:xfrm>
+            <a:off x="336884" y="321177"/>
+            <a:ext cx="4332307" cy="6179552"/>
+          </a:xfrm>
+          <a:prstGeom prst="rect">
+            <a:avLst/>
+          </a:prstGeom>
+          <a:solidFill>
+            <a:srgbClr val="404040">
+              <a:alpha val="89804"/>
+            </a:srgbClr>
+          </a:solidFill>
+          <a:ln w="127000" cap="sq" cmpd="thinThick">
+            <a:solidFill>
+              <a:srgbClr val="595959">
+                <a:alpha val="80000"/>
+              </a:srgbClr>
+            </a:solidFill>
+          </a:ln>
+        </p:spPr>
+        <p:style>
+          <a:lnRef idx="2">
+            <a:schemeClr val="accent1">
+              <a:shade val="50000"/>
+            </a:schemeClr>
+          </a:lnRef>
+          <a:fillRef idx="1">
+            <a:schemeClr val="accent1"/>
+          </a:fillRef>
+          <a:effectRef idx="0">
+            <a:schemeClr val="accent1"/>
+          </a:effectRef>
+          <a:fontRef idx="minor">
+            <a:schemeClr val="lt1"/>
+          </a:fontRef>
+        </p:style>
+        <p:txBody>
+          <a:bodyPr rtlCol="0" anchor="ctr"/>
+          <a:lstStyle/>
+          <a:p>
+            <a:pPr algn="ctr"/>
+            <a:endParaRPr lang="en-US"/>
+          </a:p>
+        </p:txBody>
+      </p:sp>
+      <p:sp>
+        <p:nvSpPr>
           <p:cNvPr id="2" name="Title 1">
             <a:extLst>
               <a:ext uri="{FF2B5EF4-FFF2-40B4-BE49-F238E27FC236}">
+                <a16:creationId xmlns:a16="http://schemas.microsoft.com/office/drawing/2014/main" id="{EF3ADDFC-D5B0-4B73-8014-07BC4153CF3E}"/>
+              </a:ext>
+            </a:extLst>
+          </p:cNvPr>
+          <p:cNvSpPr>
+            <a:spLocks noGrp="1"/>
+          </p:cNvSpPr>
+          <p:nvPr>
+            <p:ph type="title"/>
+          </p:nvPr>
+        </p:nvSpPr>
+        <p:spPr>
+          <a:xfrm>
+            <a:off x="674237" y="914400"/>
+            <a:ext cx="3657600" cy="2887579"/>
+          </a:xfrm>
+        </p:spPr>
+        <p:txBody>
+          <a:bodyPr vert="horz" lIns="91440" tIns="45720" rIns="91440" bIns="45720" rtlCol="0" anchor="b">
+            <a:normAutofit/>
+          </a:bodyPr>
+          <a:lstStyle/>
+          <a:p>
+            <a:pPr algn="ctr"/>
+            <a:r>
+              <a:rPr lang="en-US" sz="4800" kern="1200">
+                <a:solidFill>
+                  <a:srgbClr val="FFFFFF"/>
+                </a:solidFill>
+                <a:latin typeface="+mj-lt"/>
+                <a:ea typeface="+mj-ea"/>
+                <a:cs typeface="+mj-cs"/>
+              </a:rPr>
+              <a:t>C Neural Network - Building</a:t>
+            </a:r>
+          </a:p>
+        </p:txBody>
+      </p:sp>
+      <p:cxnSp>
+        <p:nvCxnSpPr>
+          <p:cNvPr id="76" name="Straight Connector 75">
+            <a:extLst>
+              <a:ext uri="{FF2B5EF4-FFF2-40B4-BE49-F238E27FC236}">
+                <a16:creationId xmlns:a16="http://schemas.microsoft.com/office/drawing/2014/main" id="{38FB9660-F42F-4313-BBC4-47C007FE484C}"/>
+              </a:ext>
+              <a:ext uri="{C183D7F6-B498-43B3-948B-1728B52AA6E4}">
+                <adec:decorative xmlns:adec="http://schemas.microsoft.com/office/drawing/2017/decorative" val="1"/>
+              </a:ext>
+            </a:extLst>
+          </p:cNvPr>
+          <p:cNvCxnSpPr>
+            <a:cxnSpLocks noGrp="1" noRot="1" noChangeAspect="1" noMove="1" noResize="1" noEditPoints="1" noAdjustHandles="1" noChangeArrowheads="1" noChangeShapeType="1"/>
+          </p:cNvCxnSpPr>
+          <p:nvPr>
+            <p:extLst>
+              <p:ext uri="{386F3935-93C4-4BCD-93E2-E3B085C9AB24}">
+                <p16:designElem xmlns:p16="http://schemas.microsoft.com/office/powerpoint/2015/main" val="1"/>
+              </p:ext>
+            </p:extLst>
+          </p:nvPr>
+        </p:nvCxnSpPr>
+        <p:spPr>
+          <a:xfrm>
+            <a:off x="1191126" y="3910267"/>
+            <a:ext cx="2586790" cy="0"/>
+          </a:xfrm>
+          <a:prstGeom prst="line">
+            <a:avLst/>
+          </a:prstGeom>
+          <a:ln w="22225">
+            <a:solidFill>
+              <a:srgbClr val="D9D9D9"/>
+            </a:solidFill>
+          </a:ln>
+        </p:spPr>
+        <p:style>
+          <a:lnRef idx="1">
+            <a:schemeClr val="accent1"/>
+          </a:lnRef>
+          <a:fillRef idx="0">
+            <a:schemeClr val="accent1"/>
+          </a:fillRef>
+          <a:effectRef idx="0">
+            <a:schemeClr val="accent1"/>
+          </a:effectRef>
+          <a:fontRef idx="minor">
+            <a:schemeClr val="tx1"/>
+          </a:fontRef>
+        </p:style>
+      </p:cxnSp>
+      <p:pic>
+        <p:nvPicPr>
+          <p:cNvPr id="3" name="Picture 4">
+            <a:extLst>
+              <a:ext uri="{FF2B5EF4-FFF2-40B4-BE49-F238E27FC236}">
+                <a16:creationId xmlns:a16="http://schemas.microsoft.com/office/drawing/2014/main" id="{1C4F1993-E5A1-413A-9322-3D3B10BE4858}"/>
+              </a:ext>
+            </a:extLst>
+          </p:cNvPr>
+          <p:cNvPicPr>
+            <a:picLocks noGrp="1" noChangeAspect="1" noChangeArrowheads="1"/>
+          </p:cNvPicPr>
+          <p:nvPr>
+            <p:ph idx="1"/>
+          </p:nvPr>
+        </p:nvPicPr>
+        <p:blipFill>
+          <a:blip r:embed="rId2">
+            <a:extLst>
+              <a:ext uri="{28A0092B-C50C-407E-A947-70E740481C1C}">
+                <a14:useLocalDpi xmlns:a14="http://schemas.microsoft.com/office/drawing/2010/main" val="0"/>
+              </a:ext>
+            </a:extLst>
+          </a:blip>
+          <a:stretch>
+            <a:fillRect/>
+          </a:stretch>
+        </p:blipFill>
+        <p:spPr bwMode="auto">
+          <a:xfrm>
+            <a:off x="5639347" y="492573"/>
+            <a:ext cx="5582494" cy="5880796"/>
+          </a:xfrm>
+          <a:prstGeom prst="rect">
+            <a:avLst/>
+          </a:prstGeom>
+          <a:noFill/>
+          <a:extLst>
+            <a:ext uri="{909E8E84-426E-40DD-AFC4-6F175D3DCCD1}">
+              <a14:hiddenFill xmlns:a14="http://schemas.microsoft.com/office/drawing/2010/main">
+                <a:solidFill>
+                  <a:srgbClr val="FFFFFF"/>
+                </a:solidFill>
+              </a14:hiddenFill>
+            </a:ext>
+          </a:extLst>
+        </p:spPr>
+      </p:pic>
+    </p:spTree>
+    <p:extLst>
+      <p:ext uri="{BB962C8B-B14F-4D97-AF65-F5344CB8AC3E}">
+        <p14:creationId xmlns:p14="http://schemas.microsoft.com/office/powerpoint/2010/main" val="3249494998"/>
+      </p:ext>
+    </p:extLst>
+  </p:cSld>
+  <p:clrMapOvr>
+    <a:masterClrMapping/>
+  </p:clrMapOvr>
+</p:sld>
+</file>
+
+<file path=ppt/slides/slide12.xml><?xml version="1.0" encoding="utf-8"?>
+<p:sld xmlns:a="http://schemas.openxmlformats.org/drawingml/2006/main" xmlns:r="http://schemas.openxmlformats.org/officeDocument/2006/relationships" xmlns:p="http://schemas.openxmlformats.org/presentationml/2006/main">
+  <p:cSld>
+    <p:bg>
+      <p:bgPr>
+        <a:solidFill>
+          <a:schemeClr val="bg1"/>
+        </a:solidFill>
+        <a:effectLst/>
+      </p:bgPr>
+    </p:bg>
+    <p:spTree>
+      <p:nvGrpSpPr>
+        <p:cNvPr id="1" name=""/>
+        <p:cNvGrpSpPr/>
+        <p:nvPr/>
+      </p:nvGrpSpPr>
+      <p:grpSpPr>
+        <a:xfrm>
+          <a:off x="0" y="0"/>
+          <a:ext cx="0" cy="0"/>
+          <a:chOff x="0" y="0"/>
+          <a:chExt cx="0" cy="0"/>
+        </a:xfrm>
+      </p:grpSpPr>
+      <p:sp>
+        <p:nvSpPr>
+          <p:cNvPr id="143" name="Rectangle 142">
+            <a:extLst>
+              <a:ext uri="{FF2B5EF4-FFF2-40B4-BE49-F238E27FC236}">
+                <a16:creationId xmlns:a16="http://schemas.microsoft.com/office/drawing/2014/main" id="{4038CB10-1F5C-4D54-9DF7-12586DE5B007}"/>
+              </a:ext>
+              <a:ext uri="{C183D7F6-B498-43B3-948B-1728B52AA6E4}">
+                <adec:decorative xmlns:adec="http://schemas.microsoft.com/office/drawing/2017/decorative" val="1"/>
+              </a:ext>
+            </a:extLst>
+          </p:cNvPr>
+          <p:cNvSpPr>
+            <a:spLocks noGrp="1" noRot="1" noChangeAspect="1" noMove="1" noResize="1" noEditPoints="1" noAdjustHandles="1" noChangeArrowheads="1" noChangeShapeType="1" noTextEdit="1"/>
+          </p:cNvSpPr>
+          <p:nvPr>
+            <p:extLst>
+              <p:ext uri="{386F3935-93C4-4BCD-93E2-E3B085C9AB24}">
+                <p16:designElem xmlns:p16="http://schemas.microsoft.com/office/powerpoint/2015/main" val="1"/>
+              </p:ext>
+            </p:extLst>
+          </p:nvPr>
+        </p:nvSpPr>
+        <p:spPr>
+          <a:xfrm>
+            <a:off x="327546" y="321732"/>
+            <a:ext cx="7058307" cy="1964266"/>
+          </a:xfrm>
+          <a:prstGeom prst="rect">
+            <a:avLst/>
+          </a:prstGeom>
+          <a:solidFill>
+            <a:srgbClr val="432873"/>
+          </a:solidFill>
+          <a:ln>
+            <a:noFill/>
+          </a:ln>
+        </p:spPr>
+        <p:style>
+          <a:lnRef idx="2">
+            <a:schemeClr val="accent1">
+              <a:shade val="50000"/>
+            </a:schemeClr>
+          </a:lnRef>
+          <a:fillRef idx="1">
+            <a:schemeClr val="accent1"/>
+          </a:fillRef>
+          <a:effectRef idx="0">
+            <a:schemeClr val="accent1"/>
+          </a:effectRef>
+          <a:fontRef idx="minor">
+            <a:schemeClr val="lt1"/>
+          </a:fontRef>
+        </p:style>
+        <p:txBody>
+          <a:bodyPr rtlCol="0" anchor="ctr"/>
+          <a:lstStyle/>
+          <a:p>
+            <a:pPr marL="0" marR="0" lvl="0" indent="0" algn="ctr" defTabSz="914400" rtl="0" eaLnBrk="1" fontAlgn="auto" latinLnBrk="0" hangingPunct="1">
+              <a:lnSpc>
+                <a:spcPct val="100000"/>
+              </a:lnSpc>
+              <a:spcBef>
+                <a:spcPts val="0"/>
+              </a:spcBef>
+              <a:spcAft>
+                <a:spcPts val="0"/>
+              </a:spcAft>
+              <a:buClrTx/>
+              <a:buSzTx/>
+              <a:buFontTx/>
+              <a:buNone/>
+              <a:tabLst/>
+              <a:defRPr/>
+            </a:pPr>
+            <a:endParaRPr kumimoji="0" lang="en-US" sz="1800" b="0" i="0" u="none" strike="noStrike" kern="1200" cap="none" spc="0" normalizeH="0" baseline="0" noProof="0">
+              <a:ln>
+                <a:noFill/>
+              </a:ln>
+              <a:solidFill>
+                <a:prstClr val="white"/>
+              </a:solidFill>
+              <a:effectLst/>
+              <a:uLnTx/>
+              <a:uFillTx/>
+              <a:latin typeface="Calibri" panose="020F0502020204030204"/>
+              <a:ea typeface="+mn-ea"/>
+              <a:cs typeface="+mn-cs"/>
+            </a:endParaRPr>
+          </a:p>
+        </p:txBody>
+      </p:sp>
+      <p:sp>
+        <p:nvSpPr>
+          <p:cNvPr id="2" name="Title 1">
+            <a:extLst>
+              <a:ext uri="{FF2B5EF4-FFF2-40B4-BE49-F238E27FC236}">
+                <a16:creationId xmlns:a16="http://schemas.microsoft.com/office/drawing/2014/main" id="{D0CCCD38-1330-4F99-B490-3ED6BED90DD4}"/>
+              </a:ext>
+            </a:extLst>
+          </p:cNvPr>
+          <p:cNvSpPr>
+            <a:spLocks noGrp="1"/>
+          </p:cNvSpPr>
+          <p:nvPr>
+            <p:ph type="title"/>
+          </p:nvPr>
+        </p:nvSpPr>
+        <p:spPr>
+          <a:xfrm>
+            <a:off x="524256" y="491260"/>
+            <a:ext cx="6594189" cy="1625210"/>
+          </a:xfrm>
+        </p:spPr>
+        <p:txBody>
+          <a:bodyPr>
+            <a:normAutofit/>
+          </a:bodyPr>
+          <a:lstStyle/>
+          <a:p>
+            <a:r>
+              <a:rPr lang="en-US" dirty="0">
+                <a:solidFill>
+                  <a:srgbClr val="FFFFFF"/>
+                </a:solidFill>
+              </a:rPr>
+              <a:t>Test The System – Unprocessed Data Set</a:t>
+            </a:r>
+          </a:p>
+        </p:txBody>
+      </p:sp>
+      <p:pic>
+        <p:nvPicPr>
+          <p:cNvPr id="4" name="Picture 8">
+            <a:extLst>
+              <a:ext uri="{FF2B5EF4-FFF2-40B4-BE49-F238E27FC236}">
+                <a16:creationId xmlns:a16="http://schemas.microsoft.com/office/drawing/2014/main" id="{F96FA98A-8161-4A46-839F-67568E77CA1F}"/>
+              </a:ext>
+            </a:extLst>
+          </p:cNvPr>
+          <p:cNvPicPr>
+            <a:picLocks noChangeAspect="1" noChangeArrowheads="1"/>
+          </p:cNvPicPr>
+          <p:nvPr/>
+        </p:nvPicPr>
+        <p:blipFill rotWithShape="1">
+          <a:blip r:embed="rId2">
+            <a:extLst>
+              <a:ext uri="{28A0092B-C50C-407E-A947-70E740481C1C}">
+                <a14:useLocalDpi xmlns:a14="http://schemas.microsoft.com/office/drawing/2010/main" val="0"/>
+              </a:ext>
+            </a:extLst>
+          </a:blip>
+          <a:srcRect l="7767" r="17632" b="1"/>
+          <a:stretch/>
+        </p:blipFill>
+        <p:spPr bwMode="auto">
+          <a:xfrm>
+            <a:off x="327546" y="2454903"/>
+            <a:ext cx="3442801" cy="4080254"/>
+          </a:xfrm>
+          <a:prstGeom prst="rect">
+            <a:avLst/>
+          </a:prstGeom>
+          <a:noFill/>
+          <a:extLst>
+            <a:ext uri="{909E8E84-426E-40DD-AFC4-6F175D3DCCD1}">
+              <a14:hiddenFill xmlns:a14="http://schemas.microsoft.com/office/drawing/2010/main">
+                <a:solidFill>
+                  <a:srgbClr val="FFFFFF"/>
+                </a:solidFill>
+              </a14:hiddenFill>
+            </a:ext>
+          </a:extLst>
+        </p:spPr>
+      </p:pic>
+      <p:pic>
+        <p:nvPicPr>
+          <p:cNvPr id="2058" name="Picture 10">
+            <a:extLst>
+              <a:ext uri="{FF2B5EF4-FFF2-40B4-BE49-F238E27FC236}">
+                <a16:creationId xmlns:a16="http://schemas.microsoft.com/office/drawing/2014/main" id="{A49DFFA7-CADE-4C95-9A5A-D9BCBCD348F7}"/>
+              </a:ext>
+            </a:extLst>
+          </p:cNvPr>
+          <p:cNvPicPr>
+            <a:picLocks noChangeAspect="1" noChangeArrowheads="1"/>
+          </p:cNvPicPr>
+          <p:nvPr/>
+        </p:nvPicPr>
+        <p:blipFill rotWithShape="1">
+          <a:blip r:embed="rId3">
+            <a:extLst>
+              <a:ext uri="{28A0092B-C50C-407E-A947-70E740481C1C}">
+                <a14:useLocalDpi xmlns:a14="http://schemas.microsoft.com/office/drawing/2010/main" val="0"/>
+              </a:ext>
+            </a:extLst>
+          </a:blip>
+          <a:srcRect l="13172" r="1816" b="4"/>
+          <a:stretch/>
+        </p:blipFill>
+        <p:spPr bwMode="auto">
+          <a:xfrm>
+            <a:off x="3942260" y="2454901"/>
+            <a:ext cx="3442803" cy="4080255"/>
+          </a:xfrm>
+          <a:prstGeom prst="rect">
+            <a:avLst/>
+          </a:prstGeom>
+          <a:noFill/>
+          <a:extLst>
+            <a:ext uri="{909E8E84-426E-40DD-AFC4-6F175D3DCCD1}">
+              <a14:hiddenFill xmlns:a14="http://schemas.microsoft.com/office/drawing/2010/main">
+                <a:solidFill>
+                  <a:srgbClr val="FFFFFF"/>
+                </a:solidFill>
+              </a14:hiddenFill>
+            </a:ext>
+          </a:extLst>
+        </p:spPr>
+      </p:pic>
+      <p:sp>
+        <p:nvSpPr>
+          <p:cNvPr id="145" name="Rectangle 144">
+            <a:extLst>
+              <a:ext uri="{FF2B5EF4-FFF2-40B4-BE49-F238E27FC236}">
+                <a16:creationId xmlns:a16="http://schemas.microsoft.com/office/drawing/2014/main" id="{73ED6512-6858-4552-B699-9A97FE9A4EA2}"/>
+              </a:ext>
+              <a:ext uri="{C183D7F6-B498-43B3-948B-1728B52AA6E4}">
+                <adec:decorative xmlns:adec="http://schemas.microsoft.com/office/drawing/2017/decorative" val="1"/>
+              </a:ext>
+            </a:extLst>
+          </p:cNvPr>
+          <p:cNvSpPr>
+            <a:spLocks noGrp="1" noRot="1" noChangeAspect="1" noMove="1" noResize="1" noEditPoints="1" noAdjustHandles="1" noChangeArrowheads="1" noChangeShapeType="1" noTextEdit="1"/>
+          </p:cNvSpPr>
+          <p:nvPr>
+            <p:extLst>
+              <p:ext uri="{386F3935-93C4-4BCD-93E2-E3B085C9AB24}">
+                <p16:designElem xmlns:p16="http://schemas.microsoft.com/office/powerpoint/2015/main" val="1"/>
+              </p:ext>
+            </p:extLst>
+          </p:nvPr>
+        </p:nvSpPr>
+        <p:spPr>
+          <a:xfrm>
+            <a:off x="7556975" y="321732"/>
+            <a:ext cx="4313293" cy="6214534"/>
+          </a:xfrm>
+          <a:prstGeom prst="rect">
+            <a:avLst/>
+          </a:prstGeom>
+          <a:solidFill>
+            <a:srgbClr val="595959"/>
+          </a:solidFill>
+          <a:ln>
+            <a:noFill/>
+          </a:ln>
+        </p:spPr>
+        <p:style>
+          <a:lnRef idx="2">
+            <a:schemeClr val="accent1">
+              <a:shade val="50000"/>
+            </a:schemeClr>
+          </a:lnRef>
+          <a:fillRef idx="1">
+            <a:schemeClr val="accent1"/>
+          </a:fillRef>
+          <a:effectRef idx="0">
+            <a:schemeClr val="accent1"/>
+          </a:effectRef>
+          <a:fontRef idx="minor">
+            <a:schemeClr val="lt1"/>
+          </a:fontRef>
+        </p:style>
+        <p:txBody>
+          <a:bodyPr rtlCol="0" anchor="ctr"/>
+          <a:lstStyle/>
+          <a:p>
+            <a:pPr marL="0" marR="0" lvl="0" indent="0" algn="ctr" defTabSz="914400" rtl="0" eaLnBrk="1" fontAlgn="auto" latinLnBrk="0" hangingPunct="1">
+              <a:lnSpc>
+                <a:spcPct val="100000"/>
+              </a:lnSpc>
+              <a:spcBef>
+                <a:spcPts val="0"/>
+              </a:spcBef>
+              <a:spcAft>
+                <a:spcPts val="0"/>
+              </a:spcAft>
+              <a:buClrTx/>
+              <a:buSzTx/>
+              <a:buFontTx/>
+              <a:buNone/>
+              <a:tabLst/>
+              <a:defRPr/>
+            </a:pPr>
+            <a:endParaRPr kumimoji="0" lang="en-US" sz="1800" b="0" i="0" u="none" strike="noStrike" kern="1200" cap="none" spc="0" normalizeH="0" baseline="0" noProof="0">
+              <a:ln>
+                <a:noFill/>
+              </a:ln>
+              <a:solidFill>
+                <a:prstClr val="white"/>
+              </a:solidFill>
+              <a:effectLst/>
+              <a:uLnTx/>
+              <a:uFillTx/>
+              <a:latin typeface="Calibri" panose="020F0502020204030204"/>
+              <a:ea typeface="+mn-ea"/>
+              <a:cs typeface="+mn-cs"/>
+            </a:endParaRPr>
+          </a:p>
+        </p:txBody>
+      </p:sp>
+      <p:sp>
+        <p:nvSpPr>
+          <p:cNvPr id="2056" name="Content Placeholder 2055">
+            <a:extLst>
+              <a:ext uri="{FF2B5EF4-FFF2-40B4-BE49-F238E27FC236}">
+                <a16:creationId xmlns:a16="http://schemas.microsoft.com/office/drawing/2014/main" id="{3E7228E2-F0ED-40F7-BCDC-6763F77F6629}"/>
+              </a:ext>
+            </a:extLst>
+          </p:cNvPr>
+          <p:cNvSpPr>
+            <a:spLocks noGrp="1"/>
+          </p:cNvSpPr>
+          <p:nvPr>
+            <p:ph idx="1"/>
+          </p:nvPr>
+        </p:nvSpPr>
+        <p:spPr>
+          <a:xfrm>
+            <a:off x="7957973" y="763523"/>
+            <a:ext cx="3511296" cy="5330952"/>
+          </a:xfrm>
+        </p:spPr>
+        <p:txBody>
+          <a:bodyPr anchor="ctr">
+            <a:normAutofit/>
+          </a:bodyPr>
+          <a:lstStyle/>
+          <a:p>
+            <a:endParaRPr lang="en-US" sz="2400">
+              <a:solidFill>
+                <a:srgbClr val="FFFFFF"/>
+              </a:solidFill>
+            </a:endParaRPr>
+          </a:p>
+        </p:txBody>
+      </p:sp>
+    </p:spTree>
+    <p:extLst>
+      <p:ext uri="{BB962C8B-B14F-4D97-AF65-F5344CB8AC3E}">
+        <p14:creationId xmlns:p14="http://schemas.microsoft.com/office/powerpoint/2010/main" val="4153135317"/>
+      </p:ext>
+    </p:extLst>
+  </p:cSld>
+  <p:clrMapOvr>
+    <a:masterClrMapping/>
+  </p:clrMapOvr>
+</p:sld>
+</file>
+
+<file path=ppt/slides/slide13.xml><?xml version="1.0" encoding="utf-8"?>
+<p:sld xmlns:a="http://schemas.openxmlformats.org/drawingml/2006/main" xmlns:r="http://schemas.openxmlformats.org/officeDocument/2006/relationships" xmlns:p="http://schemas.openxmlformats.org/presentationml/2006/main">
+  <p:cSld>
+    <p:bg>
+      <p:bgPr>
+        <a:solidFill>
+          <a:schemeClr val="bg1"/>
+        </a:solidFill>
+        <a:effectLst/>
+      </p:bgPr>
+    </p:bg>
+    <p:spTree>
+      <p:nvGrpSpPr>
+        <p:cNvPr id="1" name=""/>
+        <p:cNvGrpSpPr/>
+        <p:nvPr/>
+      </p:nvGrpSpPr>
+      <p:grpSpPr>
+        <a:xfrm>
+          <a:off x="0" y="0"/>
+          <a:ext cx="0" cy="0"/>
+          <a:chOff x="0" y="0"/>
+          <a:chExt cx="0" cy="0"/>
+        </a:xfrm>
+      </p:grpSpPr>
+      <p:sp>
+        <p:nvSpPr>
+          <p:cNvPr id="78" name="Rectangle 77">
+            <a:extLst>
+              <a:ext uri="{FF2B5EF4-FFF2-40B4-BE49-F238E27FC236}">
+                <a16:creationId xmlns:a16="http://schemas.microsoft.com/office/drawing/2014/main" id="{5E52985E-2553-471E-82AA-5ED7A329890A}"/>
+              </a:ext>
+              <a:ext uri="{C183D7F6-B498-43B3-948B-1728B52AA6E4}">
+                <adec:decorative xmlns:adec="http://schemas.microsoft.com/office/drawing/2017/decorative" val="1"/>
+              </a:ext>
+            </a:extLst>
+          </p:cNvPr>
+          <p:cNvSpPr>
+            <a:spLocks noGrp="1" noRot="1" noChangeAspect="1" noMove="1" noResize="1" noEditPoints="1" noAdjustHandles="1" noChangeArrowheads="1" noChangeShapeType="1" noTextEdit="1"/>
+          </p:cNvSpPr>
+          <p:nvPr>
+            <p:extLst>
+              <p:ext uri="{386F3935-93C4-4BCD-93E2-E3B085C9AB24}">
+                <p16:designElem xmlns:p16="http://schemas.microsoft.com/office/powerpoint/2015/main" val="1"/>
+              </p:ext>
+            </p:extLst>
+          </p:nvPr>
+        </p:nvSpPr>
+        <p:spPr bwMode="ltGray">
+          <a:xfrm>
+            <a:off x="393308" y="352931"/>
+            <a:ext cx="11438793" cy="1844256"/>
+          </a:xfrm>
+          <a:prstGeom prst="rect">
+            <a:avLst/>
+          </a:prstGeom>
+          <a:solidFill>
+            <a:schemeClr val="tx1">
+              <a:lumMod val="75000"/>
+              <a:lumOff val="25000"/>
+            </a:schemeClr>
+          </a:solidFill>
+          <a:ln w="127000" cap="sq" cmpd="thinThick">
+            <a:solidFill>
+              <a:schemeClr val="tx1">
+                <a:lumMod val="75000"/>
+                <a:lumOff val="25000"/>
+              </a:schemeClr>
+            </a:solidFill>
+          </a:ln>
+        </p:spPr>
+        <p:style>
+          <a:lnRef idx="2">
+            <a:schemeClr val="accent1">
+              <a:shade val="50000"/>
+            </a:schemeClr>
+          </a:lnRef>
+          <a:fillRef idx="1">
+            <a:schemeClr val="accent1"/>
+          </a:fillRef>
+          <a:effectRef idx="0">
+            <a:schemeClr val="accent1"/>
+          </a:effectRef>
+          <a:fontRef idx="minor">
+            <a:schemeClr val="lt1"/>
+          </a:fontRef>
+        </p:style>
+        <p:txBody>
+          <a:bodyPr rtlCol="0" anchor="ctr"/>
+          <a:lstStyle/>
+          <a:p>
+            <a:pPr marL="0" marR="0" lvl="0" indent="0" algn="ctr" defTabSz="914400" rtl="0" eaLnBrk="1" fontAlgn="auto" latinLnBrk="0" hangingPunct="1">
+              <a:lnSpc>
+                <a:spcPct val="100000"/>
+              </a:lnSpc>
+              <a:spcBef>
+                <a:spcPts val="0"/>
+              </a:spcBef>
+              <a:spcAft>
+                <a:spcPts val="0"/>
+              </a:spcAft>
+              <a:buClrTx/>
+              <a:buSzTx/>
+              <a:buFontTx/>
+              <a:buNone/>
+              <a:tabLst/>
+              <a:defRPr/>
+            </a:pPr>
+            <a:endParaRPr kumimoji="0" lang="en-US" sz="1800" b="0" i="0" u="none" strike="noStrike" kern="1200" cap="none" spc="0" normalizeH="0" baseline="0" noProof="0">
+              <a:ln>
+                <a:noFill/>
+              </a:ln>
+              <a:solidFill>
+                <a:prstClr val="white"/>
+              </a:solidFill>
+              <a:effectLst/>
+              <a:uLnTx/>
+              <a:uFillTx/>
+              <a:latin typeface="Calibri" panose="020F0502020204030204"/>
+              <a:ea typeface="+mn-ea"/>
+              <a:cs typeface="+mn-cs"/>
+            </a:endParaRPr>
+          </a:p>
+        </p:txBody>
+      </p:sp>
+      <p:sp>
+        <p:nvSpPr>
+          <p:cNvPr id="2" name="Title 1">
+            <a:extLst>
+              <a:ext uri="{FF2B5EF4-FFF2-40B4-BE49-F238E27FC236}">
+                <a16:creationId xmlns:a16="http://schemas.microsoft.com/office/drawing/2014/main" id="{1F2032A0-A874-44F6-BD4B-9F0B46269B9A}"/>
+              </a:ext>
+            </a:extLst>
+          </p:cNvPr>
+          <p:cNvSpPr>
+            <a:spLocks noGrp="1"/>
+          </p:cNvSpPr>
+          <p:nvPr>
+            <p:ph type="title"/>
+          </p:nvPr>
+        </p:nvSpPr>
+        <p:spPr>
+          <a:xfrm>
+            <a:off x="649270" y="506727"/>
+            <a:ext cx="3885141" cy="1526741"/>
+          </a:xfrm>
+        </p:spPr>
+        <p:txBody>
+          <a:bodyPr>
+            <a:normAutofit/>
+          </a:bodyPr>
+          <a:lstStyle/>
+          <a:p>
+            <a:pPr algn="r"/>
+            <a:r>
+              <a:rPr lang="en-US" sz="2600">
+                <a:solidFill>
+                  <a:schemeClr val="bg1"/>
+                </a:solidFill>
+              </a:rPr>
+              <a:t>Analyzing </a:t>
+            </a:r>
+            <a:br>
+              <a:rPr lang="en-US" sz="2600">
+                <a:solidFill>
+                  <a:schemeClr val="bg1"/>
+                </a:solidFill>
+              </a:rPr>
+            </a:br>
+            <a:r>
+              <a:rPr lang="en-US" sz="2600">
+                <a:solidFill>
+                  <a:schemeClr val="bg1"/>
+                </a:solidFill>
+              </a:rPr>
+              <a:t>Training Data vs. Test Data</a:t>
+            </a:r>
+            <a:br>
+              <a:rPr lang="en-US" sz="2600">
+                <a:solidFill>
+                  <a:schemeClr val="bg1"/>
+                </a:solidFill>
+              </a:rPr>
+            </a:br>
+            <a:r>
+              <a:rPr lang="en-US" sz="2600">
+                <a:solidFill>
+                  <a:schemeClr val="bg1"/>
+                </a:solidFill>
+              </a:rPr>
+              <a:t>Unprocessed Data Set</a:t>
+            </a:r>
+          </a:p>
+        </p:txBody>
+      </p:sp>
+      <p:cxnSp>
+        <p:nvCxnSpPr>
+          <p:cNvPr id="80" name="Straight Connector 79">
+            <a:extLst>
+              <a:ext uri="{FF2B5EF4-FFF2-40B4-BE49-F238E27FC236}">
+                <a16:creationId xmlns:a16="http://schemas.microsoft.com/office/drawing/2014/main" id="{DAE3ABC6-4042-4293-A7DF-F01181363B7E}"/>
+              </a:ext>
+              <a:ext uri="{C183D7F6-B498-43B3-948B-1728B52AA6E4}">
+                <adec:decorative xmlns:adec="http://schemas.microsoft.com/office/drawing/2017/decorative" val="1"/>
+              </a:ext>
+            </a:extLst>
+          </p:cNvPr>
+          <p:cNvCxnSpPr>
+            <a:cxnSpLocks noGrp="1" noRot="1" noChangeAspect="1" noMove="1" noResize="1" noEditPoints="1" noAdjustHandles="1" noChangeArrowheads="1" noChangeShapeType="1"/>
+          </p:cNvCxnSpPr>
+          <p:nvPr>
+            <p:extLst>
+              <p:ext uri="{386F3935-93C4-4BCD-93E2-E3B085C9AB24}">
+                <p16:designElem xmlns:p16="http://schemas.microsoft.com/office/powerpoint/2015/main" val="1"/>
+              </p:ext>
+            </p:extLst>
+          </p:nvPr>
+        </p:nvCxnSpPr>
+        <p:spPr>
+          <a:xfrm flipV="1">
+            <a:off x="4739873" y="580963"/>
+            <a:ext cx="0" cy="1371600"/>
+          </a:xfrm>
+          <a:prstGeom prst="line">
+            <a:avLst/>
+          </a:prstGeom>
+          <a:ln w="19050">
+            <a:solidFill>
+              <a:schemeClr val="bg1">
+                <a:alpha val="75000"/>
+              </a:schemeClr>
+            </a:solidFill>
+          </a:ln>
+        </p:spPr>
+        <p:style>
+          <a:lnRef idx="1">
+            <a:schemeClr val="accent1"/>
+          </a:lnRef>
+          <a:fillRef idx="0">
+            <a:schemeClr val="accent1"/>
+          </a:fillRef>
+          <a:effectRef idx="0">
+            <a:schemeClr val="accent1"/>
+          </a:effectRef>
+          <a:fontRef idx="minor">
+            <a:schemeClr val="tx1"/>
+          </a:fontRef>
+        </p:style>
+      </p:cxnSp>
+      <p:sp>
+        <p:nvSpPr>
+          <p:cNvPr id="3078" name="Content Placeholder 3077">
+            <a:extLst>
+              <a:ext uri="{FF2B5EF4-FFF2-40B4-BE49-F238E27FC236}">
+                <a16:creationId xmlns:a16="http://schemas.microsoft.com/office/drawing/2014/main" id="{A24AA262-F86E-448C-9C16-128956DA75B4}"/>
+              </a:ext>
+            </a:extLst>
+          </p:cNvPr>
+          <p:cNvSpPr>
+            <a:spLocks noGrp="1"/>
+          </p:cNvSpPr>
+          <p:nvPr>
+            <p:ph idx="1"/>
+          </p:nvPr>
+        </p:nvSpPr>
+        <p:spPr>
+          <a:xfrm>
+            <a:off x="4945336" y="506727"/>
+            <a:ext cx="6609921" cy="1526741"/>
+          </a:xfrm>
+        </p:spPr>
+        <p:txBody>
+          <a:bodyPr anchor="ctr">
+            <a:normAutofit/>
+          </a:bodyPr>
+          <a:lstStyle/>
+          <a:p>
+            <a:endParaRPr lang="en-US" sz="2200">
+              <a:solidFill>
+                <a:schemeClr val="bg1"/>
+              </a:solidFill>
+            </a:endParaRPr>
+          </a:p>
+        </p:txBody>
+      </p:sp>
+      <p:pic>
+        <p:nvPicPr>
+          <p:cNvPr id="4" name="Picture 6">
+            <a:extLst>
+              <a:ext uri="{FF2B5EF4-FFF2-40B4-BE49-F238E27FC236}">
+                <a16:creationId xmlns:a16="http://schemas.microsoft.com/office/drawing/2014/main" id="{A25A57CC-F7A1-47DD-81D3-121DD5FA6482}"/>
+              </a:ext>
+            </a:extLst>
+          </p:cNvPr>
+          <p:cNvPicPr>
+            <a:picLocks noChangeAspect="1" noChangeArrowheads="1"/>
+          </p:cNvPicPr>
+          <p:nvPr/>
+        </p:nvPicPr>
+        <p:blipFill>
+          <a:blip r:embed="rId2">
+            <a:extLst>
+              <a:ext uri="{28A0092B-C50C-407E-A947-70E740481C1C}">
+                <a14:useLocalDpi xmlns:a14="http://schemas.microsoft.com/office/drawing/2010/main" val="0"/>
+              </a:ext>
+            </a:extLst>
+          </a:blip>
+          <a:stretch>
+            <a:fillRect/>
+          </a:stretch>
+        </p:blipFill>
+        <p:spPr bwMode="auto">
+          <a:xfrm>
+            <a:off x="393308" y="2540359"/>
+            <a:ext cx="5559480" cy="3716151"/>
+          </a:xfrm>
+          <a:prstGeom prst="rect">
+            <a:avLst/>
+          </a:prstGeom>
+          <a:noFill/>
+          <a:extLst>
+            <a:ext uri="{909E8E84-426E-40DD-AFC4-6F175D3DCCD1}">
+              <a14:hiddenFill xmlns:a14="http://schemas.microsoft.com/office/drawing/2010/main">
+                <a:solidFill>
+                  <a:srgbClr val="FFFFFF"/>
+                </a:solidFill>
+              </a14:hiddenFill>
+            </a:ext>
+          </a:extLst>
+        </p:spPr>
+      </p:pic>
+      <p:pic>
+        <p:nvPicPr>
+          <p:cNvPr id="5" name="Picture 8">
+            <a:extLst>
+              <a:ext uri="{FF2B5EF4-FFF2-40B4-BE49-F238E27FC236}">
+                <a16:creationId xmlns:a16="http://schemas.microsoft.com/office/drawing/2014/main" id="{56914D6E-C892-49F8-8475-29F05982692B}"/>
+              </a:ext>
+            </a:extLst>
+          </p:cNvPr>
+          <p:cNvPicPr>
+            <a:picLocks noChangeAspect="1" noChangeArrowheads="1"/>
+          </p:cNvPicPr>
+          <p:nvPr/>
+        </p:nvPicPr>
+        <p:blipFill>
+          <a:blip r:embed="rId3">
+            <a:extLst>
+              <a:ext uri="{28A0092B-C50C-407E-A947-70E740481C1C}">
+                <a14:useLocalDpi xmlns:a14="http://schemas.microsoft.com/office/drawing/2010/main" val="0"/>
+              </a:ext>
+            </a:extLst>
+          </a:blip>
+          <a:stretch>
+            <a:fillRect/>
+          </a:stretch>
+        </p:blipFill>
+        <p:spPr bwMode="auto">
+          <a:xfrm>
+            <a:off x="6251736" y="2545278"/>
+            <a:ext cx="5546955" cy="3714478"/>
+          </a:xfrm>
+          <a:prstGeom prst="rect">
+            <a:avLst/>
+          </a:prstGeom>
+          <a:noFill/>
+          <a:extLst>
+            <a:ext uri="{909E8E84-426E-40DD-AFC4-6F175D3DCCD1}">
+              <a14:hiddenFill xmlns:a14="http://schemas.microsoft.com/office/drawing/2010/main">
+                <a:solidFill>
+                  <a:srgbClr val="FFFFFF"/>
+                </a:solidFill>
+              </a14:hiddenFill>
+            </a:ext>
+          </a:extLst>
+        </p:spPr>
+      </p:pic>
+    </p:spTree>
+    <p:extLst>
+      <p:ext uri="{BB962C8B-B14F-4D97-AF65-F5344CB8AC3E}">
+        <p14:creationId xmlns:p14="http://schemas.microsoft.com/office/powerpoint/2010/main" val="1435613041"/>
+      </p:ext>
+    </p:extLst>
+  </p:cSld>
+  <p:clrMapOvr>
+    <a:masterClrMapping/>
+  </p:clrMapOvr>
+</p:sld>
+</file>
+
+<file path=ppt/slides/slide14.xml><?xml version="1.0" encoding="utf-8"?>
+<p:sld xmlns:a="http://schemas.openxmlformats.org/drawingml/2006/main" xmlns:r="http://schemas.openxmlformats.org/officeDocument/2006/relationships" xmlns:p="http://schemas.openxmlformats.org/presentationml/2006/main">
+  <p:cSld>
+    <p:bg>
+      <p:bgPr>
+        <a:solidFill>
+          <a:schemeClr val="bg1"/>
+        </a:solidFill>
+        <a:effectLst/>
+      </p:bgPr>
+    </p:bg>
+    <p:spTree>
+      <p:nvGrpSpPr>
+        <p:cNvPr id="1" name=""/>
+        <p:cNvGrpSpPr/>
+        <p:nvPr/>
+      </p:nvGrpSpPr>
+      <p:grpSpPr>
+        <a:xfrm>
+          <a:off x="0" y="0"/>
+          <a:ext cx="0" cy="0"/>
+          <a:chOff x="0" y="0"/>
+          <a:chExt cx="0" cy="0"/>
+        </a:xfrm>
+      </p:grpSpPr>
+      <p:sp>
+        <p:nvSpPr>
+          <p:cNvPr id="5128" name="Rectangle 137">
+            <a:extLst>
+              <a:ext uri="{FF2B5EF4-FFF2-40B4-BE49-F238E27FC236}">
+                <a16:creationId xmlns:a16="http://schemas.microsoft.com/office/drawing/2014/main" id="{5E52985E-2553-471E-82AA-5ED7A329890A}"/>
+              </a:ext>
+              <a:ext uri="{C183D7F6-B498-43B3-948B-1728B52AA6E4}">
+                <adec:decorative xmlns:adec="http://schemas.microsoft.com/office/drawing/2017/decorative" val="1"/>
+              </a:ext>
+            </a:extLst>
+          </p:cNvPr>
+          <p:cNvSpPr>
+            <a:spLocks noGrp="1" noRot="1" noChangeAspect="1" noMove="1" noResize="1" noEditPoints="1" noAdjustHandles="1" noChangeArrowheads="1" noChangeShapeType="1" noTextEdit="1"/>
+          </p:cNvSpPr>
+          <p:nvPr>
+            <p:extLst>
+              <p:ext uri="{386F3935-93C4-4BCD-93E2-E3B085C9AB24}">
+                <p16:designElem xmlns:p16="http://schemas.microsoft.com/office/powerpoint/2015/main" val="1"/>
+              </p:ext>
+            </p:extLst>
+          </p:nvPr>
+        </p:nvSpPr>
+        <p:spPr bwMode="ltGray">
+          <a:xfrm>
+            <a:off x="393308" y="352931"/>
+            <a:ext cx="11438793" cy="1844256"/>
+          </a:xfrm>
+          <a:prstGeom prst="rect">
+            <a:avLst/>
+          </a:prstGeom>
+          <a:solidFill>
+            <a:schemeClr val="tx1">
+              <a:lumMod val="75000"/>
+              <a:lumOff val="25000"/>
+            </a:schemeClr>
+          </a:solidFill>
+          <a:ln w="127000" cap="sq" cmpd="thinThick">
+            <a:solidFill>
+              <a:schemeClr val="tx1">
+                <a:lumMod val="75000"/>
+                <a:lumOff val="25000"/>
+              </a:schemeClr>
+            </a:solidFill>
+          </a:ln>
+        </p:spPr>
+        <p:style>
+          <a:lnRef idx="2">
+            <a:schemeClr val="accent1">
+              <a:shade val="50000"/>
+            </a:schemeClr>
+          </a:lnRef>
+          <a:fillRef idx="1">
+            <a:schemeClr val="accent1"/>
+          </a:fillRef>
+          <a:effectRef idx="0">
+            <a:schemeClr val="accent1"/>
+          </a:effectRef>
+          <a:fontRef idx="minor">
+            <a:schemeClr val="lt1"/>
+          </a:fontRef>
+        </p:style>
+        <p:txBody>
+          <a:bodyPr rtlCol="0" anchor="ctr"/>
+          <a:lstStyle/>
+          <a:p>
+            <a:pPr marL="0" marR="0" lvl="0" indent="0" algn="ctr" defTabSz="914400" rtl="0" eaLnBrk="1" fontAlgn="auto" latinLnBrk="0" hangingPunct="1">
+              <a:lnSpc>
+                <a:spcPct val="100000"/>
+              </a:lnSpc>
+              <a:spcBef>
+                <a:spcPts val="0"/>
+              </a:spcBef>
+              <a:spcAft>
+                <a:spcPts val="0"/>
+              </a:spcAft>
+              <a:buClrTx/>
+              <a:buSzTx/>
+              <a:buFontTx/>
+              <a:buNone/>
+              <a:tabLst/>
+              <a:defRPr/>
+            </a:pPr>
+            <a:endParaRPr kumimoji="0" lang="en-US" sz="1800" b="0" i="0" u="none" strike="noStrike" kern="1200" cap="none" spc="0" normalizeH="0" baseline="0" noProof="0">
+              <a:ln>
+                <a:noFill/>
+              </a:ln>
+              <a:solidFill>
+                <a:prstClr val="white"/>
+              </a:solidFill>
+              <a:effectLst/>
+              <a:uLnTx/>
+              <a:uFillTx/>
+              <a:latin typeface="Calibri" panose="020F0502020204030204"/>
+              <a:ea typeface="+mn-ea"/>
+              <a:cs typeface="+mn-cs"/>
+            </a:endParaRPr>
+          </a:p>
+        </p:txBody>
+      </p:sp>
+      <p:sp>
+        <p:nvSpPr>
+          <p:cNvPr id="2" name="Title 1">
+            <a:extLst>
+              <a:ext uri="{FF2B5EF4-FFF2-40B4-BE49-F238E27FC236}">
+                <a16:creationId xmlns:a16="http://schemas.microsoft.com/office/drawing/2014/main" id="{D0CCCD38-1330-4F99-B490-3ED6BED90DD4}"/>
+              </a:ext>
+            </a:extLst>
+          </p:cNvPr>
+          <p:cNvSpPr>
+            <a:spLocks noGrp="1"/>
+          </p:cNvSpPr>
+          <p:nvPr>
+            <p:ph type="title"/>
+          </p:nvPr>
+        </p:nvSpPr>
+        <p:spPr>
+          <a:xfrm>
+            <a:off x="649270" y="506727"/>
+            <a:ext cx="3885141" cy="1526741"/>
+          </a:xfrm>
+        </p:spPr>
+        <p:txBody>
+          <a:bodyPr>
+            <a:normAutofit/>
+          </a:bodyPr>
+          <a:lstStyle/>
+          <a:p>
+            <a:pPr algn="r"/>
+            <a:r>
+              <a:rPr lang="en-US" sz="3000">
+                <a:solidFill>
+                  <a:schemeClr val="bg1"/>
+                </a:solidFill>
+              </a:rPr>
+              <a:t>Test The System –               Pre-Processed Data Set</a:t>
+            </a:r>
+          </a:p>
+        </p:txBody>
+      </p:sp>
+      <p:cxnSp>
+        <p:nvCxnSpPr>
+          <p:cNvPr id="5129" name="Straight Connector 139">
+            <a:extLst>
+              <a:ext uri="{FF2B5EF4-FFF2-40B4-BE49-F238E27FC236}">
+                <a16:creationId xmlns:a16="http://schemas.microsoft.com/office/drawing/2014/main" id="{DAE3ABC6-4042-4293-A7DF-F01181363B7E}"/>
+              </a:ext>
+              <a:ext uri="{C183D7F6-B498-43B3-948B-1728B52AA6E4}">
+                <adec:decorative xmlns:adec="http://schemas.microsoft.com/office/drawing/2017/decorative" val="1"/>
+              </a:ext>
+            </a:extLst>
+          </p:cNvPr>
+          <p:cNvCxnSpPr>
+            <a:cxnSpLocks noGrp="1" noRot="1" noChangeAspect="1" noMove="1" noResize="1" noEditPoints="1" noAdjustHandles="1" noChangeArrowheads="1" noChangeShapeType="1"/>
+          </p:cNvCxnSpPr>
+          <p:nvPr>
+            <p:extLst>
+              <p:ext uri="{386F3935-93C4-4BCD-93E2-E3B085C9AB24}">
+                <p16:designElem xmlns:p16="http://schemas.microsoft.com/office/powerpoint/2015/main" val="1"/>
+              </p:ext>
+            </p:extLst>
+          </p:nvPr>
+        </p:nvCxnSpPr>
+        <p:spPr>
+          <a:xfrm flipV="1">
+            <a:off x="4739873" y="580963"/>
+            <a:ext cx="0" cy="1371600"/>
+          </a:xfrm>
+          <a:prstGeom prst="line">
+            <a:avLst/>
+          </a:prstGeom>
+          <a:ln w="19050">
+            <a:solidFill>
+              <a:schemeClr val="bg1">
+                <a:alpha val="75000"/>
+              </a:schemeClr>
+            </a:solidFill>
+          </a:ln>
+        </p:spPr>
+        <p:style>
+          <a:lnRef idx="1">
+            <a:schemeClr val="accent1"/>
+          </a:lnRef>
+          <a:fillRef idx="0">
+            <a:schemeClr val="accent1"/>
+          </a:fillRef>
+          <a:effectRef idx="0">
+            <a:schemeClr val="accent1"/>
+          </a:effectRef>
+          <a:fontRef idx="minor">
+            <a:schemeClr val="tx1"/>
+          </a:fontRef>
+        </p:style>
+      </p:cxnSp>
+      <p:sp>
+        <p:nvSpPr>
+          <p:cNvPr id="2056" name="Content Placeholder 2055">
+            <a:extLst>
+              <a:ext uri="{FF2B5EF4-FFF2-40B4-BE49-F238E27FC236}">
+                <a16:creationId xmlns:a16="http://schemas.microsoft.com/office/drawing/2014/main" id="{3E7228E2-F0ED-40F7-BCDC-6763F77F6629}"/>
+              </a:ext>
+            </a:extLst>
+          </p:cNvPr>
+          <p:cNvSpPr>
+            <a:spLocks noGrp="1"/>
+          </p:cNvSpPr>
+          <p:nvPr>
+            <p:ph idx="1"/>
+          </p:nvPr>
+        </p:nvSpPr>
+        <p:spPr>
+          <a:xfrm>
+            <a:off x="4945336" y="506727"/>
+            <a:ext cx="6609921" cy="1526741"/>
+          </a:xfrm>
+        </p:spPr>
+        <p:txBody>
+          <a:bodyPr anchor="ctr">
+            <a:normAutofit/>
+          </a:bodyPr>
+          <a:lstStyle/>
+          <a:p>
+            <a:endParaRPr lang="en-US" sz="2200" dirty="0">
+              <a:solidFill>
+                <a:schemeClr val="bg1"/>
+              </a:solidFill>
+            </a:endParaRPr>
+          </a:p>
+        </p:txBody>
+      </p:sp>
+      <p:pic>
+        <p:nvPicPr>
+          <p:cNvPr id="5124" name="Picture 4">
+            <a:extLst>
+              <a:ext uri="{FF2B5EF4-FFF2-40B4-BE49-F238E27FC236}">
+                <a16:creationId xmlns:a16="http://schemas.microsoft.com/office/drawing/2014/main" id="{8B4BF751-AB1E-4F4B-B6C9-A415FC35107D}"/>
+              </a:ext>
+            </a:extLst>
+          </p:cNvPr>
+          <p:cNvPicPr>
+            <a:picLocks noChangeAspect="1" noChangeArrowheads="1"/>
+          </p:cNvPicPr>
+          <p:nvPr/>
+        </p:nvPicPr>
+        <p:blipFill rotWithShape="1">
+          <a:blip r:embed="rId2">
+            <a:extLst>
+              <a:ext uri="{28A0092B-C50C-407E-A947-70E740481C1C}">
+                <a14:useLocalDpi xmlns:a14="http://schemas.microsoft.com/office/drawing/2010/main" val="0"/>
+              </a:ext>
+            </a:extLst>
+          </a:blip>
+          <a:srcRect t="2909" r="-3" b="1422"/>
+          <a:stretch/>
+        </p:blipFill>
+        <p:spPr bwMode="auto">
+          <a:xfrm>
+            <a:off x="393308" y="2350983"/>
+            <a:ext cx="5559480" cy="3926054"/>
+          </a:xfrm>
+          <a:prstGeom prst="rect">
+            <a:avLst/>
+          </a:prstGeom>
+          <a:noFill/>
+          <a:extLst>
+            <a:ext uri="{909E8E84-426E-40DD-AFC4-6F175D3DCCD1}">
+              <a14:hiddenFill xmlns:a14="http://schemas.microsoft.com/office/drawing/2010/main">
+                <a:solidFill>
+                  <a:srgbClr val="FFFFFF"/>
+                </a:solidFill>
+              </a14:hiddenFill>
+            </a:ext>
+          </a:extLst>
+        </p:spPr>
+      </p:pic>
+      <p:pic>
+        <p:nvPicPr>
+          <p:cNvPr id="5122" name="Picture 2">
+            <a:extLst>
+              <a:ext uri="{FF2B5EF4-FFF2-40B4-BE49-F238E27FC236}">
+                <a16:creationId xmlns:a16="http://schemas.microsoft.com/office/drawing/2014/main" id="{DC235BF7-793D-460E-816B-A7164CF1E252}"/>
+              </a:ext>
+            </a:extLst>
+          </p:cNvPr>
+          <p:cNvPicPr>
+            <a:picLocks noChangeAspect="1" noChangeArrowheads="1"/>
+          </p:cNvPicPr>
+          <p:nvPr/>
+        </p:nvPicPr>
+        <p:blipFill rotWithShape="1">
+          <a:blip r:embed="rId3">
+            <a:extLst>
+              <a:ext uri="{28A0092B-C50C-407E-A947-70E740481C1C}">
+                <a14:useLocalDpi xmlns:a14="http://schemas.microsoft.com/office/drawing/2010/main" val="0"/>
+              </a:ext>
+            </a:extLst>
+          </a:blip>
+          <a:srcRect l="-1" t="-52" r="-2" b="-2"/>
+          <a:stretch/>
+        </p:blipFill>
+        <p:spPr bwMode="auto">
+          <a:xfrm>
+            <a:off x="6251736" y="2419927"/>
+            <a:ext cx="5546955" cy="3857110"/>
+          </a:xfrm>
+          <a:prstGeom prst="rect">
+            <a:avLst/>
+          </a:prstGeom>
+          <a:noFill/>
+          <a:extLst>
+            <a:ext uri="{909E8E84-426E-40DD-AFC4-6F175D3DCCD1}">
+              <a14:hiddenFill xmlns:a14="http://schemas.microsoft.com/office/drawing/2010/main">
+                <a:solidFill>
+                  <a:srgbClr val="FFFFFF"/>
+                </a:solidFill>
+              </a14:hiddenFill>
+            </a:ext>
+          </a:extLst>
+        </p:spPr>
+      </p:pic>
+    </p:spTree>
+    <p:extLst>
+      <p:ext uri="{BB962C8B-B14F-4D97-AF65-F5344CB8AC3E}">
+        <p14:creationId xmlns:p14="http://schemas.microsoft.com/office/powerpoint/2010/main" val="415929030"/>
+      </p:ext>
+    </p:extLst>
+  </p:cSld>
+  <p:clrMapOvr>
+    <a:masterClrMapping/>
+  </p:clrMapOvr>
+</p:sld>
+</file>
+
+<file path=ppt/slides/slide15.xml><?xml version="1.0" encoding="utf-8"?>
+<p:sld xmlns:a="http://schemas.openxmlformats.org/drawingml/2006/main" xmlns:r="http://schemas.openxmlformats.org/officeDocument/2006/relationships" xmlns:p="http://schemas.openxmlformats.org/presentationml/2006/main">
+  <p:cSld>
+    <p:bg>
+      <p:bgPr>
+        <a:solidFill>
+          <a:schemeClr val="bg1"/>
+        </a:solidFill>
+        <a:effectLst/>
+      </p:bgPr>
+    </p:bg>
+    <p:spTree>
+      <p:nvGrpSpPr>
+        <p:cNvPr id="1" name=""/>
+        <p:cNvGrpSpPr/>
+        <p:nvPr/>
+      </p:nvGrpSpPr>
+      <p:grpSpPr>
+        <a:xfrm>
+          <a:off x="0" y="0"/>
+          <a:ext cx="0" cy="0"/>
+          <a:chOff x="0" y="0"/>
+          <a:chExt cx="0" cy="0"/>
+        </a:xfrm>
+      </p:grpSpPr>
+      <p:sp>
+        <p:nvSpPr>
+          <p:cNvPr id="76" name="Rectangle 75">
+            <a:extLst>
+              <a:ext uri="{FF2B5EF4-FFF2-40B4-BE49-F238E27FC236}">
+                <a16:creationId xmlns:a16="http://schemas.microsoft.com/office/drawing/2014/main" id="{5E52985E-2553-471E-82AA-5ED7A329890A}"/>
+              </a:ext>
+              <a:ext uri="{C183D7F6-B498-43B3-948B-1728B52AA6E4}">
+                <adec:decorative xmlns:adec="http://schemas.microsoft.com/office/drawing/2017/decorative" val="1"/>
+              </a:ext>
+            </a:extLst>
+          </p:cNvPr>
+          <p:cNvSpPr>
+            <a:spLocks noGrp="1" noRot="1" noChangeAspect="1" noMove="1" noResize="1" noEditPoints="1" noAdjustHandles="1" noChangeArrowheads="1" noChangeShapeType="1" noTextEdit="1"/>
+          </p:cNvSpPr>
+          <p:nvPr>
+            <p:extLst>
+              <p:ext uri="{386F3935-93C4-4BCD-93E2-E3B085C9AB24}">
+                <p16:designElem xmlns:p16="http://schemas.microsoft.com/office/powerpoint/2015/main" val="1"/>
+              </p:ext>
+            </p:extLst>
+          </p:nvPr>
+        </p:nvSpPr>
+        <p:spPr bwMode="ltGray">
+          <a:xfrm>
+            <a:off x="393308" y="352931"/>
+            <a:ext cx="11438793" cy="1844256"/>
+          </a:xfrm>
+          <a:prstGeom prst="rect">
+            <a:avLst/>
+          </a:prstGeom>
+          <a:solidFill>
+            <a:schemeClr val="tx1">
+              <a:lumMod val="75000"/>
+              <a:lumOff val="25000"/>
+            </a:schemeClr>
+          </a:solidFill>
+          <a:ln w="127000" cap="sq" cmpd="thinThick">
+            <a:solidFill>
+              <a:schemeClr val="tx1">
+                <a:lumMod val="75000"/>
+                <a:lumOff val="25000"/>
+              </a:schemeClr>
+            </a:solidFill>
+          </a:ln>
+        </p:spPr>
+        <p:style>
+          <a:lnRef idx="2">
+            <a:schemeClr val="accent1">
+              <a:shade val="50000"/>
+            </a:schemeClr>
+          </a:lnRef>
+          <a:fillRef idx="1">
+            <a:schemeClr val="accent1"/>
+          </a:fillRef>
+          <a:effectRef idx="0">
+            <a:schemeClr val="accent1"/>
+          </a:effectRef>
+          <a:fontRef idx="minor">
+            <a:schemeClr val="lt1"/>
+          </a:fontRef>
+        </p:style>
+        <p:txBody>
+          <a:bodyPr rtlCol="0" anchor="ctr"/>
+          <a:lstStyle/>
+          <a:p>
+            <a:pPr marL="0" marR="0" lvl="0" indent="0" algn="ctr" defTabSz="914400" rtl="0" eaLnBrk="1" fontAlgn="auto" latinLnBrk="0" hangingPunct="1">
+              <a:lnSpc>
+                <a:spcPct val="100000"/>
+              </a:lnSpc>
+              <a:spcBef>
+                <a:spcPts val="0"/>
+              </a:spcBef>
+              <a:spcAft>
+                <a:spcPts val="0"/>
+              </a:spcAft>
+              <a:buClrTx/>
+              <a:buSzTx/>
+              <a:buFontTx/>
+              <a:buNone/>
+              <a:tabLst/>
+              <a:defRPr/>
+            </a:pPr>
+            <a:endParaRPr kumimoji="0" lang="en-US" sz="1800" b="0" i="0" u="none" strike="noStrike" kern="1200" cap="none" spc="0" normalizeH="0" baseline="0" noProof="0">
+              <a:ln>
+                <a:noFill/>
+              </a:ln>
+              <a:solidFill>
+                <a:prstClr val="white"/>
+              </a:solidFill>
+              <a:effectLst/>
+              <a:uLnTx/>
+              <a:uFillTx/>
+              <a:latin typeface="Calibri" panose="020F0502020204030204"/>
+              <a:ea typeface="+mn-ea"/>
+              <a:cs typeface="+mn-cs"/>
+            </a:endParaRPr>
+          </a:p>
+        </p:txBody>
+      </p:sp>
+      <p:sp>
+        <p:nvSpPr>
+          <p:cNvPr id="2" name="Title 1">
+            <a:extLst>
+              <a:ext uri="{FF2B5EF4-FFF2-40B4-BE49-F238E27FC236}">
+                <a16:creationId xmlns:a16="http://schemas.microsoft.com/office/drawing/2014/main" id="{1F2032A0-A874-44F6-BD4B-9F0B46269B9A}"/>
+              </a:ext>
+            </a:extLst>
+          </p:cNvPr>
+          <p:cNvSpPr>
+            <a:spLocks noGrp="1"/>
+          </p:cNvSpPr>
+          <p:nvPr>
+            <p:ph type="title"/>
+          </p:nvPr>
+        </p:nvSpPr>
+        <p:spPr>
+          <a:xfrm>
+            <a:off x="649270" y="506727"/>
+            <a:ext cx="3885141" cy="1526741"/>
+          </a:xfrm>
+        </p:spPr>
+        <p:txBody>
+          <a:bodyPr>
+            <a:normAutofit/>
+          </a:bodyPr>
+          <a:lstStyle/>
+          <a:p>
+            <a:pPr algn="r"/>
+            <a:r>
+              <a:rPr lang="en-US" sz="2600">
+                <a:solidFill>
+                  <a:schemeClr val="bg1"/>
+                </a:solidFill>
+              </a:rPr>
+              <a:t>Analyzing</a:t>
+            </a:r>
+            <a:br>
+              <a:rPr lang="en-US" sz="2600">
+                <a:solidFill>
+                  <a:schemeClr val="bg1"/>
+                </a:solidFill>
+              </a:rPr>
+            </a:br>
+            <a:r>
+              <a:rPr lang="en-US" sz="2600">
+                <a:solidFill>
+                  <a:schemeClr val="bg1"/>
+                </a:solidFill>
+              </a:rPr>
+              <a:t>Training Data vs. Test Data</a:t>
+            </a:r>
+            <a:br>
+              <a:rPr lang="en-US" sz="2600">
+                <a:solidFill>
+                  <a:schemeClr val="bg1"/>
+                </a:solidFill>
+              </a:rPr>
+            </a:br>
+            <a:r>
+              <a:rPr lang="en-US" sz="2600">
+                <a:solidFill>
+                  <a:schemeClr val="bg1"/>
+                </a:solidFill>
+              </a:rPr>
+              <a:t>Pre-Processed Data Set</a:t>
+            </a:r>
+          </a:p>
+        </p:txBody>
+      </p:sp>
+      <p:cxnSp>
+        <p:nvCxnSpPr>
+          <p:cNvPr id="78" name="Straight Connector 77">
+            <a:extLst>
+              <a:ext uri="{FF2B5EF4-FFF2-40B4-BE49-F238E27FC236}">
+                <a16:creationId xmlns:a16="http://schemas.microsoft.com/office/drawing/2014/main" id="{DAE3ABC6-4042-4293-A7DF-F01181363B7E}"/>
+              </a:ext>
+              <a:ext uri="{C183D7F6-B498-43B3-948B-1728B52AA6E4}">
+                <adec:decorative xmlns:adec="http://schemas.microsoft.com/office/drawing/2017/decorative" val="1"/>
+              </a:ext>
+            </a:extLst>
+          </p:cNvPr>
+          <p:cNvCxnSpPr>
+            <a:cxnSpLocks noGrp="1" noRot="1" noChangeAspect="1" noMove="1" noResize="1" noEditPoints="1" noAdjustHandles="1" noChangeArrowheads="1" noChangeShapeType="1"/>
+          </p:cNvCxnSpPr>
+          <p:nvPr>
+            <p:extLst>
+              <p:ext uri="{386F3935-93C4-4BCD-93E2-E3B085C9AB24}">
+                <p16:designElem xmlns:p16="http://schemas.microsoft.com/office/powerpoint/2015/main" val="1"/>
+              </p:ext>
+            </p:extLst>
+          </p:nvPr>
+        </p:nvCxnSpPr>
+        <p:spPr>
+          <a:xfrm flipV="1">
+            <a:off x="4739873" y="580963"/>
+            <a:ext cx="0" cy="1371600"/>
+          </a:xfrm>
+          <a:prstGeom prst="line">
+            <a:avLst/>
+          </a:prstGeom>
+          <a:ln w="19050">
+            <a:solidFill>
+              <a:schemeClr val="bg1">
+                <a:alpha val="75000"/>
+              </a:schemeClr>
+            </a:solidFill>
+          </a:ln>
+        </p:spPr>
+        <p:style>
+          <a:lnRef idx="1">
+            <a:schemeClr val="accent1"/>
+          </a:lnRef>
+          <a:fillRef idx="0">
+            <a:schemeClr val="accent1"/>
+          </a:fillRef>
+          <a:effectRef idx="0">
+            <a:schemeClr val="accent1"/>
+          </a:effectRef>
+          <a:fontRef idx="minor">
+            <a:schemeClr val="tx1"/>
+          </a:fontRef>
+        </p:style>
+      </p:cxnSp>
+      <p:sp>
+        <p:nvSpPr>
+          <p:cNvPr id="3078" name="Content Placeholder 3077">
+            <a:extLst>
+              <a:ext uri="{FF2B5EF4-FFF2-40B4-BE49-F238E27FC236}">
+                <a16:creationId xmlns:a16="http://schemas.microsoft.com/office/drawing/2014/main" id="{A24AA262-F86E-448C-9C16-128956DA75B4}"/>
+              </a:ext>
+            </a:extLst>
+          </p:cNvPr>
+          <p:cNvSpPr>
+            <a:spLocks noGrp="1"/>
+          </p:cNvSpPr>
+          <p:nvPr>
+            <p:ph idx="1"/>
+          </p:nvPr>
+        </p:nvSpPr>
+        <p:spPr>
+          <a:xfrm>
+            <a:off x="4945336" y="506727"/>
+            <a:ext cx="6609921" cy="1526741"/>
+          </a:xfrm>
+        </p:spPr>
+        <p:txBody>
+          <a:bodyPr anchor="ctr">
+            <a:normAutofit/>
+          </a:bodyPr>
+          <a:lstStyle/>
+          <a:p>
+            <a:endParaRPr lang="en-US" sz="2200">
+              <a:solidFill>
+                <a:schemeClr val="bg1"/>
+              </a:solidFill>
+            </a:endParaRPr>
+          </a:p>
+        </p:txBody>
+      </p:sp>
+      <p:pic>
+        <p:nvPicPr>
+          <p:cNvPr id="4100" name="Picture 4">
+            <a:extLst>
+              <a:ext uri="{FF2B5EF4-FFF2-40B4-BE49-F238E27FC236}">
+                <a16:creationId xmlns:a16="http://schemas.microsoft.com/office/drawing/2014/main" id="{8A4E502C-6BFD-4BDA-A338-18E1019C0BC3}"/>
+              </a:ext>
+            </a:extLst>
+          </p:cNvPr>
+          <p:cNvPicPr>
+            <a:picLocks noChangeAspect="1" noChangeArrowheads="1"/>
+          </p:cNvPicPr>
+          <p:nvPr/>
+        </p:nvPicPr>
+        <p:blipFill>
+          <a:blip r:embed="rId2">
+            <a:extLst>
+              <a:ext uri="{28A0092B-C50C-407E-A947-70E740481C1C}">
+                <a14:useLocalDpi xmlns:a14="http://schemas.microsoft.com/office/drawing/2010/main" val="0"/>
+              </a:ext>
+            </a:extLst>
+          </a:blip>
+          <a:stretch>
+            <a:fillRect/>
+          </a:stretch>
+        </p:blipFill>
+        <p:spPr bwMode="auto">
+          <a:xfrm>
+            <a:off x="393308" y="2538929"/>
+            <a:ext cx="5559480" cy="3719012"/>
+          </a:xfrm>
+          <a:prstGeom prst="rect">
+            <a:avLst/>
+          </a:prstGeom>
+          <a:noFill/>
+          <a:extLst>
+            <a:ext uri="{909E8E84-426E-40DD-AFC4-6F175D3DCCD1}">
+              <a14:hiddenFill xmlns:a14="http://schemas.microsoft.com/office/drawing/2010/main">
+                <a:solidFill>
+                  <a:srgbClr val="FFFFFF"/>
+                </a:solidFill>
+              </a14:hiddenFill>
+            </a:ext>
+          </a:extLst>
+        </p:spPr>
+      </p:pic>
+      <p:pic>
+        <p:nvPicPr>
+          <p:cNvPr id="4098" name="Picture 2">
+            <a:extLst>
+              <a:ext uri="{FF2B5EF4-FFF2-40B4-BE49-F238E27FC236}">
+                <a16:creationId xmlns:a16="http://schemas.microsoft.com/office/drawing/2014/main" id="{44BC5470-5F53-4FAE-B397-54010C44A829}"/>
+              </a:ext>
+            </a:extLst>
+          </p:cNvPr>
+          <p:cNvPicPr>
+            <a:picLocks noChangeAspect="1" noChangeArrowheads="1"/>
+          </p:cNvPicPr>
+          <p:nvPr/>
+        </p:nvPicPr>
+        <p:blipFill>
+          <a:blip r:embed="rId3">
+            <a:extLst>
+              <a:ext uri="{28A0092B-C50C-407E-A947-70E740481C1C}">
+                <a14:useLocalDpi xmlns:a14="http://schemas.microsoft.com/office/drawing/2010/main" val="0"/>
+              </a:ext>
+            </a:extLst>
+          </a:blip>
+          <a:stretch>
+            <a:fillRect/>
+          </a:stretch>
+        </p:blipFill>
+        <p:spPr bwMode="auto">
+          <a:xfrm>
+            <a:off x="6299318" y="2527997"/>
+            <a:ext cx="5451791" cy="3749040"/>
+          </a:xfrm>
+          <a:prstGeom prst="rect">
+            <a:avLst/>
+          </a:prstGeom>
+          <a:noFill/>
+          <a:extLst>
+            <a:ext uri="{909E8E84-426E-40DD-AFC4-6F175D3DCCD1}">
+              <a14:hiddenFill xmlns:a14="http://schemas.microsoft.com/office/drawing/2010/main">
+                <a:solidFill>
+                  <a:srgbClr val="FFFFFF"/>
+                </a:solidFill>
+              </a14:hiddenFill>
+            </a:ext>
+          </a:extLst>
+        </p:spPr>
+      </p:pic>
+    </p:spTree>
+    <p:extLst>
+      <p:ext uri="{BB962C8B-B14F-4D97-AF65-F5344CB8AC3E}">
+        <p14:creationId xmlns:p14="http://schemas.microsoft.com/office/powerpoint/2010/main" val="4196669304"/>
+      </p:ext>
+    </p:extLst>
+  </p:cSld>
+  <p:clrMapOvr>
+    <a:masterClrMapping/>
+  </p:clrMapOvr>
+</p:sld>
+</file>
+
+<file path=ppt/slides/slide16.xml><?xml version="1.0" encoding="utf-8"?>
+<p:sld xmlns:a="http://schemas.openxmlformats.org/drawingml/2006/main" xmlns:r="http://schemas.openxmlformats.org/officeDocument/2006/relationships" xmlns:p="http://schemas.openxmlformats.org/presentationml/2006/main">
+  <p:cSld>
+    <p:bg>
+      <p:bgPr>
+        <a:solidFill>
+          <a:schemeClr val="bg1"/>
+        </a:solidFill>
+        <a:effectLst/>
+      </p:bgPr>
+    </p:bg>
+    <p:spTree>
+      <p:nvGrpSpPr>
+        <p:cNvPr id="1" name=""/>
+        <p:cNvGrpSpPr/>
+        <p:nvPr/>
+      </p:nvGrpSpPr>
+      <p:grpSpPr>
+        <a:xfrm>
+          <a:off x="0" y="0"/>
+          <a:ext cx="0" cy="0"/>
+          <a:chOff x="0" y="0"/>
+          <a:chExt cx="0" cy="0"/>
+        </a:xfrm>
+      </p:grpSpPr>
+      <p:sp useBgFill="1">
+        <p:nvSpPr>
+          <p:cNvPr id="140" name="Rectangle 139">
+            <a:extLst>
+              <a:ext uri="{FF2B5EF4-FFF2-40B4-BE49-F238E27FC236}">
+                <a16:creationId xmlns:a16="http://schemas.microsoft.com/office/drawing/2014/main" id="{C1DD1A8A-57D5-4A81-AD04-532B043C5611}"/>
+              </a:ext>
+              <a:ext uri="{C183D7F6-B498-43B3-948B-1728B52AA6E4}">
+                <adec:decorative xmlns:adec="http://schemas.microsoft.com/office/drawing/2017/decorative" val="1"/>
+              </a:ext>
+            </a:extLst>
+          </p:cNvPr>
+          <p:cNvSpPr>
+            <a:spLocks noGrp="1" noRot="1" noChangeAspect="1" noMove="1" noResize="1" noEditPoints="1" noAdjustHandles="1" noChangeArrowheads="1" noChangeShapeType="1" noTextEdit="1"/>
+          </p:cNvSpPr>
+          <p:nvPr>
+            <p:extLst>
+              <p:ext uri="{386F3935-93C4-4BCD-93E2-E3B085C9AB24}">
+                <p16:designElem xmlns:p16="http://schemas.microsoft.com/office/powerpoint/2015/main" val="1"/>
+              </p:ext>
+            </p:extLst>
+          </p:nvPr>
+        </p:nvSpPr>
+        <p:spPr>
+          <a:xfrm>
+            <a:off x="-1" y="0"/>
+            <a:ext cx="12188952" cy="6858000"/>
+          </a:xfrm>
+          <a:prstGeom prst="rect">
+            <a:avLst/>
+          </a:prstGeom>
+          <a:ln>
+            <a:noFill/>
+          </a:ln>
+        </p:spPr>
+        <p:style>
+          <a:lnRef idx="2">
+            <a:schemeClr val="accent1">
+              <a:shade val="50000"/>
+            </a:schemeClr>
+          </a:lnRef>
+          <a:fillRef idx="1">
+            <a:schemeClr val="accent1"/>
+          </a:fillRef>
+          <a:effectRef idx="0">
+            <a:schemeClr val="accent1"/>
+          </a:effectRef>
+          <a:fontRef idx="minor">
+            <a:schemeClr val="lt1"/>
+          </a:fontRef>
+        </p:style>
+        <p:txBody>
+          <a:bodyPr rtlCol="0" anchor="ctr"/>
+          <a:lstStyle/>
+          <a:p>
+            <a:pPr algn="ctr"/>
+            <a:endParaRPr lang="en-US"/>
+          </a:p>
+        </p:txBody>
+      </p:sp>
+      <p:pic>
+        <p:nvPicPr>
+          <p:cNvPr id="3080" name="Picture 3079" descr="Many question marks on black background">
+            <a:extLst>
+              <a:ext uri="{FF2B5EF4-FFF2-40B4-BE49-F238E27FC236}">
+                <a16:creationId xmlns:a16="http://schemas.microsoft.com/office/drawing/2014/main" id="{7A6F8F6C-1B15-4292-AF86-A1A9E36D7929}"/>
+              </a:ext>
+            </a:extLst>
+          </p:cNvPr>
+          <p:cNvPicPr>
+            <a:picLocks noChangeAspect="1"/>
+          </p:cNvPicPr>
+          <p:nvPr/>
+        </p:nvPicPr>
+        <p:blipFill rotWithShape="1">
+          <a:blip r:embed="rId2"/>
+          <a:srcRect t="7787"/>
+          <a:stretch/>
+        </p:blipFill>
+        <p:spPr>
+          <a:xfrm>
+            <a:off x="-3047" y="10"/>
+            <a:ext cx="12191999" cy="6857990"/>
+          </a:xfrm>
+          <a:prstGeom prst="rect">
+            <a:avLst/>
+          </a:prstGeom>
+        </p:spPr>
+      </p:pic>
+      <p:sp>
+        <p:nvSpPr>
+          <p:cNvPr id="142" name="Rectangle 141">
+            <a:extLst>
+              <a:ext uri="{FF2B5EF4-FFF2-40B4-BE49-F238E27FC236}">
+                <a16:creationId xmlns:a16="http://schemas.microsoft.com/office/drawing/2014/main" id="{007891EC-4501-44ED-A8C8-B11B6DB767AB}"/>
+              </a:ext>
+              <a:ext uri="{C183D7F6-B498-43B3-948B-1728B52AA6E4}">
+                <adec:decorative xmlns:adec="http://schemas.microsoft.com/office/drawing/2017/decorative" val="1"/>
+              </a:ext>
+            </a:extLst>
+          </p:cNvPr>
+          <p:cNvSpPr>
+            <a:spLocks noGrp="1" noRot="1" noChangeAspect="1" noMove="1" noResize="1" noEditPoints="1" noAdjustHandles="1" noChangeArrowheads="1" noChangeShapeType="1" noTextEdit="1"/>
+          </p:cNvSpPr>
+          <p:nvPr>
+            <p:extLst>
+              <p:ext uri="{386F3935-93C4-4BCD-93E2-E3B085C9AB24}">
+                <p16:designElem xmlns:p16="http://schemas.microsoft.com/office/powerpoint/2015/main" val="1"/>
+              </p:ext>
+            </p:extLst>
+          </p:nvPr>
+        </p:nvSpPr>
+        <p:spPr>
+          <a:xfrm>
+            <a:off x="0" y="2207602"/>
+            <a:ext cx="12191999" cy="3162146"/>
+          </a:xfrm>
+          <a:prstGeom prst="rect">
+            <a:avLst/>
+          </a:prstGeom>
+          <a:gradFill flip="none" rotWithShape="1">
+            <a:gsLst>
+              <a:gs pos="0">
+                <a:srgbClr val="000000">
+                  <a:alpha val="0"/>
+                </a:srgbClr>
+              </a:gs>
+              <a:gs pos="25000">
+                <a:srgbClr val="000000">
+                  <a:alpha val="15000"/>
+                </a:srgbClr>
+              </a:gs>
+              <a:gs pos="75000">
+                <a:srgbClr val="000000">
+                  <a:alpha val="15000"/>
+                </a:srgbClr>
+              </a:gs>
+              <a:gs pos="50000">
+                <a:srgbClr val="000000">
+                  <a:alpha val="30000"/>
+                </a:srgbClr>
+              </a:gs>
+              <a:gs pos="100000">
+                <a:srgbClr val="000000">
+                  <a:alpha val="0"/>
+                </a:srgbClr>
+              </a:gs>
+            </a:gsLst>
+            <a:lin ang="16200000" scaled="1"/>
+            <a:tileRect/>
+          </a:gradFill>
+          <a:ln>
+            <a:noFill/>
+          </a:ln>
+        </p:spPr>
+        <p:style>
+          <a:lnRef idx="2">
+            <a:schemeClr val="accent1">
+              <a:shade val="50000"/>
+            </a:schemeClr>
+          </a:lnRef>
+          <a:fillRef idx="1">
+            <a:schemeClr val="accent1"/>
+          </a:fillRef>
+          <a:effectRef idx="0">
+            <a:schemeClr val="accent1"/>
+          </a:effectRef>
+          <a:fontRef idx="minor">
+            <a:schemeClr val="lt1"/>
+          </a:fontRef>
+        </p:style>
+        <p:txBody>
+          <a:bodyPr rtlCol="0" anchor="ctr"/>
+          <a:lstStyle/>
+          <a:p>
+            <a:pPr algn="ctr"/>
+            <a:endParaRPr lang="en-US"/>
+          </a:p>
+        </p:txBody>
+      </p:sp>
+      <p:sp>
+        <p:nvSpPr>
+          <p:cNvPr id="2" name="Title 1">
+            <a:extLst>
+              <a:ext uri="{FF2B5EF4-FFF2-40B4-BE49-F238E27FC236}">
+                <a16:creationId xmlns:a16="http://schemas.microsoft.com/office/drawing/2014/main" id="{1F2032A0-A874-44F6-BD4B-9F0B46269B9A}"/>
+              </a:ext>
+            </a:extLst>
+          </p:cNvPr>
+          <p:cNvSpPr>
+            <a:spLocks noGrp="1"/>
+          </p:cNvSpPr>
+          <p:nvPr>
+            <p:ph type="title"/>
+          </p:nvPr>
+        </p:nvSpPr>
+        <p:spPr>
+          <a:xfrm>
+            <a:off x="1097280" y="325550"/>
+            <a:ext cx="10058400" cy="3574778"/>
+          </a:xfrm>
+          <a:effectLst>
+            <a:outerShdw blurRad="50800" dist="38100" dir="2700000" algn="tl" rotWithShape="0">
+              <a:prstClr val="black">
+                <a:alpha val="40000"/>
+              </a:prstClr>
+            </a:outerShdw>
+          </a:effectLst>
+        </p:spPr>
+        <p:txBody>
+          <a:bodyPr vert="horz" lIns="91440" tIns="45720" rIns="91440" bIns="45720" rtlCol="0" anchor="b">
+            <a:normAutofit/>
+          </a:bodyPr>
+          <a:lstStyle/>
+          <a:p>
+            <a:pPr algn="ctr"/>
+            <a:r>
+              <a:rPr lang="en-US" sz="5200" dirty="0">
+                <a:solidFill>
+                  <a:srgbClr val="FFFFFF"/>
+                </a:solidFill>
+              </a:rPr>
+              <a:t>Thank You!</a:t>
+            </a:r>
+            <a:br>
+              <a:rPr lang="en-US" sz="5200" dirty="0">
+                <a:solidFill>
+                  <a:srgbClr val="FFFFFF"/>
+                </a:solidFill>
+              </a:rPr>
+            </a:br>
+            <a:r>
+              <a:rPr lang="en-US" sz="5200" dirty="0">
+                <a:solidFill>
+                  <a:srgbClr val="FFFFFF"/>
+                </a:solidFill>
+              </a:rPr>
+              <a:t>Any Questions?</a:t>
+            </a:r>
+          </a:p>
+        </p:txBody>
+      </p:sp>
+    </p:spTree>
+    <p:extLst>
+      <p:ext uri="{BB962C8B-B14F-4D97-AF65-F5344CB8AC3E}">
+        <p14:creationId xmlns:p14="http://schemas.microsoft.com/office/powerpoint/2010/main" val="1410559325"/>
+      </p:ext>
+    </p:extLst>
+  </p:cSld>
+  <p:clrMapOvr>
+    <a:masterClrMapping/>
+  </p:clrMapOvr>
+</p:sld>
+</file>
+
+<file path=ppt/slides/slide2.xml><?xml version="1.0" encoding="utf-8"?>
+<p:sld xmlns:a="http://schemas.openxmlformats.org/drawingml/2006/main" xmlns:r="http://schemas.openxmlformats.org/officeDocument/2006/relationships" xmlns:p="http://schemas.openxmlformats.org/presentationml/2006/main">
+  <p:cSld>
+    <p:bg>
+      <p:bgPr>
+        <a:solidFill>
+          <a:schemeClr val="bg1"/>
+        </a:solidFill>
+        <a:effectLst/>
+      </p:bgPr>
+    </p:bg>
+    <p:spTree>
+      <p:nvGrpSpPr>
+        <p:cNvPr id="1" name=""/>
+        <p:cNvGrpSpPr/>
+        <p:nvPr/>
+      </p:nvGrpSpPr>
+      <p:grpSpPr>
+        <a:xfrm>
+          <a:off x="0" y="0"/>
+          <a:ext cx="0" cy="0"/>
+          <a:chOff x="0" y="0"/>
+          <a:chExt cx="0" cy="0"/>
+        </a:xfrm>
+      </p:grpSpPr>
+      <p:sp>
+        <p:nvSpPr>
+          <p:cNvPr id="10" name="Rectangle 9">
+            <a:extLst>
+              <a:ext uri="{FF2B5EF4-FFF2-40B4-BE49-F238E27FC236}">
+                <a16:creationId xmlns:a16="http://schemas.microsoft.com/office/drawing/2014/main" id="{4038CB10-1F5C-4D54-9DF7-12586DE5B007}"/>
+              </a:ext>
+              <a:ext uri="{C183D7F6-B498-43B3-948B-1728B52AA6E4}">
+                <adec:decorative xmlns:adec="http://schemas.microsoft.com/office/drawing/2017/decorative" val="1"/>
+              </a:ext>
+            </a:extLst>
+          </p:cNvPr>
+          <p:cNvSpPr>
+            <a:spLocks noGrp="1" noRot="1" noChangeAspect="1" noMove="1" noResize="1" noEditPoints="1" noAdjustHandles="1" noChangeArrowheads="1" noChangeShapeType="1" noTextEdit="1"/>
+          </p:cNvSpPr>
+          <p:nvPr>
+            <p:extLst>
+              <p:ext uri="{386F3935-93C4-4BCD-93E2-E3B085C9AB24}">
+                <p16:designElem xmlns:p16="http://schemas.microsoft.com/office/powerpoint/2015/main" val="1"/>
+              </p:ext>
+            </p:extLst>
+          </p:nvPr>
+        </p:nvSpPr>
+        <p:spPr>
+          <a:xfrm>
+            <a:off x="327546" y="321732"/>
+            <a:ext cx="7058307" cy="1964266"/>
+          </a:xfrm>
+          <a:prstGeom prst="rect">
+            <a:avLst/>
+          </a:prstGeom>
+          <a:solidFill>
+            <a:schemeClr val="accent5">
+              <a:alpha val="95000"/>
+            </a:schemeClr>
+          </a:solidFill>
+          <a:ln>
+            <a:noFill/>
+          </a:ln>
+        </p:spPr>
+        <p:style>
+          <a:lnRef idx="2">
+            <a:schemeClr val="accent1">
+              <a:shade val="50000"/>
+            </a:schemeClr>
+          </a:lnRef>
+          <a:fillRef idx="1">
+            <a:schemeClr val="accent1"/>
+          </a:fillRef>
+          <a:effectRef idx="0">
+            <a:schemeClr val="accent1"/>
+          </a:effectRef>
+          <a:fontRef idx="minor">
+            <a:schemeClr val="lt1"/>
+          </a:fontRef>
+        </p:style>
+        <p:txBody>
+          <a:bodyPr rtlCol="0" anchor="ctr"/>
+          <a:lstStyle/>
+          <a:p>
+            <a:pPr marL="0" marR="0" lvl="0" indent="0" algn="ctr" defTabSz="914400" rtl="0" eaLnBrk="1" fontAlgn="auto" latinLnBrk="0" hangingPunct="1">
+              <a:lnSpc>
+                <a:spcPct val="100000"/>
+              </a:lnSpc>
+              <a:spcBef>
+                <a:spcPts val="0"/>
+              </a:spcBef>
+              <a:spcAft>
+                <a:spcPts val="0"/>
+              </a:spcAft>
+              <a:buClrTx/>
+              <a:buSzTx/>
+              <a:buFontTx/>
+              <a:buNone/>
+              <a:tabLst/>
+              <a:defRPr/>
+            </a:pPr>
+            <a:endParaRPr kumimoji="0" lang="en-US" sz="1800" b="0" i="0" u="none" strike="noStrike" kern="1200" cap="none" spc="0" normalizeH="0" baseline="0" noProof="0">
+              <a:ln>
+                <a:noFill/>
+              </a:ln>
+              <a:solidFill>
+                <a:prstClr val="white"/>
+              </a:solidFill>
+              <a:effectLst/>
+              <a:uLnTx/>
+              <a:uFillTx/>
+              <a:latin typeface="Calibri" panose="020F0502020204030204"/>
+              <a:ea typeface="+mn-ea"/>
+              <a:cs typeface="+mn-cs"/>
+            </a:endParaRPr>
+          </a:p>
+        </p:txBody>
+      </p:sp>
+      <p:sp>
+        <p:nvSpPr>
+          <p:cNvPr id="2" name="Title 1">
+            <a:extLst>
+              <a:ext uri="{FF2B5EF4-FFF2-40B4-BE49-F238E27FC236}">
                 <a16:creationId xmlns:a16="http://schemas.microsoft.com/office/drawing/2014/main" id="{1EA61ECA-B4AF-4B9C-AF69-7F0B5CA34D89}"/>
               </a:ext>
             </a:extLst>
@@ -3883,18 +6464,156 @@
             <p:ph type="title"/>
           </p:nvPr>
         </p:nvSpPr>
-        <p:spPr/>
-        <p:txBody>
-          <a:bodyPr/>
-          <a:lstStyle/>
-          <a:p>
-            <a:r>
-              <a:rPr lang="en-US" dirty="0"/>
+        <p:spPr>
+          <a:xfrm>
+            <a:off x="524256" y="491260"/>
+            <a:ext cx="6594189" cy="1625210"/>
+          </a:xfrm>
+        </p:spPr>
+        <p:txBody>
+          <a:bodyPr>
+            <a:normAutofit/>
+          </a:bodyPr>
+          <a:lstStyle/>
+          <a:p>
+            <a:r>
+              <a:rPr lang="en-US">
+                <a:solidFill>
+                  <a:srgbClr val="FFFFFF"/>
+                </a:solidFill>
+              </a:rPr>
               <a:t>Intro/Outline Slide</a:t>
             </a:r>
           </a:p>
         </p:txBody>
       </p:sp>
+      <p:pic>
+        <p:nvPicPr>
+          <p:cNvPr id="5" name="Picture 4" descr="A picture containing text, old&#10;&#10;Description automatically generated">
+            <a:extLst>
+              <a:ext uri="{FF2B5EF4-FFF2-40B4-BE49-F238E27FC236}">
+                <a16:creationId xmlns:a16="http://schemas.microsoft.com/office/drawing/2014/main" id="{2ED710F9-491F-4611-B2FE-F524261C75C6}"/>
+              </a:ext>
+            </a:extLst>
+          </p:cNvPr>
+          <p:cNvPicPr>
+            <a:picLocks noChangeAspect="1"/>
+          </p:cNvPicPr>
+          <p:nvPr/>
+        </p:nvPicPr>
+        <p:blipFill rotWithShape="1">
+          <a:blip r:embed="rId2">
+            <a:extLst>
+              <a:ext uri="{28A0092B-C50C-407E-A947-70E740481C1C}">
+                <a14:useLocalDpi xmlns:a14="http://schemas.microsoft.com/office/drawing/2010/main" val="0"/>
+              </a:ext>
+            </a:extLst>
+          </a:blip>
+          <a:srcRect l="2695" r="-3" b="-3"/>
+          <a:stretch/>
+        </p:blipFill>
+        <p:spPr>
+          <a:xfrm>
+            <a:off x="327547" y="2454903"/>
+            <a:ext cx="7058306" cy="4080254"/>
+          </a:xfrm>
+          <a:prstGeom prst="rect">
+            <a:avLst/>
+          </a:prstGeom>
+        </p:spPr>
+      </p:pic>
+      <p:sp>
+        <p:nvSpPr>
+          <p:cNvPr id="12" name="Rectangle 11">
+            <a:extLst>
+              <a:ext uri="{FF2B5EF4-FFF2-40B4-BE49-F238E27FC236}">
+                <a16:creationId xmlns:a16="http://schemas.microsoft.com/office/drawing/2014/main" id="{73ED6512-6858-4552-B699-9A97FE9A4EA2}"/>
+              </a:ext>
+              <a:ext uri="{C183D7F6-B498-43B3-948B-1728B52AA6E4}">
+                <adec:decorative xmlns:adec="http://schemas.microsoft.com/office/drawing/2017/decorative" val="1"/>
+              </a:ext>
+            </a:extLst>
+          </p:cNvPr>
+          <p:cNvSpPr>
+            <a:spLocks noGrp="1" noRot="1" noChangeAspect="1" noMove="1" noResize="1" noEditPoints="1" noAdjustHandles="1" noChangeArrowheads="1" noChangeShapeType="1" noTextEdit="1"/>
+          </p:cNvSpPr>
+          <p:nvPr>
+            <p:extLst>
+              <p:ext uri="{386F3935-93C4-4BCD-93E2-E3B085C9AB24}">
+                <p16:designElem xmlns:p16="http://schemas.microsoft.com/office/powerpoint/2015/main" val="1"/>
+              </p:ext>
+            </p:extLst>
+          </p:nvPr>
+        </p:nvSpPr>
+        <p:spPr>
+          <a:xfrm>
+            <a:off x="7556975" y="321732"/>
+            <a:ext cx="4313293" cy="6214534"/>
+          </a:xfrm>
+          <a:prstGeom prst="rect">
+            <a:avLst/>
+          </a:prstGeom>
+          <a:solidFill>
+            <a:srgbClr val="595959"/>
+          </a:solidFill>
+          <a:ln>
+            <a:noFill/>
+          </a:ln>
+        </p:spPr>
+        <p:style>
+          <a:lnRef idx="2">
+            <a:schemeClr val="accent1">
+              <a:shade val="50000"/>
+            </a:schemeClr>
+          </a:lnRef>
+          <a:fillRef idx="1">
+            <a:schemeClr val="accent1"/>
+          </a:fillRef>
+          <a:effectRef idx="0">
+            <a:schemeClr val="accent1"/>
+          </a:effectRef>
+          <a:fontRef idx="minor">
+            <a:schemeClr val="lt1"/>
+          </a:fontRef>
+        </p:style>
+        <p:txBody>
+          <a:bodyPr rtlCol="0" anchor="ctr"/>
+          <a:lstStyle/>
+          <a:p>
+            <a:pPr marL="0" marR="0" lvl="0" indent="0" algn="ctr" defTabSz="914400" rtl="0" eaLnBrk="1" fontAlgn="auto" latinLnBrk="0" hangingPunct="1">
+              <a:lnSpc>
+                <a:spcPct val="100000"/>
+              </a:lnSpc>
+              <a:spcBef>
+                <a:spcPts val="0"/>
+              </a:spcBef>
+              <a:spcAft>
+                <a:spcPts val="0"/>
+              </a:spcAft>
+              <a:buClrTx/>
+              <a:buSzTx/>
+              <a:buFontTx/>
+              <a:buNone/>
+              <a:tabLst/>
+              <a:defRPr/>
+            </a:pPr>
+            <a:endParaRPr kumimoji="0" lang="en-US" sz="1800" b="0" i="0" u="none" strike="noStrike" kern="1200" cap="none" spc="0" normalizeH="0" baseline="0" noProof="0">
+              <a:ln>
+                <a:noFill/>
+              </a:ln>
+              <a:solidFill>
+                <a:prstClr val="white"/>
+              </a:solidFill>
+              <a:effectLst/>
+              <a:uLnTx/>
+              <a:uFillTx/>
+              <a:latin typeface="Calibri" panose="020F0502020204030204"/>
+              <a:ea typeface="+mn-ea"/>
+              <a:cs typeface="+mn-cs"/>
+            </a:endParaRPr>
+          </a:p>
+        </p:txBody>
+      </p:sp>
       <p:sp>
         <p:nvSpPr>
           <p:cNvPr id="3" name="Content Placeholder 2">
@@ -3911,12 +6630,140 @@
             <p:ph idx="1"/>
           </p:nvPr>
         </p:nvSpPr>
-        <p:spPr/>
-        <p:txBody>
-          <a:bodyPr/>
-          <a:lstStyle/>
-          <a:p>
-            <a:endParaRPr lang="en-US"/>
+        <p:spPr>
+          <a:xfrm>
+            <a:off x="8029319" y="917725"/>
+            <a:ext cx="3424739" cy="4852362"/>
+          </a:xfrm>
+        </p:spPr>
+        <p:txBody>
+          <a:bodyPr anchor="ctr">
+            <a:normAutofit lnSpcReduction="10000"/>
+          </a:bodyPr>
+          <a:lstStyle/>
+          <a:p>
+            <a:pPr marL="457200" indent="-457200">
+              <a:lnSpc>
+                <a:spcPct val="200000"/>
+              </a:lnSpc>
+              <a:buFont typeface="+mj-lt"/>
+              <a:buAutoNum type="arabicPeriod"/>
+            </a:pPr>
+            <a:r>
+              <a:rPr lang="en-US" sz="2000" dirty="0">
+                <a:solidFill>
+                  <a:srgbClr val="FFFFFF"/>
+                </a:solidFill>
+              </a:rPr>
+              <a:t>Sample Collection &amp; Segmentation</a:t>
+            </a:r>
+          </a:p>
+          <a:p>
+            <a:pPr marL="457200" indent="-457200">
+              <a:lnSpc>
+                <a:spcPct val="200000"/>
+              </a:lnSpc>
+              <a:buFont typeface="+mj-lt"/>
+              <a:buAutoNum type="arabicPeriod"/>
+            </a:pPr>
+            <a:r>
+              <a:rPr lang="en-US" sz="2000" dirty="0">
+                <a:solidFill>
+                  <a:srgbClr val="FFFFFF"/>
+                </a:solidFill>
+              </a:rPr>
+              <a:t>Pre-Processing</a:t>
+            </a:r>
+          </a:p>
+          <a:p>
+            <a:pPr marL="457200" indent="-457200">
+              <a:lnSpc>
+                <a:spcPct val="200000"/>
+              </a:lnSpc>
+              <a:buFont typeface="+mj-lt"/>
+              <a:buAutoNum type="arabicPeriod"/>
+            </a:pPr>
+            <a:r>
+              <a:rPr lang="en-US" sz="2000" dirty="0">
+                <a:solidFill>
+                  <a:srgbClr val="FFFFFF"/>
+                </a:solidFill>
+              </a:rPr>
+              <a:t>Issues</a:t>
+            </a:r>
+          </a:p>
+          <a:p>
+            <a:pPr marL="457200" indent="-457200">
+              <a:lnSpc>
+                <a:spcPct val="200000"/>
+              </a:lnSpc>
+              <a:buFont typeface="+mj-lt"/>
+              <a:buAutoNum type="arabicPeriod"/>
+            </a:pPr>
+            <a:r>
+              <a:rPr lang="en-US" sz="2000" dirty="0">
+                <a:solidFill>
+                  <a:srgbClr val="FFFFFF"/>
+                </a:solidFill>
+              </a:rPr>
+              <a:t>CNN</a:t>
+            </a:r>
+          </a:p>
+          <a:p>
+            <a:pPr marL="457200" indent="-457200">
+              <a:lnSpc>
+                <a:spcPct val="200000"/>
+              </a:lnSpc>
+              <a:buFont typeface="+mj-lt"/>
+              <a:buAutoNum type="arabicPeriod"/>
+            </a:pPr>
+            <a:r>
+              <a:rPr lang="en-US" sz="2000" dirty="0">
+                <a:solidFill>
+                  <a:srgbClr val="FFFFFF"/>
+                </a:solidFill>
+              </a:rPr>
+              <a:t>Testing CNN</a:t>
+            </a:r>
+          </a:p>
+          <a:p>
+            <a:pPr marL="457200" indent="-457200">
+              <a:lnSpc>
+                <a:spcPct val="200000"/>
+              </a:lnSpc>
+              <a:buFont typeface="+mj-lt"/>
+              <a:buAutoNum type="arabicPeriod"/>
+            </a:pPr>
+            <a:r>
+              <a:rPr lang="en-US" sz="2000" dirty="0">
+                <a:solidFill>
+                  <a:srgbClr val="FFFFFF"/>
+                </a:solidFill>
+              </a:rPr>
+              <a:t>Analysis</a:t>
+            </a:r>
+          </a:p>
+          <a:p>
+            <a:pPr marL="457200" indent="-457200">
+              <a:buFont typeface="+mj-lt"/>
+              <a:buAutoNum type="arabicPeriod"/>
+            </a:pPr>
+            <a:endParaRPr lang="en-US" sz="2000" dirty="0">
+              <a:solidFill>
+                <a:srgbClr val="FFFFFF"/>
+              </a:solidFill>
+            </a:endParaRPr>
+          </a:p>
+          <a:p>
+            <a:pPr marL="457200" indent="-457200">
+              <a:buFont typeface="+mj-lt"/>
+              <a:buAutoNum type="arabicPeriod"/>
+            </a:pPr>
+            <a:endParaRPr lang="en-US" sz="2000" dirty="0">
+              <a:solidFill>
+                <a:srgbClr val="FFFFFF"/>
+              </a:solidFill>
+            </a:endParaRPr>
           </a:p>
         </p:txBody>
       </p:sp>
@@ -3936,6 +6783,17 @@
 <file path=ppt/slides/slide3.xml><?xml version="1.0" encoding="utf-8"?>
 <p:sld xmlns:a="http://schemas.openxmlformats.org/drawingml/2006/main" xmlns:r="http://schemas.openxmlformats.org/officeDocument/2006/relationships" xmlns:p="http://schemas.openxmlformats.org/presentationml/2006/main">
   <p:cSld>
+    <p:bg>
+      <p:bgPr>
+        <a:solidFill>
+          <a:schemeClr val="bg1">
+            <a:tint val="95000"/>
+            <a:satMod val="170000"/>
+          </a:schemeClr>
+        </a:solidFill>
+        <a:effectLst/>
+      </p:bgPr>
+    </p:bg>
     <p:spTree>
       <p:nvGrpSpPr>
         <p:cNvPr id="1" name=""/>
@@ -3952,6 +6810,190 @@
       </p:grpSpPr>
       <p:sp>
         <p:nvSpPr>
+          <p:cNvPr id="27" name="Rectangle 26">
+            <a:extLst>
+              <a:ext uri="{FF2B5EF4-FFF2-40B4-BE49-F238E27FC236}">
+                <a16:creationId xmlns:a16="http://schemas.microsoft.com/office/drawing/2014/main" id="{0EFD753D-6A49-46DD-9E82-AA6E2C62B461}"/>
+              </a:ext>
+              <a:ext uri="{C183D7F6-B498-43B3-948B-1728B52AA6E4}">
+                <adec:decorative xmlns:adec="http://schemas.microsoft.com/office/drawing/2017/decorative" val="1"/>
+              </a:ext>
+            </a:extLst>
+          </p:cNvPr>
+          <p:cNvSpPr>
+            <a:spLocks noGrp="1" noRot="1" noChangeAspect="1" noMove="1" noResize="1" noEditPoints="1" noAdjustHandles="1" noChangeArrowheads="1" noChangeShapeType="1" noTextEdit="1"/>
+          </p:cNvSpPr>
+          <p:nvPr>
+            <p:extLst>
+              <p:ext uri="{386F3935-93C4-4BCD-93E2-E3B085C9AB24}">
+                <p16:designElem xmlns:p16="http://schemas.microsoft.com/office/powerpoint/2015/main" val="1"/>
+              </p:ext>
+            </p:extLst>
+          </p:nvPr>
+        </p:nvSpPr>
+        <p:spPr>
+          <a:xfrm>
+            <a:off x="0" y="0"/>
+            <a:ext cx="12192000" cy="6858000"/>
+          </a:xfrm>
+          <a:prstGeom prst="rect">
+            <a:avLst/>
+          </a:prstGeom>
+          <a:solidFill>
+            <a:schemeClr val="tx1"/>
+          </a:solidFill>
+          <a:ln>
+            <a:noFill/>
+          </a:ln>
+        </p:spPr>
+        <p:style>
+          <a:lnRef idx="2">
+            <a:schemeClr val="accent1">
+              <a:shade val="50000"/>
+            </a:schemeClr>
+          </a:lnRef>
+          <a:fillRef idx="1">
+            <a:schemeClr val="accent1"/>
+          </a:fillRef>
+          <a:effectRef idx="0">
+            <a:schemeClr val="accent1"/>
+          </a:effectRef>
+          <a:fontRef idx="minor">
+            <a:schemeClr val="lt1"/>
+          </a:fontRef>
+        </p:style>
+        <p:txBody>
+          <a:bodyPr rtlCol="0" anchor="ctr"/>
+          <a:lstStyle/>
+          <a:p>
+            <a:pPr marL="0" marR="0" lvl="0" indent="0" algn="ctr" defTabSz="914400" rtl="0" eaLnBrk="1" fontAlgn="auto" latinLnBrk="0" hangingPunct="1">
+              <a:lnSpc>
+                <a:spcPct val="100000"/>
+              </a:lnSpc>
+              <a:spcBef>
+                <a:spcPts val="0"/>
+              </a:spcBef>
+              <a:spcAft>
+                <a:spcPts val="0"/>
+              </a:spcAft>
+              <a:buClrTx/>
+              <a:buSzTx/>
+              <a:buFontTx/>
+              <a:buNone/>
+              <a:tabLst/>
+              <a:defRPr/>
+            </a:pPr>
+            <a:endParaRPr kumimoji="0" lang="en-US" sz="1800" b="0" i="0" u="none" strike="noStrike" kern="1200" cap="none" spc="0" normalizeH="0" baseline="0" noProof="0">
+              <a:ln>
+                <a:noFill/>
+              </a:ln>
+              <a:solidFill>
+                <a:prstClr val="white"/>
+              </a:solidFill>
+              <a:effectLst/>
+              <a:uLnTx/>
+              <a:uFillTx/>
+              <a:latin typeface="Calibri" panose="020F0502020204030204"/>
+              <a:ea typeface="+mn-ea"/>
+              <a:cs typeface="+mn-cs"/>
+            </a:endParaRPr>
+          </a:p>
+        </p:txBody>
+      </p:sp>
+      <p:sp>
+        <p:nvSpPr>
+          <p:cNvPr id="29" name="Rectangle 28">
+            <a:extLst>
+              <a:ext uri="{FF2B5EF4-FFF2-40B4-BE49-F238E27FC236}">
+                <a16:creationId xmlns:a16="http://schemas.microsoft.com/office/drawing/2014/main" id="{138A5824-1F4A-4EE7-BC13-5BB48FC0809B}"/>
+              </a:ext>
+              <a:ext uri="{C183D7F6-B498-43B3-948B-1728B52AA6E4}">
+                <adec:decorative xmlns:adec="http://schemas.microsoft.com/office/drawing/2017/decorative" val="1"/>
+              </a:ext>
+            </a:extLst>
+          </p:cNvPr>
+          <p:cNvSpPr>
+            <a:spLocks noGrp="1" noRot="1" noChangeAspect="1" noMove="1" noResize="1" noEditPoints="1" noAdjustHandles="1" noChangeArrowheads="1" noChangeShapeType="1" noTextEdit="1"/>
+          </p:cNvSpPr>
+          <p:nvPr>
+            <p:extLst>
+              <p:ext uri="{386F3935-93C4-4BCD-93E2-E3B085C9AB24}">
+                <p16:designElem xmlns:p16="http://schemas.microsoft.com/office/powerpoint/2015/main" val="1"/>
+              </p:ext>
+            </p:extLst>
+          </p:nvPr>
+        </p:nvSpPr>
+        <p:spPr>
+          <a:xfrm>
+            <a:off x="320044" y="321732"/>
+            <a:ext cx="4568741" cy="6192603"/>
+          </a:xfrm>
+          <a:prstGeom prst="rect">
+            <a:avLst/>
+          </a:prstGeom>
+          <a:solidFill>
+            <a:srgbClr val="33363C"/>
+          </a:solidFill>
+          <a:ln>
+            <a:noFill/>
+          </a:ln>
+        </p:spPr>
+        <p:style>
+          <a:lnRef idx="2">
+            <a:schemeClr val="accent1">
+              <a:shade val="50000"/>
+            </a:schemeClr>
+          </a:lnRef>
+          <a:fillRef idx="1">
+            <a:schemeClr val="accent1"/>
+          </a:fillRef>
+          <a:effectRef idx="0">
+            <a:schemeClr val="accent1"/>
+          </a:effectRef>
+          <a:fontRef idx="minor">
+            <a:schemeClr val="lt1"/>
+          </a:fontRef>
+        </p:style>
+        <p:txBody>
+          <a:bodyPr rtlCol="0" anchor="ctr"/>
+          <a:lstStyle/>
+          <a:p>
+            <a:pPr marL="0" marR="0" lvl="0" indent="0" algn="ctr" defTabSz="914400" rtl="0" eaLnBrk="1" fontAlgn="auto" latinLnBrk="0" hangingPunct="1">
+              <a:lnSpc>
+                <a:spcPct val="100000"/>
+              </a:lnSpc>
+              <a:spcBef>
+                <a:spcPts val="0"/>
+              </a:spcBef>
+              <a:spcAft>
+                <a:spcPts val="0"/>
+              </a:spcAft>
+              <a:buClrTx/>
+              <a:buSzTx/>
+              <a:buFontTx/>
+              <a:buNone/>
+              <a:tabLst/>
+              <a:defRPr/>
+            </a:pPr>
+            <a:endParaRPr kumimoji="0" lang="en-US" sz="1800" b="0" i="0" u="none" strike="noStrike" kern="1200" cap="none" spc="0" normalizeH="0" baseline="0" noProof="0">
+              <a:ln>
+                <a:noFill/>
+              </a:ln>
+              <a:solidFill>
+                <a:prstClr val="white"/>
+              </a:solidFill>
+              <a:effectLst/>
+              <a:uLnTx/>
+              <a:uFillTx/>
+              <a:latin typeface="Calibri" panose="020F0502020204030204"/>
+              <a:ea typeface="+mn-ea"/>
+              <a:cs typeface="+mn-cs"/>
+            </a:endParaRPr>
+          </a:p>
+        </p:txBody>
+      </p:sp>
+      <p:sp>
+        <p:nvSpPr>
           <p:cNvPr id="2" name="Title 1">
             <a:extLst>
               <a:ext uri="{FF2B5EF4-FFF2-40B4-BE49-F238E27FC236}">
@@ -3966,18 +7008,134 @@
             <p:ph type="title"/>
           </p:nvPr>
         </p:nvSpPr>
-        <p:spPr/>
-        <p:txBody>
-          <a:bodyPr/>
-          <a:lstStyle/>
-          <a:p>
-            <a:r>
-              <a:rPr lang="en-US" dirty="0"/>
-              <a:t>Sample Collection</a:t>
-            </a:r>
-          </a:p>
-        </p:txBody>
-      </p:sp>
+        <p:spPr>
+          <a:xfrm>
+            <a:off x="798257" y="637523"/>
+            <a:ext cx="3608896" cy="1690993"/>
+          </a:xfrm>
+        </p:spPr>
+        <p:txBody>
+          <a:bodyPr anchor="b">
+            <a:normAutofit/>
+          </a:bodyPr>
+          <a:lstStyle/>
+          <a:p>
+            <a:r>
+              <a:rPr lang="en-US" sz="3600" dirty="0">
+                <a:solidFill>
+                  <a:srgbClr val="FFFFFF"/>
+                </a:solidFill>
+              </a:rPr>
+              <a:t>Sample Collection &amp; Segmentation</a:t>
+            </a:r>
+          </a:p>
+        </p:txBody>
+      </p:sp>
+      <p:pic>
+        <p:nvPicPr>
+          <p:cNvPr id="7" name="Picture 6" descr="Text, letter&#10;&#10;Description automatically generated">
+            <a:extLst>
+              <a:ext uri="{FF2B5EF4-FFF2-40B4-BE49-F238E27FC236}">
+                <a16:creationId xmlns:a16="http://schemas.microsoft.com/office/drawing/2014/main" id="{17F348DE-C94E-4CAE-B6D8-73A8BB1B984F}"/>
+              </a:ext>
+            </a:extLst>
+          </p:cNvPr>
+          <p:cNvPicPr>
+            <a:picLocks noChangeAspect="1"/>
+          </p:cNvPicPr>
+          <p:nvPr/>
+        </p:nvPicPr>
+        <p:blipFill rotWithShape="1">
+          <a:blip r:embed="rId2">
+            <a:extLst>
+              <a:ext uri="{28A0092B-C50C-407E-A947-70E740481C1C}">
+                <a14:useLocalDpi xmlns:a14="http://schemas.microsoft.com/office/drawing/2010/main" val="0"/>
+              </a:ext>
+            </a:extLst>
+          </a:blip>
+          <a:srcRect l="3224" r="12527" b="-6"/>
+          <a:stretch/>
+        </p:blipFill>
+        <p:spPr>
+          <a:xfrm>
+            <a:off x="4968250" y="325905"/>
+            <a:ext cx="2249424" cy="2002611"/>
+          </a:xfrm>
+          <a:prstGeom prst="rect">
+            <a:avLst/>
+          </a:prstGeom>
+        </p:spPr>
+      </p:pic>
+      <p:pic>
+        <p:nvPicPr>
+          <p:cNvPr id="5" name="Picture 4" descr="Text, letter&#10;&#10;Description automatically generated">
+            <a:extLst>
+              <a:ext uri="{FF2B5EF4-FFF2-40B4-BE49-F238E27FC236}">
+                <a16:creationId xmlns:a16="http://schemas.microsoft.com/office/drawing/2014/main" id="{C2EF5ED7-8619-4310-AA4E-8EA2530B2828}"/>
+              </a:ext>
+            </a:extLst>
+          </p:cNvPr>
+          <p:cNvPicPr>
+            <a:picLocks noChangeAspect="1"/>
+          </p:cNvPicPr>
+          <p:nvPr/>
+        </p:nvPicPr>
+        <p:blipFill rotWithShape="1">
+          <a:blip r:embed="rId3">
+            <a:extLst>
+              <a:ext uri="{28A0092B-C50C-407E-A947-70E740481C1C}">
+                <a14:useLocalDpi xmlns:a14="http://schemas.microsoft.com/office/drawing/2010/main" val="0"/>
+              </a:ext>
+            </a:extLst>
+          </a:blip>
+          <a:srcRect l="1806"/>
+          <a:stretch/>
+        </p:blipFill>
+        <p:spPr>
+          <a:xfrm>
+            <a:off x="7295203" y="325906"/>
+            <a:ext cx="2249425" cy="1998723"/>
+          </a:xfrm>
+          <a:prstGeom prst="rect">
+            <a:avLst/>
+          </a:prstGeom>
+        </p:spPr>
+      </p:pic>
+      <p:pic>
+        <p:nvPicPr>
+          <p:cNvPr id="18" name="Picture 17">
+            <a:extLst>
+              <a:ext uri="{FF2B5EF4-FFF2-40B4-BE49-F238E27FC236}">
+                <a16:creationId xmlns:a16="http://schemas.microsoft.com/office/drawing/2014/main" id="{927F3CC6-6641-42C4-8BD1-F560F68847EA}"/>
+              </a:ext>
+            </a:extLst>
+          </p:cNvPr>
+          <p:cNvPicPr>
+            <a:picLocks noChangeAspect="1"/>
+          </p:cNvPicPr>
+          <p:nvPr/>
+        </p:nvPicPr>
+        <p:blipFill rotWithShape="1">
+          <a:blip r:embed="rId4">
+            <a:extLst>
+              <a:ext uri="{28A0092B-C50C-407E-A947-70E740481C1C}">
+                <a14:useLocalDpi xmlns:a14="http://schemas.microsoft.com/office/drawing/2010/main" val="0"/>
+              </a:ext>
+            </a:extLst>
+          </a:blip>
+          <a:srcRect t="7950" r="-2" b="2794"/>
+          <a:stretch/>
+        </p:blipFill>
+        <p:spPr>
+          <a:xfrm>
+            <a:off x="9622159" y="329793"/>
+            <a:ext cx="2243723" cy="2002611"/>
+          </a:xfrm>
+          <a:prstGeom prst="rect">
+            <a:avLst/>
+          </a:prstGeom>
+        </p:spPr>
+      </p:pic>
       <p:sp>
         <p:nvSpPr>
           <p:cNvPr id="3" name="Content Placeholder 2">
@@ -3994,15 +7152,154 @@
             <p:ph idx="1"/>
           </p:nvPr>
         </p:nvSpPr>
-        <p:spPr/>
-        <p:txBody>
-          <a:bodyPr/>
-          <a:lstStyle/>
-          <a:p>
-            <a:endParaRPr lang="en-US"/>
-          </a:p>
-        </p:txBody>
-      </p:sp>
+        <p:spPr>
+          <a:xfrm>
+            <a:off x="798256" y="2474260"/>
+            <a:ext cx="3607930" cy="3677158"/>
+          </a:xfrm>
+        </p:spPr>
+        <p:txBody>
+          <a:bodyPr anchor="t">
+            <a:normAutofit/>
+          </a:bodyPr>
+          <a:lstStyle/>
+          <a:p>
+            <a:pPr>
+              <a:lnSpc>
+                <a:spcPct val="150000"/>
+              </a:lnSpc>
+            </a:pPr>
+            <a:r>
+              <a:rPr lang="en-US" sz="2000" dirty="0">
+                <a:solidFill>
+                  <a:srgbClr val="FFFFFF"/>
+                </a:solidFill>
+              </a:rPr>
+              <a:t>Collected +40 strings of digits 0 – 9 from friends &amp; family.</a:t>
+            </a:r>
+          </a:p>
+          <a:p>
+            <a:pPr>
+              <a:lnSpc>
+                <a:spcPct val="150000"/>
+              </a:lnSpc>
+            </a:pPr>
+            <a:r>
+              <a:rPr lang="en-US" sz="2000" dirty="0">
+                <a:solidFill>
+                  <a:srgbClr val="FFFFFF"/>
+                </a:solidFill>
+              </a:rPr>
+              <a:t>Using Photoshop, we cropped each digit out of the image, attempting to keep them to a uniform shape.</a:t>
+            </a:r>
+          </a:p>
+        </p:txBody>
+      </p:sp>
+      <p:pic>
+        <p:nvPicPr>
+          <p:cNvPr id="16" name="Picture 15">
+            <a:extLst>
+              <a:ext uri="{FF2B5EF4-FFF2-40B4-BE49-F238E27FC236}">
+                <a16:creationId xmlns:a16="http://schemas.microsoft.com/office/drawing/2014/main" id="{67A23D12-F5FA-4B55-B211-7C6A23282252}"/>
+              </a:ext>
+            </a:extLst>
+          </p:cNvPr>
+          <p:cNvPicPr>
+            <a:picLocks noChangeAspect="1"/>
+          </p:cNvPicPr>
+          <p:nvPr/>
+        </p:nvPicPr>
+        <p:blipFill rotWithShape="1">
+          <a:blip r:embed="rId5">
+            <a:extLst>
+              <a:ext uri="{28A0092B-C50C-407E-A947-70E740481C1C}">
+                <a14:useLocalDpi xmlns:a14="http://schemas.microsoft.com/office/drawing/2010/main" val="0"/>
+              </a:ext>
+            </a:extLst>
+          </a:blip>
+          <a:srcRect t="4629" r="-1" b="6069"/>
+          <a:stretch/>
+        </p:blipFill>
+        <p:spPr>
+          <a:xfrm>
+            <a:off x="4968249" y="2413812"/>
+            <a:ext cx="2249424" cy="2008755"/>
+          </a:xfrm>
+          <a:prstGeom prst="rect">
+            <a:avLst/>
+          </a:prstGeom>
+        </p:spPr>
+      </p:pic>
+      <p:pic>
+        <p:nvPicPr>
+          <p:cNvPr id="22" name="Picture 21" descr="A picture containing outdoor, smoke&#10;&#10;Description automatically generated">
+            <a:extLst>
+              <a:ext uri="{FF2B5EF4-FFF2-40B4-BE49-F238E27FC236}">
+                <a16:creationId xmlns:a16="http://schemas.microsoft.com/office/drawing/2014/main" id="{4132237F-8B9E-40A8-A8C6-E36B8F3CFC5F}"/>
+              </a:ext>
+            </a:extLst>
+          </p:cNvPr>
+          <p:cNvPicPr>
+            <a:picLocks noChangeAspect="1"/>
+          </p:cNvPicPr>
+          <p:nvPr/>
+        </p:nvPicPr>
+        <p:blipFill rotWithShape="1">
+          <a:blip r:embed="rId6">
+            <a:extLst>
+              <a:ext uri="{28A0092B-C50C-407E-A947-70E740481C1C}">
+                <a14:useLocalDpi xmlns:a14="http://schemas.microsoft.com/office/drawing/2010/main" val="0"/>
+              </a:ext>
+            </a:extLst>
+          </a:blip>
+          <a:srcRect t="32110" r="-1" b="32730"/>
+          <a:stretch/>
+        </p:blipFill>
+        <p:spPr>
+          <a:xfrm>
+            <a:off x="4976656" y="4505579"/>
+            <a:ext cx="2249424" cy="2008756"/>
+          </a:xfrm>
+          <a:prstGeom prst="rect">
+            <a:avLst/>
+          </a:prstGeom>
+        </p:spPr>
+      </p:pic>
+      <p:pic>
+        <p:nvPicPr>
+          <p:cNvPr id="20" name="Picture 19">
+            <a:extLst>
+              <a:ext uri="{FF2B5EF4-FFF2-40B4-BE49-F238E27FC236}">
+                <a16:creationId xmlns:a16="http://schemas.microsoft.com/office/drawing/2014/main" id="{69A6A211-CB31-4642-8D4C-1FF54206D76E}"/>
+              </a:ext>
+            </a:extLst>
+          </p:cNvPr>
+          <p:cNvPicPr>
+            <a:picLocks noChangeAspect="1"/>
+          </p:cNvPicPr>
+          <p:nvPr/>
+        </p:nvPicPr>
+        <p:blipFill rotWithShape="1">
+          <a:blip r:embed="rId7">
+            <a:extLst>
+              <a:ext uri="{28A0092B-C50C-407E-A947-70E740481C1C}">
+                <a14:useLocalDpi xmlns:a14="http://schemas.microsoft.com/office/drawing/2010/main" val="0"/>
+              </a:ext>
+            </a:extLst>
+          </a:blip>
+          <a:srcRect t="9813" r="-1" b="-1"/>
+          <a:stretch/>
+        </p:blipFill>
+        <p:spPr>
+          <a:xfrm>
+            <a:off x="7295203" y="2406036"/>
+            <a:ext cx="4570677" cy="4122171"/>
+          </a:xfrm>
+          <a:prstGeom prst="rect">
+            <a:avLst/>
+          </a:prstGeom>
+        </p:spPr>
+      </p:pic>
     </p:spTree>
     <p:extLst>
       <p:ext uri="{BB962C8B-B14F-4D97-AF65-F5344CB8AC3E}">
@@ -4011,7 +7308,7 @@
     </p:extLst>
   </p:cSld>
   <p:clrMapOvr>
-    <a:masterClrMapping/>
+    <a:overrideClrMapping bg1="dk1" tx1="lt1" bg2="dk2" tx2="lt2" accent1="accent1" accent2="accent2" accent3="accent3" accent4="accent4" accent5="accent5" accent6="accent6" hlink="hlink" folHlink="folHlink"/>
   </p:clrMapOvr>
 </p:sld>
 </file>
@@ -4019,6 +7316,14 @@
 <file path=ppt/slides/slide4.xml><?xml version="1.0" encoding="utf-8"?>
 <p:sld xmlns:a="http://schemas.openxmlformats.org/drawingml/2006/main" xmlns:r="http://schemas.openxmlformats.org/officeDocument/2006/relationships" xmlns:p="http://schemas.openxmlformats.org/presentationml/2006/main">
   <p:cSld>
+    <p:bg>
+      <p:bgPr>
+        <a:solidFill>
+          <a:schemeClr val="bg1"/>
+        </a:solidFill>
+        <a:effectLst/>
+      </p:bgPr>
+    </p:bg>
     <p:spTree>
       <p:nvGrpSpPr>
         <p:cNvPr id="1" name=""/>
@@ -4033,6 +7338,66 @@
           <a:chExt cx="0" cy="0"/>
         </a:xfrm>
       </p:grpSpPr>
+      <p:sp useBgFill="1">
+        <p:nvSpPr>
+          <p:cNvPr id="37" name="Rectangle 36">
+            <a:extLst>
+              <a:ext uri="{FF2B5EF4-FFF2-40B4-BE49-F238E27FC236}">
+                <a16:creationId xmlns:a16="http://schemas.microsoft.com/office/drawing/2014/main" id="{AB902CB9-C7DC-4673-B7D5-F22DCF0EC54E}"/>
+              </a:ext>
+              <a:ext uri="{C183D7F6-B498-43B3-948B-1728B52AA6E4}">
+                <adec:decorative xmlns:adec="http://schemas.microsoft.com/office/drawing/2017/decorative" val="1"/>
+              </a:ext>
+            </a:extLst>
+          </p:cNvPr>
+          <p:cNvSpPr>
+            <a:spLocks noGrp="1" noRot="1" noChangeAspect="1" noMove="1" noResize="1" noEditPoints="1" noAdjustHandles="1" noChangeArrowheads="1" noChangeShapeType="1" noTextEdit="1"/>
+          </p:cNvSpPr>
+          <p:nvPr>
+            <p:extLst>
+              <p:ext uri="{386F3935-93C4-4BCD-93E2-E3B085C9AB24}">
+                <p16:designElem xmlns:p16="http://schemas.microsoft.com/office/powerpoint/2015/main" val="1"/>
+              </p:ext>
+            </p:extLst>
+          </p:nvPr>
+        </p:nvSpPr>
+        <p:spPr>
+          <a:xfrm>
+            <a:off x="-1" y="0"/>
+            <a:ext cx="12188952" cy="6858000"/>
+          </a:xfrm>
+          <a:prstGeom prst="rect">
+            <a:avLst/>
+          </a:prstGeom>
+          <a:ln>
+            <a:noFill/>
+          </a:ln>
+        </p:spPr>
+        <p:style>
+          <a:lnRef idx="2">
+            <a:schemeClr val="accent1">
+              <a:shade val="50000"/>
+            </a:schemeClr>
+          </a:lnRef>
+          <a:fillRef idx="1">
+            <a:schemeClr val="accent1"/>
+          </a:fillRef>
+          <a:effectRef idx="0">
+            <a:schemeClr val="accent1"/>
+          </a:effectRef>
+          <a:fontRef idx="minor">
+            <a:schemeClr val="lt1"/>
+          </a:fontRef>
+        </p:style>
+        <p:txBody>
+          <a:bodyPr rtlCol="0" anchor="ctr"/>
+          <a:lstStyle/>
+          <a:p>
+            <a:pPr algn="ctr"/>
+            <a:endParaRPr lang="en-US"/>
+          </a:p>
+        </p:txBody>
+      </p:sp>
       <p:sp>
         <p:nvSpPr>
           <p:cNvPr id="2" name="Title 1">
@@ -4049,44 +7414,391 @@
             <p:ph type="title"/>
           </p:nvPr>
         </p:nvSpPr>
-        <p:spPr/>
-        <p:txBody>
-          <a:bodyPr/>
-          <a:lstStyle/>
-          <a:p>
-            <a:r>
-              <a:rPr lang="en-US" dirty="0" err="1"/>
-              <a:t>PreProcessing</a:t>
-            </a:r>
-            <a:endParaRPr lang="en-US" dirty="0"/>
-          </a:p>
-        </p:txBody>
-      </p:sp>
-      <p:sp>
-        <p:nvSpPr>
-          <p:cNvPr id="3" name="Content Placeholder 2">
-            <a:extLst>
-              <a:ext uri="{FF2B5EF4-FFF2-40B4-BE49-F238E27FC236}">
-                <a16:creationId xmlns:a16="http://schemas.microsoft.com/office/drawing/2014/main" id="{224BE9E3-7646-4933-820C-B5459F3F484C}"/>
-              </a:ext>
-            </a:extLst>
-          </p:cNvPr>
-          <p:cNvSpPr>
-            <a:spLocks noGrp="1"/>
-          </p:cNvSpPr>
-          <p:nvPr>
-            <p:ph idx="1"/>
-          </p:nvPr>
-        </p:nvSpPr>
-        <p:spPr/>
-        <p:txBody>
-          <a:bodyPr/>
-          <a:lstStyle/>
-          <a:p>
-            <a:endParaRPr lang="en-US"/>
-          </a:p>
-        </p:txBody>
-      </p:sp>
+        <p:spPr>
+          <a:xfrm>
+            <a:off x="653374" y="90021"/>
+            <a:ext cx="10515595" cy="563982"/>
+          </a:xfrm>
+        </p:spPr>
+        <p:txBody>
+          <a:bodyPr anchor="b">
+            <a:normAutofit fontScale="90000"/>
+          </a:bodyPr>
+          <a:lstStyle/>
+          <a:p>
+            <a:pPr algn="ctr"/>
+            <a:r>
+              <a:rPr lang="en-US" sz="4000" dirty="0"/>
+              <a:t>Pre-Processing - </a:t>
+            </a:r>
+            <a:r>
+              <a:rPr lang="en-US" sz="4000" dirty="0" err="1"/>
+              <a:t>Matlab</a:t>
+            </a:r>
+            <a:endParaRPr lang="en-US" sz="4000" dirty="0"/>
+          </a:p>
+        </p:txBody>
+      </p:sp>
+      <p:pic>
+        <p:nvPicPr>
+          <p:cNvPr id="6" name="Content Placeholder 5" descr="A picture containing necklet, accessory&#10;&#10;Description automatically generated">
+            <a:extLst>
+              <a:ext uri="{FF2B5EF4-FFF2-40B4-BE49-F238E27FC236}">
+                <a16:creationId xmlns:a16="http://schemas.microsoft.com/office/drawing/2014/main" id="{C408D722-E331-451C-AF8F-52E351F7B10E}"/>
+              </a:ext>
+            </a:extLst>
+          </p:cNvPr>
+          <p:cNvPicPr>
+            <a:picLocks noChangeAspect="1"/>
+          </p:cNvPicPr>
+          <p:nvPr/>
+        </p:nvPicPr>
+        <p:blipFill>
+          <a:blip r:embed="rId2">
+            <a:extLst>
+              <a:ext uri="{28A0092B-C50C-407E-A947-70E740481C1C}">
+                <a14:useLocalDpi xmlns:a14="http://schemas.microsoft.com/office/drawing/2010/main" val="0"/>
+              </a:ext>
+            </a:extLst>
+          </a:blip>
+          <a:stretch>
+            <a:fillRect/>
+          </a:stretch>
+        </p:blipFill>
+        <p:spPr>
+          <a:xfrm>
+            <a:off x="166474" y="1329084"/>
+            <a:ext cx="2212024" cy="2240384"/>
+          </a:xfrm>
+          <a:prstGeom prst="rect">
+            <a:avLst/>
+          </a:prstGeom>
+        </p:spPr>
+      </p:pic>
+      <p:pic>
+        <p:nvPicPr>
+          <p:cNvPr id="19" name="Picture 18">
+            <a:extLst>
+              <a:ext uri="{FF2B5EF4-FFF2-40B4-BE49-F238E27FC236}">
+                <a16:creationId xmlns:a16="http://schemas.microsoft.com/office/drawing/2014/main" id="{7D057BAC-78CF-4E0E-92C2-FFD0918BD248}"/>
+              </a:ext>
+            </a:extLst>
+          </p:cNvPr>
+          <p:cNvPicPr>
+            <a:picLocks noChangeAspect="1"/>
+          </p:cNvPicPr>
+          <p:nvPr/>
+        </p:nvPicPr>
+        <p:blipFill>
+          <a:blip r:embed="rId3">
+            <a:extLst>
+              <a:ext uri="{28A0092B-C50C-407E-A947-70E740481C1C}">
+                <a14:useLocalDpi xmlns:a14="http://schemas.microsoft.com/office/drawing/2010/main" val="0"/>
+              </a:ext>
+            </a:extLst>
+          </a:blip>
+          <a:stretch>
+            <a:fillRect/>
+          </a:stretch>
+        </p:blipFill>
+        <p:spPr>
+          <a:xfrm>
+            <a:off x="2539732" y="1329084"/>
+            <a:ext cx="2240384" cy="2240384"/>
+          </a:xfrm>
+          <a:prstGeom prst="rect">
+            <a:avLst/>
+          </a:prstGeom>
+        </p:spPr>
+      </p:pic>
+      <p:pic>
+        <p:nvPicPr>
+          <p:cNvPr id="30" name="Picture 29" descr="A picture containing text, white&#10;&#10;Description automatically generated">
+            <a:extLst>
+              <a:ext uri="{FF2B5EF4-FFF2-40B4-BE49-F238E27FC236}">
+                <a16:creationId xmlns:a16="http://schemas.microsoft.com/office/drawing/2014/main" id="{D6751550-C09E-4775-B21A-1A1A6EAAECA0}"/>
+              </a:ext>
+            </a:extLst>
+          </p:cNvPr>
+          <p:cNvPicPr>
+            <a:picLocks noChangeAspect="1"/>
+          </p:cNvPicPr>
+          <p:nvPr/>
+        </p:nvPicPr>
+        <p:blipFill>
+          <a:blip r:embed="rId4">
+            <a:extLst>
+              <a:ext uri="{28A0092B-C50C-407E-A947-70E740481C1C}">
+                <a14:useLocalDpi xmlns:a14="http://schemas.microsoft.com/office/drawing/2010/main" val="0"/>
+              </a:ext>
+            </a:extLst>
+          </a:blip>
+          <a:stretch>
+            <a:fillRect/>
+          </a:stretch>
+        </p:blipFill>
+        <p:spPr>
+          <a:xfrm>
+            <a:off x="9741639" y="1337412"/>
+            <a:ext cx="2240384" cy="2240384"/>
+          </a:xfrm>
+          <a:prstGeom prst="rect">
+            <a:avLst/>
+          </a:prstGeom>
+        </p:spPr>
+      </p:pic>
+      <p:pic>
+        <p:nvPicPr>
+          <p:cNvPr id="26" name="Picture 25" descr="A picture containing text&#10;&#10;Description automatically generated">
+            <a:extLst>
+              <a:ext uri="{FF2B5EF4-FFF2-40B4-BE49-F238E27FC236}">
+                <a16:creationId xmlns:a16="http://schemas.microsoft.com/office/drawing/2014/main" id="{DD30B783-B5B5-45FF-BAF3-9AF8D60C1110}"/>
+              </a:ext>
+            </a:extLst>
+          </p:cNvPr>
+          <p:cNvPicPr>
+            <a:picLocks noChangeAspect="1"/>
+          </p:cNvPicPr>
+          <p:nvPr/>
+        </p:nvPicPr>
+        <p:blipFill>
+          <a:blip r:embed="rId5">
+            <a:extLst>
+              <a:ext uri="{28A0092B-C50C-407E-A947-70E740481C1C}">
+                <a14:useLocalDpi xmlns:a14="http://schemas.microsoft.com/office/drawing/2010/main" val="0"/>
+              </a:ext>
+            </a:extLst>
+          </a:blip>
+          <a:stretch>
+            <a:fillRect/>
+          </a:stretch>
+        </p:blipFill>
+        <p:spPr>
+          <a:xfrm>
+            <a:off x="4941349" y="1329084"/>
+            <a:ext cx="2240384" cy="2240384"/>
+          </a:xfrm>
+          <a:prstGeom prst="rect">
+            <a:avLst/>
+          </a:prstGeom>
+        </p:spPr>
+      </p:pic>
+      <p:pic>
+        <p:nvPicPr>
+          <p:cNvPr id="28" name="Picture 27" descr="A picture containing outdoor&#10;&#10;Description automatically generated">
+            <a:extLst>
+              <a:ext uri="{FF2B5EF4-FFF2-40B4-BE49-F238E27FC236}">
+                <a16:creationId xmlns:a16="http://schemas.microsoft.com/office/drawing/2014/main" id="{8506C6CA-39E9-49A6-882E-D498F44F0810}"/>
+              </a:ext>
+            </a:extLst>
+          </p:cNvPr>
+          <p:cNvPicPr>
+            <a:picLocks noChangeAspect="1"/>
+          </p:cNvPicPr>
+          <p:nvPr/>
+        </p:nvPicPr>
+        <p:blipFill>
+          <a:blip r:embed="rId6">
+            <a:extLst>
+              <a:ext uri="{28A0092B-C50C-407E-A947-70E740481C1C}">
+                <a14:useLocalDpi xmlns:a14="http://schemas.microsoft.com/office/drawing/2010/main" val="0"/>
+              </a:ext>
+            </a:extLst>
+          </a:blip>
+          <a:stretch>
+            <a:fillRect/>
+          </a:stretch>
+        </p:blipFill>
+        <p:spPr>
+          <a:xfrm>
+            <a:off x="7342966" y="1337411"/>
+            <a:ext cx="2240384" cy="2240384"/>
+          </a:xfrm>
+          <a:prstGeom prst="rect">
+            <a:avLst/>
+          </a:prstGeom>
+        </p:spPr>
+      </p:pic>
+      <p:pic>
+        <p:nvPicPr>
+          <p:cNvPr id="32" name="Picture 31">
+            <a:extLst>
+              <a:ext uri="{FF2B5EF4-FFF2-40B4-BE49-F238E27FC236}">
+                <a16:creationId xmlns:a16="http://schemas.microsoft.com/office/drawing/2014/main" id="{47359E6A-DBC0-49D8-85CB-BB475788B65F}"/>
+              </a:ext>
+            </a:extLst>
+          </p:cNvPr>
+          <p:cNvPicPr>
+            <a:picLocks noChangeAspect="1"/>
+          </p:cNvPicPr>
+          <p:nvPr/>
+        </p:nvPicPr>
+        <p:blipFill>
+          <a:blip r:embed="rId7">
+            <a:extLst>
+              <a:ext uri="{28A0092B-C50C-407E-A947-70E740481C1C}">
+                <a14:useLocalDpi xmlns:a14="http://schemas.microsoft.com/office/drawing/2010/main" val="0"/>
+              </a:ext>
+            </a:extLst>
+          </a:blip>
+          <a:stretch>
+            <a:fillRect/>
+          </a:stretch>
+        </p:blipFill>
+        <p:spPr>
+          <a:xfrm>
+            <a:off x="161800" y="3569469"/>
+            <a:ext cx="2212024" cy="2240384"/>
+          </a:xfrm>
+          <a:prstGeom prst="rect">
+            <a:avLst/>
+          </a:prstGeom>
+        </p:spPr>
+      </p:pic>
+      <p:pic>
+        <p:nvPicPr>
+          <p:cNvPr id="35" name="Picture 34">
+            <a:extLst>
+              <a:ext uri="{FF2B5EF4-FFF2-40B4-BE49-F238E27FC236}">
+                <a16:creationId xmlns:a16="http://schemas.microsoft.com/office/drawing/2014/main" id="{A04EE190-DB75-47B9-9B2E-8200DC83273E}"/>
+              </a:ext>
+            </a:extLst>
+          </p:cNvPr>
+          <p:cNvPicPr>
+            <a:picLocks noChangeAspect="1"/>
+          </p:cNvPicPr>
+          <p:nvPr/>
+        </p:nvPicPr>
+        <p:blipFill>
+          <a:blip r:embed="rId8">
+            <a:extLst>
+              <a:ext uri="{28A0092B-C50C-407E-A947-70E740481C1C}">
+                <a14:useLocalDpi xmlns:a14="http://schemas.microsoft.com/office/drawing/2010/main" val="0"/>
+              </a:ext>
+            </a:extLst>
+          </a:blip>
+          <a:stretch>
+            <a:fillRect/>
+          </a:stretch>
+        </p:blipFill>
+        <p:spPr>
+          <a:xfrm>
+            <a:off x="2539732" y="3569469"/>
+            <a:ext cx="2240383" cy="2240383"/>
+          </a:xfrm>
+          <a:prstGeom prst="rect">
+            <a:avLst/>
+          </a:prstGeom>
+        </p:spPr>
+      </p:pic>
+      <p:pic>
+        <p:nvPicPr>
+          <p:cNvPr id="38" name="Picture 37">
+            <a:extLst>
+              <a:ext uri="{FF2B5EF4-FFF2-40B4-BE49-F238E27FC236}">
+                <a16:creationId xmlns:a16="http://schemas.microsoft.com/office/drawing/2014/main" id="{7490666E-5BEE-4C08-9940-EE463EACC422}"/>
+              </a:ext>
+            </a:extLst>
+          </p:cNvPr>
+          <p:cNvPicPr>
+            <a:picLocks noChangeAspect="1"/>
+          </p:cNvPicPr>
+          <p:nvPr/>
+        </p:nvPicPr>
+        <p:blipFill>
+          <a:blip r:embed="rId9">
+            <a:extLst>
+              <a:ext uri="{28A0092B-C50C-407E-A947-70E740481C1C}">
+                <a14:useLocalDpi xmlns:a14="http://schemas.microsoft.com/office/drawing/2010/main" val="0"/>
+              </a:ext>
+            </a:extLst>
+          </a:blip>
+          <a:stretch>
+            <a:fillRect/>
+          </a:stretch>
+        </p:blipFill>
+        <p:spPr>
+          <a:xfrm>
+            <a:off x="4941350" y="3569469"/>
+            <a:ext cx="2240384" cy="2240384"/>
+          </a:xfrm>
+          <a:prstGeom prst="rect">
+            <a:avLst/>
+          </a:prstGeom>
+        </p:spPr>
+      </p:pic>
+      <p:pic>
+        <p:nvPicPr>
+          <p:cNvPr id="40" name="Picture 39">
+            <a:extLst>
+              <a:ext uri="{FF2B5EF4-FFF2-40B4-BE49-F238E27FC236}">
+                <a16:creationId xmlns:a16="http://schemas.microsoft.com/office/drawing/2014/main" id="{CD60DB53-8A7C-429B-9202-D1ABB2C519F9}"/>
+              </a:ext>
+            </a:extLst>
+          </p:cNvPr>
+          <p:cNvPicPr>
+            <a:picLocks noChangeAspect="1"/>
+          </p:cNvPicPr>
+          <p:nvPr/>
+        </p:nvPicPr>
+        <p:blipFill>
+          <a:blip r:embed="rId10">
+            <a:extLst>
+              <a:ext uri="{28A0092B-C50C-407E-A947-70E740481C1C}">
+                <a14:useLocalDpi xmlns:a14="http://schemas.microsoft.com/office/drawing/2010/main" val="0"/>
+              </a:ext>
+            </a:extLst>
+          </a:blip>
+          <a:stretch>
+            <a:fillRect/>
+          </a:stretch>
+        </p:blipFill>
+        <p:spPr>
+          <a:xfrm>
+            <a:off x="7342966" y="3577796"/>
+            <a:ext cx="2240384" cy="2240384"/>
+          </a:xfrm>
+          <a:prstGeom prst="rect">
+            <a:avLst/>
+          </a:prstGeom>
+        </p:spPr>
+      </p:pic>
+      <p:pic>
+        <p:nvPicPr>
+          <p:cNvPr id="42" name="Picture 41">
+            <a:extLst>
+              <a:ext uri="{FF2B5EF4-FFF2-40B4-BE49-F238E27FC236}">
+                <a16:creationId xmlns:a16="http://schemas.microsoft.com/office/drawing/2014/main" id="{D19FFF58-56B6-4EE9-B21A-F8E4A69CD9E0}"/>
+              </a:ext>
+            </a:extLst>
+          </p:cNvPr>
+          <p:cNvPicPr>
+            <a:picLocks noChangeAspect="1"/>
+          </p:cNvPicPr>
+          <p:nvPr/>
+        </p:nvPicPr>
+        <p:blipFill>
+          <a:blip r:embed="rId11">
+            <a:extLst>
+              <a:ext uri="{28A0092B-C50C-407E-A947-70E740481C1C}">
+                <a14:useLocalDpi xmlns:a14="http://schemas.microsoft.com/office/drawing/2010/main" val="0"/>
+              </a:ext>
+            </a:extLst>
+          </a:blip>
+          <a:stretch>
+            <a:fillRect/>
+          </a:stretch>
+        </p:blipFill>
+        <p:spPr>
+          <a:xfrm>
+            <a:off x="9741639" y="3577796"/>
+            <a:ext cx="2240384" cy="2240384"/>
+          </a:xfrm>
+          <a:prstGeom prst="rect">
+            <a:avLst/>
+          </a:prstGeom>
+        </p:spPr>
+      </p:pic>
     </p:spTree>
     <p:extLst>
       <p:ext uri="{BB962C8B-B14F-4D97-AF65-F5344CB8AC3E}">
@@ -4103,6 +7815,14 @@
 <file path=ppt/slides/slide5.xml><?xml version="1.0" encoding="utf-8"?>
 <p:sld xmlns:a="http://schemas.openxmlformats.org/drawingml/2006/main" xmlns:r="http://schemas.openxmlformats.org/officeDocument/2006/relationships" xmlns:p="http://schemas.openxmlformats.org/presentationml/2006/main">
   <p:cSld>
+    <p:bg>
+      <p:bgPr>
+        <a:solidFill>
+          <a:schemeClr val="bg1"/>
+        </a:solidFill>
+        <a:effectLst/>
+      </p:bgPr>
+    </p:bg>
     <p:spTree>
       <p:nvGrpSpPr>
         <p:cNvPr id="1" name=""/>
@@ -4119,6 +7839,98 @@
       </p:grpSpPr>
       <p:sp>
         <p:nvSpPr>
+          <p:cNvPr id="11" name="Rectangle 10">
+            <a:extLst>
+              <a:ext uri="{FF2B5EF4-FFF2-40B4-BE49-F238E27FC236}">
+                <a16:creationId xmlns:a16="http://schemas.microsoft.com/office/drawing/2014/main" id="{4038CB10-1F5C-4D54-9DF7-12586DE5B007}"/>
+              </a:ext>
+              <a:ext uri="{C183D7F6-B498-43B3-948B-1728B52AA6E4}">
+                <adec:decorative xmlns:adec="http://schemas.microsoft.com/office/drawing/2017/decorative" val="1"/>
+              </a:ext>
+            </a:extLst>
+          </p:cNvPr>
+          <p:cNvSpPr>
+            <a:spLocks noGrp="1" noRot="1" noChangeAspect="1" noMove="1" noResize="1" noEditPoints="1" noAdjustHandles="1" noChangeArrowheads="1" noChangeShapeType="1" noTextEdit="1"/>
+          </p:cNvSpPr>
+          <p:nvPr>
+            <p:extLst>
+              <p:ext uri="{386F3935-93C4-4BCD-93E2-E3B085C9AB24}">
+                <p16:designElem xmlns:p16="http://schemas.microsoft.com/office/powerpoint/2015/main" val="1"/>
+              </p:ext>
+            </p:extLst>
+          </p:nvPr>
+        </p:nvSpPr>
+        <p:spPr>
+          <a:xfrm>
+            <a:off x="327546" y="321732"/>
+            <a:ext cx="7058307" cy="1964266"/>
+          </a:xfrm>
+          <a:prstGeom prst="rect">
+            <a:avLst/>
+          </a:prstGeom>
+          <a:solidFill>
+            <a:schemeClr val="accent5"/>
+          </a:solidFill>
+          <a:ln>
+            <a:noFill/>
+          </a:ln>
+        </p:spPr>
+        <p:style>
+          <a:lnRef idx="2">
+            <a:schemeClr val="accent1">
+              <a:shade val="50000"/>
+            </a:schemeClr>
+          </a:lnRef>
+          <a:fillRef idx="1">
+            <a:schemeClr val="accent1"/>
+          </a:fillRef>
+          <a:effectRef idx="0">
+            <a:schemeClr val="accent1"/>
+          </a:effectRef>
+          <a:fontRef idx="minor">
+            <a:schemeClr val="lt1"/>
+          </a:fontRef>
+        </p:style>
+        <p:txBody>
+          <a:bodyPr rtlCol="0" anchor="ctr"/>
+          <a:lstStyle/>
+          <a:p>
+            <a:pPr marL="0" marR="0" lvl="0" indent="0" algn="ctr" defTabSz="914400" rtl="0" eaLnBrk="1" fontAlgn="auto" latinLnBrk="0" hangingPunct="1">
+              <a:lnSpc>
+                <a:spcPct val="100000"/>
+              </a:lnSpc>
+              <a:spcBef>
+                <a:spcPts val="0"/>
+              </a:spcBef>
+              <a:spcAft>
+                <a:spcPts val="0"/>
+              </a:spcAft>
+              <a:buClrTx/>
+              <a:buSzTx/>
+              <a:buFontTx/>
+              <a:buNone/>
+              <a:tabLst/>
+              <a:defRPr/>
+            </a:pPr>
+            <a:endParaRPr kumimoji="0" lang="en-US" sz="1800" b="0" i="0" u="none" strike="noStrike" kern="1200" cap="none" spc="0" normalizeH="0" baseline="0" noProof="0">
+              <a:ln>
+                <a:noFill/>
+              </a:ln>
+              <a:solidFill>
+                <a:prstClr val="white"/>
+              </a:solidFill>
+              <a:effectLst/>
+              <a:uLnTx/>
+              <a:uFillTx/>
+              <a:latin typeface="Calibri" panose="020F0502020204030204"/>
+              <a:ea typeface="+mn-ea"/>
+              <a:cs typeface="+mn-cs"/>
+            </a:endParaRPr>
+          </a:p>
+        </p:txBody>
+      </p:sp>
+      <p:sp>
+        <p:nvSpPr>
           <p:cNvPr id="2" name="Title 1">
             <a:extLst>
               <a:ext uri="{FF2B5EF4-FFF2-40B4-BE49-F238E27FC236}">
@@ -4133,19 +7945,182 @@
             <p:ph type="title"/>
           </p:nvPr>
         </p:nvSpPr>
-        <p:spPr/>
-        <p:txBody>
-          <a:bodyPr/>
-          <a:lstStyle/>
-          <a:p>
-            <a:r>
-              <a:rPr lang="en-US" dirty="0" err="1"/>
-              <a:t>PreProcessing</a:t>
-            </a:r>
-            <a:r>
-              <a:rPr lang="en-US" dirty="0"/>
-              <a:t> Cont.</a:t>
-            </a:r>
+        <p:spPr>
+          <a:xfrm>
+            <a:off x="524256" y="491260"/>
+            <a:ext cx="6594189" cy="1625210"/>
+          </a:xfrm>
+        </p:spPr>
+        <p:txBody>
+          <a:bodyPr>
+            <a:normAutofit/>
+          </a:bodyPr>
+          <a:lstStyle/>
+          <a:p>
+            <a:r>
+              <a:rPr lang="en-US">
+                <a:solidFill>
+                  <a:srgbClr val="FFFFFF"/>
+                </a:solidFill>
+              </a:rPr>
+              <a:t>Pre-Processing Algorithm</a:t>
+            </a:r>
+          </a:p>
+        </p:txBody>
+      </p:sp>
+      <p:pic>
+        <p:nvPicPr>
+          <p:cNvPr id="5" name="Picture 4" descr="A picture containing outdoor&#10;&#10;Description automatically generated">
+            <a:extLst>
+              <a:ext uri="{FF2B5EF4-FFF2-40B4-BE49-F238E27FC236}">
+                <a16:creationId xmlns:a16="http://schemas.microsoft.com/office/drawing/2014/main" id="{A4521450-9978-44E7-A3DE-37C5B2658959}"/>
+              </a:ext>
+            </a:extLst>
+          </p:cNvPr>
+          <p:cNvPicPr>
+            <a:picLocks noChangeAspect="1"/>
+          </p:cNvPicPr>
+          <p:nvPr/>
+        </p:nvPicPr>
+        <p:blipFill rotWithShape="1">
+          <a:blip r:embed="rId2">
+            <a:extLst>
+              <a:ext uri="{28A0092B-C50C-407E-A947-70E740481C1C}">
+                <a14:useLocalDpi xmlns:a14="http://schemas.microsoft.com/office/drawing/2010/main" val="0"/>
+              </a:ext>
+            </a:extLst>
+          </a:blip>
+          <a:srcRect l="11095" r="4528"/>
+          <a:stretch/>
+        </p:blipFill>
+        <p:spPr>
+          <a:xfrm>
+            <a:off x="327546" y="2454903"/>
+            <a:ext cx="3442801" cy="4080254"/>
+          </a:xfrm>
+          <a:prstGeom prst="rect">
+            <a:avLst/>
+          </a:prstGeom>
+        </p:spPr>
+      </p:pic>
+      <p:pic>
+        <p:nvPicPr>
+          <p:cNvPr id="6" name="Picture 5">
+            <a:extLst>
+              <a:ext uri="{FF2B5EF4-FFF2-40B4-BE49-F238E27FC236}">
+                <a16:creationId xmlns:a16="http://schemas.microsoft.com/office/drawing/2014/main" id="{6A44067B-9867-4E2D-A9A5-DC9FCBB4B5E9}"/>
+              </a:ext>
+            </a:extLst>
+          </p:cNvPr>
+          <p:cNvPicPr>
+            <a:picLocks noChangeAspect="1"/>
+          </p:cNvPicPr>
+          <p:nvPr/>
+        </p:nvPicPr>
+        <p:blipFill rotWithShape="1">
+          <a:blip r:embed="rId3"/>
+          <a:srcRect l="10975" r="4913"/>
+          <a:stretch/>
+        </p:blipFill>
+        <p:spPr>
+          <a:xfrm>
+            <a:off x="3942260" y="2454901"/>
+            <a:ext cx="3442803" cy="4080255"/>
+          </a:xfrm>
+          <a:prstGeom prst="rect">
+            <a:avLst/>
+          </a:prstGeom>
+        </p:spPr>
+      </p:pic>
+      <p:sp>
+        <p:nvSpPr>
+          <p:cNvPr id="13" name="Rectangle 12">
+            <a:extLst>
+              <a:ext uri="{FF2B5EF4-FFF2-40B4-BE49-F238E27FC236}">
+                <a16:creationId xmlns:a16="http://schemas.microsoft.com/office/drawing/2014/main" id="{73ED6512-6858-4552-B699-9A97FE9A4EA2}"/>
+              </a:ext>
+              <a:ext uri="{C183D7F6-B498-43B3-948B-1728B52AA6E4}">
+                <adec:decorative xmlns:adec="http://schemas.microsoft.com/office/drawing/2017/decorative" val="1"/>
+              </a:ext>
+            </a:extLst>
+          </p:cNvPr>
+          <p:cNvSpPr>
+            <a:spLocks noGrp="1" noRot="1" noChangeAspect="1" noMove="1" noResize="1" noEditPoints="1" noAdjustHandles="1" noChangeArrowheads="1" noChangeShapeType="1" noTextEdit="1"/>
+          </p:cNvSpPr>
+          <p:nvPr>
+            <p:extLst>
+              <p:ext uri="{386F3935-93C4-4BCD-93E2-E3B085C9AB24}">
+                <p16:designElem xmlns:p16="http://schemas.microsoft.com/office/powerpoint/2015/main" val="1"/>
+              </p:ext>
+            </p:extLst>
+          </p:nvPr>
+        </p:nvSpPr>
+        <p:spPr>
+          <a:xfrm>
+            <a:off x="7556975" y="321732"/>
+            <a:ext cx="4313293" cy="6214534"/>
+          </a:xfrm>
+          <a:prstGeom prst="rect">
+            <a:avLst/>
+          </a:prstGeom>
+          <a:solidFill>
+            <a:srgbClr val="595959"/>
+          </a:solidFill>
+          <a:ln>
+            <a:noFill/>
+          </a:ln>
+        </p:spPr>
+        <p:style>
+          <a:lnRef idx="2">
+            <a:schemeClr val="accent1">
+              <a:shade val="50000"/>
+            </a:schemeClr>
+          </a:lnRef>
+          <a:fillRef idx="1">
+            <a:schemeClr val="accent1"/>
+          </a:fillRef>
+          <a:effectRef idx="0">
+            <a:schemeClr val="accent1"/>
+          </a:effectRef>
+          <a:fontRef idx="minor">
+            <a:schemeClr val="lt1"/>
+          </a:fontRef>
+        </p:style>
+        <p:txBody>
+          <a:bodyPr rtlCol="0" anchor="ctr"/>
+          <a:lstStyle/>
+          <a:p>
+            <a:pPr marL="0" marR="0" lvl="0" indent="0" algn="ctr" defTabSz="914400" rtl="0" eaLnBrk="1" fontAlgn="auto" latinLnBrk="0" hangingPunct="1">
+              <a:lnSpc>
+                <a:spcPct val="100000"/>
+              </a:lnSpc>
+              <a:spcBef>
+                <a:spcPts val="0"/>
+              </a:spcBef>
+              <a:spcAft>
+                <a:spcPts val="0"/>
+              </a:spcAft>
+              <a:buClrTx/>
+              <a:buSzTx/>
+              <a:buFontTx/>
+              <a:buNone/>
+              <a:tabLst/>
+              <a:defRPr/>
+            </a:pPr>
+            <a:endParaRPr kumimoji="0" lang="en-US" sz="1800" b="0" i="0" u="none" strike="noStrike" kern="1200" cap="none" spc="0" normalizeH="0" baseline="0" noProof="0">
+              <a:ln>
+                <a:noFill/>
+              </a:ln>
+              <a:solidFill>
+                <a:prstClr val="white"/>
+              </a:solidFill>
+              <a:effectLst/>
+              <a:uLnTx/>
+              <a:uFillTx/>
+              <a:latin typeface="Calibri" panose="020F0502020204030204"/>
+              <a:ea typeface="+mn-ea"/>
+              <a:cs typeface="+mn-cs"/>
+            </a:endParaRPr>
           </a:p>
         </p:txBody>
       </p:sp>
@@ -4165,12 +8140,26 @@
             <p:ph idx="1"/>
           </p:nvPr>
         </p:nvSpPr>
-        <p:spPr/>
-        <p:txBody>
-          <a:bodyPr/>
-          <a:lstStyle/>
-          <a:p>
-            <a:endParaRPr lang="en-US"/>
+        <p:spPr>
+          <a:xfrm>
+            <a:off x="7957973" y="763523"/>
+            <a:ext cx="3511296" cy="5330952"/>
+          </a:xfrm>
+        </p:spPr>
+        <p:txBody>
+          <a:bodyPr anchor="ctr">
+            <a:normAutofit/>
+          </a:bodyPr>
+          <a:lstStyle/>
+          <a:p>
+            <a:r>
+              <a:rPr lang="en-US" sz="2400" dirty="0">
+                <a:solidFill>
+                  <a:srgbClr val="FFFFFF"/>
+                </a:solidFill>
+              </a:rPr>
+              <a:t>Step 1: Set to grayscale &amp; Background Subtraction</a:t>
+            </a:r>
           </a:p>
         </p:txBody>
       </p:sp>
@@ -4190,6 +8179,14 @@
 <file path=ppt/slides/slide6.xml><?xml version="1.0" encoding="utf-8"?>
 <p:sld xmlns:a="http://schemas.openxmlformats.org/drawingml/2006/main" xmlns:r="http://schemas.openxmlformats.org/officeDocument/2006/relationships" xmlns:p="http://schemas.openxmlformats.org/presentationml/2006/main">
   <p:cSld>
+    <p:bg>
+      <p:bgPr>
+        <a:solidFill>
+          <a:schemeClr val="bg1"/>
+        </a:solidFill>
+        <a:effectLst/>
+      </p:bgPr>
+    </p:bg>
     <p:spTree>
       <p:nvGrpSpPr>
         <p:cNvPr id="1" name=""/>
@@ -4206,10 +8203,102 @@
       </p:grpSpPr>
       <p:sp>
         <p:nvSpPr>
+          <p:cNvPr id="10" name="Rectangle 9">
+            <a:extLst>
+              <a:ext uri="{FF2B5EF4-FFF2-40B4-BE49-F238E27FC236}">
+                <a16:creationId xmlns:a16="http://schemas.microsoft.com/office/drawing/2014/main" id="{4038CB10-1F5C-4D54-9DF7-12586DE5B007}"/>
+              </a:ext>
+              <a:ext uri="{C183D7F6-B498-43B3-948B-1728B52AA6E4}">
+                <adec:decorative xmlns:adec="http://schemas.microsoft.com/office/drawing/2017/decorative" val="1"/>
+              </a:ext>
+            </a:extLst>
+          </p:cNvPr>
+          <p:cNvSpPr>
+            <a:spLocks noGrp="1" noRot="1" noChangeAspect="1" noMove="1" noResize="1" noEditPoints="1" noAdjustHandles="1" noChangeArrowheads="1" noChangeShapeType="1" noTextEdit="1"/>
+          </p:cNvSpPr>
+          <p:nvPr>
+            <p:extLst>
+              <p:ext uri="{386F3935-93C4-4BCD-93E2-E3B085C9AB24}">
+                <p16:designElem xmlns:p16="http://schemas.microsoft.com/office/powerpoint/2015/main" val="1"/>
+              </p:ext>
+            </p:extLst>
+          </p:nvPr>
+        </p:nvSpPr>
+        <p:spPr>
+          <a:xfrm>
+            <a:off x="327546" y="321732"/>
+            <a:ext cx="7058307" cy="1964266"/>
+          </a:xfrm>
+          <a:prstGeom prst="rect">
+            <a:avLst/>
+          </a:prstGeom>
+          <a:solidFill>
+            <a:schemeClr val="accent5"/>
+          </a:solidFill>
+          <a:ln>
+            <a:noFill/>
+          </a:ln>
+        </p:spPr>
+        <p:style>
+          <a:lnRef idx="2">
+            <a:schemeClr val="accent1">
+              <a:shade val="50000"/>
+            </a:schemeClr>
+          </a:lnRef>
+          <a:fillRef idx="1">
+            <a:schemeClr val="accent1"/>
+          </a:fillRef>
+          <a:effectRef idx="0">
+            <a:schemeClr val="accent1"/>
+          </a:effectRef>
+          <a:fontRef idx="minor">
+            <a:schemeClr val="lt1"/>
+          </a:fontRef>
+        </p:style>
+        <p:txBody>
+          <a:bodyPr rtlCol="0" anchor="ctr"/>
+          <a:lstStyle/>
+          <a:p>
+            <a:pPr marL="0" marR="0" lvl="0" indent="0" algn="ctr" defTabSz="914400" rtl="0" eaLnBrk="1" fontAlgn="auto" latinLnBrk="0" hangingPunct="1">
+              <a:lnSpc>
+                <a:spcPct val="100000"/>
+              </a:lnSpc>
+              <a:spcBef>
+                <a:spcPts val="0"/>
+              </a:spcBef>
+              <a:spcAft>
+                <a:spcPts val="0"/>
+              </a:spcAft>
+              <a:buClrTx/>
+              <a:buSzTx/>
+              <a:buFontTx/>
+              <a:buNone/>
+              <a:tabLst/>
+              <a:defRPr/>
+            </a:pPr>
+            <a:endParaRPr kumimoji="0" lang="en-US" sz="1800" b="0" i="0" u="none" strike="noStrike" kern="1200" cap="none" spc="0" normalizeH="0" baseline="0" noProof="0">
+              <a:ln>
+                <a:noFill/>
+              </a:ln>
+              <a:solidFill>
+                <a:prstClr val="white"/>
+              </a:solidFill>
+              <a:effectLst/>
+              <a:uLnTx/>
+              <a:uFillTx/>
+              <a:latin typeface="Calibri" panose="020F0502020204030204"/>
+              <a:ea typeface="+mn-ea"/>
+              <a:cs typeface="+mn-cs"/>
+            </a:endParaRPr>
+          </a:p>
+        </p:txBody>
+      </p:sp>
+      <p:sp>
+        <p:nvSpPr>
           <p:cNvPr id="2" name="Title 1">
             <a:extLst>
               <a:ext uri="{FF2B5EF4-FFF2-40B4-BE49-F238E27FC236}">
-                <a16:creationId xmlns:a16="http://schemas.microsoft.com/office/drawing/2014/main" id="{BE6950D5-A277-470D-A935-FA860A1AEA66}"/>
+                <a16:creationId xmlns:a16="http://schemas.microsoft.com/office/drawing/2014/main" id="{BC8CE258-8A4A-4F0D-A1B4-877B21343D52}"/>
               </a:ext>
             </a:extLst>
           </p:cNvPr>
@@ -4220,15 +8309,176 @@
             <p:ph type="title"/>
           </p:nvPr>
         </p:nvSpPr>
-        <p:spPr/>
-        <p:txBody>
-          <a:bodyPr/>
-          <a:lstStyle/>
-          <a:p>
-            <a:r>
-              <a:rPr lang="en-US" dirty="0"/>
-              <a:t>Measurements</a:t>
-            </a:r>
+        <p:spPr>
+          <a:xfrm>
+            <a:off x="524256" y="491260"/>
+            <a:ext cx="6594189" cy="1625210"/>
+          </a:xfrm>
+        </p:spPr>
+        <p:txBody>
+          <a:bodyPr>
+            <a:normAutofit/>
+          </a:bodyPr>
+          <a:lstStyle/>
+          <a:p>
+            <a:r>
+              <a:rPr lang="en-US">
+                <a:solidFill>
+                  <a:srgbClr val="FFFFFF"/>
+                </a:solidFill>
+              </a:rPr>
+              <a:t>Pre-Processing Algorithm</a:t>
+            </a:r>
+          </a:p>
+        </p:txBody>
+      </p:sp>
+      <p:pic>
+        <p:nvPicPr>
+          <p:cNvPr id="4" name="Picture 3">
+            <a:extLst>
+              <a:ext uri="{FF2B5EF4-FFF2-40B4-BE49-F238E27FC236}">
+                <a16:creationId xmlns:a16="http://schemas.microsoft.com/office/drawing/2014/main" id="{FFCE2C95-6F64-45A0-B8F2-9C43581EB17D}"/>
+              </a:ext>
+            </a:extLst>
+          </p:cNvPr>
+          <p:cNvPicPr>
+            <a:picLocks noChangeAspect="1"/>
+          </p:cNvPicPr>
+          <p:nvPr/>
+        </p:nvPicPr>
+        <p:blipFill rotWithShape="1">
+          <a:blip r:embed="rId2"/>
+          <a:srcRect l="10975" r="4913"/>
+          <a:stretch/>
+        </p:blipFill>
+        <p:spPr>
+          <a:xfrm>
+            <a:off x="327546" y="2454903"/>
+            <a:ext cx="3442801" cy="4080254"/>
+          </a:xfrm>
+          <a:prstGeom prst="rect">
+            <a:avLst/>
+          </a:prstGeom>
+        </p:spPr>
+      </p:pic>
+      <p:pic>
+        <p:nvPicPr>
+          <p:cNvPr id="5" name="Picture 4">
+            <a:extLst>
+              <a:ext uri="{FF2B5EF4-FFF2-40B4-BE49-F238E27FC236}">
+                <a16:creationId xmlns:a16="http://schemas.microsoft.com/office/drawing/2014/main" id="{9CF2E7EB-02BA-42AF-8720-0D42312D5209}"/>
+              </a:ext>
+            </a:extLst>
+          </p:cNvPr>
+          <p:cNvPicPr>
+            <a:picLocks noChangeAspect="1"/>
+          </p:cNvPicPr>
+          <p:nvPr/>
+        </p:nvPicPr>
+        <p:blipFill rotWithShape="1">
+          <a:blip r:embed="rId3"/>
+          <a:srcRect l="7589" r="8035" b="2"/>
+          <a:stretch/>
+        </p:blipFill>
+        <p:spPr>
+          <a:xfrm>
+            <a:off x="3942260" y="2454901"/>
+            <a:ext cx="3442803" cy="4080255"/>
+          </a:xfrm>
+          <a:prstGeom prst="rect">
+            <a:avLst/>
+          </a:prstGeom>
+        </p:spPr>
+      </p:pic>
+      <p:sp>
+        <p:nvSpPr>
+          <p:cNvPr id="12" name="Rectangle 11">
+            <a:extLst>
+              <a:ext uri="{FF2B5EF4-FFF2-40B4-BE49-F238E27FC236}">
+                <a16:creationId xmlns:a16="http://schemas.microsoft.com/office/drawing/2014/main" id="{73ED6512-6858-4552-B699-9A97FE9A4EA2}"/>
+              </a:ext>
+              <a:ext uri="{C183D7F6-B498-43B3-948B-1728B52AA6E4}">
+                <adec:decorative xmlns:adec="http://schemas.microsoft.com/office/drawing/2017/decorative" val="1"/>
+              </a:ext>
+            </a:extLst>
+          </p:cNvPr>
+          <p:cNvSpPr>
+            <a:spLocks noGrp="1" noRot="1" noChangeAspect="1" noMove="1" noResize="1" noEditPoints="1" noAdjustHandles="1" noChangeArrowheads="1" noChangeShapeType="1" noTextEdit="1"/>
+          </p:cNvSpPr>
+          <p:nvPr>
+            <p:extLst>
+              <p:ext uri="{386F3935-93C4-4BCD-93E2-E3B085C9AB24}">
+                <p16:designElem xmlns:p16="http://schemas.microsoft.com/office/powerpoint/2015/main" val="1"/>
+              </p:ext>
+            </p:extLst>
+          </p:nvPr>
+        </p:nvSpPr>
+        <p:spPr>
+          <a:xfrm>
+            <a:off x="7556975" y="321732"/>
+            <a:ext cx="4313293" cy="6214534"/>
+          </a:xfrm>
+          <a:prstGeom prst="rect">
+            <a:avLst/>
+          </a:prstGeom>
+          <a:solidFill>
+            <a:srgbClr val="595959"/>
+          </a:solidFill>
+          <a:ln>
+            <a:noFill/>
+          </a:ln>
+        </p:spPr>
+        <p:style>
+          <a:lnRef idx="2">
+            <a:schemeClr val="accent1">
+              <a:shade val="50000"/>
+            </a:schemeClr>
+          </a:lnRef>
+          <a:fillRef idx="1">
+            <a:schemeClr val="accent1"/>
+          </a:fillRef>
+          <a:effectRef idx="0">
+            <a:schemeClr val="accent1"/>
+          </a:effectRef>
+          <a:fontRef idx="minor">
+            <a:schemeClr val="lt1"/>
+          </a:fontRef>
+        </p:style>
+        <p:txBody>
+          <a:bodyPr rtlCol="0" anchor="ctr"/>
+          <a:lstStyle/>
+          <a:p>
+            <a:pPr marL="0" marR="0" lvl="0" indent="0" algn="ctr" defTabSz="914400" rtl="0" eaLnBrk="1" fontAlgn="auto" latinLnBrk="0" hangingPunct="1">
+              <a:lnSpc>
+                <a:spcPct val="100000"/>
+              </a:lnSpc>
+              <a:spcBef>
+                <a:spcPts val="0"/>
+              </a:spcBef>
+              <a:spcAft>
+                <a:spcPts val="0"/>
+              </a:spcAft>
+              <a:buClrTx/>
+              <a:buSzTx/>
+              <a:buFontTx/>
+              <a:buNone/>
+              <a:tabLst/>
+              <a:defRPr/>
+            </a:pPr>
+            <a:endParaRPr kumimoji="0" lang="en-US" sz="1800" b="0" i="0" u="none" strike="noStrike" kern="1200" cap="none" spc="0" normalizeH="0" baseline="0" noProof="0">
+              <a:ln>
+                <a:noFill/>
+              </a:ln>
+              <a:solidFill>
+                <a:prstClr val="white"/>
+              </a:solidFill>
+              <a:effectLst/>
+              <a:uLnTx/>
+              <a:uFillTx/>
+              <a:latin typeface="Calibri" panose="020F0502020204030204"/>
+              <a:ea typeface="+mn-ea"/>
+              <a:cs typeface="+mn-cs"/>
+            </a:endParaRPr>
           </a:p>
         </p:txBody>
       </p:sp>
@@ -4237,7 +8487,7 @@
           <p:cNvPr id="3" name="Content Placeholder 2">
             <a:extLst>
               <a:ext uri="{FF2B5EF4-FFF2-40B4-BE49-F238E27FC236}">
-                <a16:creationId xmlns:a16="http://schemas.microsoft.com/office/drawing/2014/main" id="{421157AE-E6A9-493A-BA7B-DCB1760E0CF5}"/>
+                <a16:creationId xmlns:a16="http://schemas.microsoft.com/office/drawing/2014/main" id="{1DE7E4A9-BEBB-4750-ACC1-F8C745DCCECA}"/>
               </a:ext>
             </a:extLst>
           </p:cNvPr>
@@ -4248,19 +8498,33 @@
             <p:ph idx="1"/>
           </p:nvPr>
         </p:nvSpPr>
-        <p:spPr/>
-        <p:txBody>
-          <a:bodyPr/>
-          <a:lstStyle/>
-          <a:p>
-            <a:endParaRPr lang="en-US"/>
+        <p:spPr>
+          <a:xfrm>
+            <a:off x="7957973" y="763523"/>
+            <a:ext cx="3511296" cy="5330952"/>
+          </a:xfrm>
+        </p:spPr>
+        <p:txBody>
+          <a:bodyPr anchor="ctr">
+            <a:normAutofit/>
+          </a:bodyPr>
+          <a:lstStyle/>
+          <a:p>
+            <a:r>
+              <a:rPr lang="en-US" sz="2400">
+                <a:solidFill>
+                  <a:srgbClr val="FFFFFF"/>
+                </a:solidFill>
+              </a:rPr>
+              <a:t>Step 2: Thresholding using Otsu’s method</a:t>
+            </a:r>
           </a:p>
         </p:txBody>
       </p:sp>
     </p:spTree>
     <p:extLst>
       <p:ext uri="{BB962C8B-B14F-4D97-AF65-F5344CB8AC3E}">
-        <p14:creationId xmlns:p14="http://schemas.microsoft.com/office/powerpoint/2010/main" val="3134990441"/>
+        <p14:creationId xmlns:p14="http://schemas.microsoft.com/office/powerpoint/2010/main" val="3086590157"/>
       </p:ext>
     </p:extLst>
   </p:cSld>
@@ -4273,6 +8537,14 @@
 <file path=ppt/slides/slide7.xml><?xml version="1.0" encoding="utf-8"?>
 <p:sld xmlns:a="http://schemas.openxmlformats.org/drawingml/2006/main" xmlns:r="http://schemas.openxmlformats.org/officeDocument/2006/relationships" xmlns:p="http://schemas.openxmlformats.org/presentationml/2006/main">
   <p:cSld>
+    <p:bg>
+      <p:bgPr>
+        <a:solidFill>
+          <a:schemeClr val="bg1"/>
+        </a:solidFill>
+        <a:effectLst/>
+      </p:bgPr>
+    </p:bg>
     <p:spTree>
       <p:nvGrpSpPr>
         <p:cNvPr id="1" name=""/>
@@ -4289,10 +8561,102 @@
       </p:grpSpPr>
       <p:sp>
         <p:nvSpPr>
+          <p:cNvPr id="10" name="Rectangle 9">
+            <a:extLst>
+              <a:ext uri="{FF2B5EF4-FFF2-40B4-BE49-F238E27FC236}">
+                <a16:creationId xmlns:a16="http://schemas.microsoft.com/office/drawing/2014/main" id="{4038CB10-1F5C-4D54-9DF7-12586DE5B007}"/>
+              </a:ext>
+              <a:ext uri="{C183D7F6-B498-43B3-948B-1728B52AA6E4}">
+                <adec:decorative xmlns:adec="http://schemas.microsoft.com/office/drawing/2017/decorative" val="1"/>
+              </a:ext>
+            </a:extLst>
+          </p:cNvPr>
+          <p:cNvSpPr>
+            <a:spLocks noGrp="1" noRot="1" noChangeAspect="1" noMove="1" noResize="1" noEditPoints="1" noAdjustHandles="1" noChangeArrowheads="1" noChangeShapeType="1" noTextEdit="1"/>
+          </p:cNvSpPr>
+          <p:nvPr>
+            <p:extLst>
+              <p:ext uri="{386F3935-93C4-4BCD-93E2-E3B085C9AB24}">
+                <p16:designElem xmlns:p16="http://schemas.microsoft.com/office/powerpoint/2015/main" val="1"/>
+              </p:ext>
+            </p:extLst>
+          </p:nvPr>
+        </p:nvSpPr>
+        <p:spPr>
+          <a:xfrm>
+            <a:off x="327546" y="321732"/>
+            <a:ext cx="7058307" cy="1964266"/>
+          </a:xfrm>
+          <a:prstGeom prst="rect">
+            <a:avLst/>
+          </a:prstGeom>
+          <a:solidFill>
+            <a:schemeClr val="accent5"/>
+          </a:solidFill>
+          <a:ln>
+            <a:noFill/>
+          </a:ln>
+        </p:spPr>
+        <p:style>
+          <a:lnRef idx="2">
+            <a:schemeClr val="accent1">
+              <a:shade val="50000"/>
+            </a:schemeClr>
+          </a:lnRef>
+          <a:fillRef idx="1">
+            <a:schemeClr val="accent1"/>
+          </a:fillRef>
+          <a:effectRef idx="0">
+            <a:schemeClr val="accent1"/>
+          </a:effectRef>
+          <a:fontRef idx="minor">
+            <a:schemeClr val="lt1"/>
+          </a:fontRef>
+        </p:style>
+        <p:txBody>
+          <a:bodyPr rtlCol="0" anchor="ctr"/>
+          <a:lstStyle/>
+          <a:p>
+            <a:pPr marL="0" marR="0" lvl="0" indent="0" algn="ctr" defTabSz="914400" rtl="0" eaLnBrk="1" fontAlgn="auto" latinLnBrk="0" hangingPunct="1">
+              <a:lnSpc>
+                <a:spcPct val="100000"/>
+              </a:lnSpc>
+              <a:spcBef>
+                <a:spcPts val="0"/>
+              </a:spcBef>
+              <a:spcAft>
+                <a:spcPts val="0"/>
+              </a:spcAft>
+              <a:buClrTx/>
+              <a:buSzTx/>
+              <a:buFontTx/>
+              <a:buNone/>
+              <a:tabLst/>
+              <a:defRPr/>
+            </a:pPr>
+            <a:endParaRPr kumimoji="0" lang="en-US" sz="1800" b="0" i="0" u="none" strike="noStrike" kern="1200" cap="none" spc="0" normalizeH="0" baseline="0" noProof="0">
+              <a:ln>
+                <a:noFill/>
+              </a:ln>
+              <a:solidFill>
+                <a:prstClr val="white"/>
+              </a:solidFill>
+              <a:effectLst/>
+              <a:uLnTx/>
+              <a:uFillTx/>
+              <a:latin typeface="Calibri" panose="020F0502020204030204"/>
+              <a:ea typeface="+mn-ea"/>
+              <a:cs typeface="+mn-cs"/>
+            </a:endParaRPr>
+          </a:p>
+        </p:txBody>
+      </p:sp>
+      <p:sp>
+        <p:nvSpPr>
           <p:cNvPr id="2" name="Title 1">
             <a:extLst>
               <a:ext uri="{FF2B5EF4-FFF2-40B4-BE49-F238E27FC236}">
-                <a16:creationId xmlns:a16="http://schemas.microsoft.com/office/drawing/2014/main" id="{72349639-208A-4E4F-A835-D8F60793D481}"/>
+                <a16:creationId xmlns:a16="http://schemas.microsoft.com/office/drawing/2014/main" id="{BC8CE258-8A4A-4F0D-A1B4-877B21343D52}"/>
               </a:ext>
             </a:extLst>
           </p:cNvPr>
@@ -4303,15 +8667,176 @@
             <p:ph type="title"/>
           </p:nvPr>
         </p:nvSpPr>
-        <p:spPr/>
-        <p:txBody>
-          <a:bodyPr/>
-          <a:lstStyle/>
-          <a:p>
-            <a:r>
-              <a:rPr lang="en-US" dirty="0"/>
-              <a:t>Vectorization</a:t>
-            </a:r>
+        <p:spPr>
+          <a:xfrm>
+            <a:off x="524256" y="491260"/>
+            <a:ext cx="6594189" cy="1625210"/>
+          </a:xfrm>
+        </p:spPr>
+        <p:txBody>
+          <a:bodyPr>
+            <a:normAutofit/>
+          </a:bodyPr>
+          <a:lstStyle/>
+          <a:p>
+            <a:r>
+              <a:rPr lang="en-US">
+                <a:solidFill>
+                  <a:srgbClr val="FFFFFF"/>
+                </a:solidFill>
+              </a:rPr>
+              <a:t>Pre-Processing Algorithm</a:t>
+            </a:r>
+          </a:p>
+        </p:txBody>
+      </p:sp>
+      <p:pic>
+        <p:nvPicPr>
+          <p:cNvPr id="4" name="Picture 3">
+            <a:extLst>
+              <a:ext uri="{FF2B5EF4-FFF2-40B4-BE49-F238E27FC236}">
+                <a16:creationId xmlns:a16="http://schemas.microsoft.com/office/drawing/2014/main" id="{0DAA697A-456E-43A1-81D1-A4687A4779E2}"/>
+              </a:ext>
+            </a:extLst>
+          </p:cNvPr>
+          <p:cNvPicPr>
+            <a:picLocks noChangeAspect="1"/>
+          </p:cNvPicPr>
+          <p:nvPr/>
+        </p:nvPicPr>
+        <p:blipFill rotWithShape="1">
+          <a:blip r:embed="rId2"/>
+          <a:srcRect l="8740" r="7410"/>
+          <a:stretch/>
+        </p:blipFill>
+        <p:spPr>
+          <a:xfrm>
+            <a:off x="327546" y="2454903"/>
+            <a:ext cx="3442801" cy="4080254"/>
+          </a:xfrm>
+          <a:prstGeom prst="rect">
+            <a:avLst/>
+          </a:prstGeom>
+        </p:spPr>
+      </p:pic>
+      <p:pic>
+        <p:nvPicPr>
+          <p:cNvPr id="5" name="Picture 4">
+            <a:extLst>
+              <a:ext uri="{FF2B5EF4-FFF2-40B4-BE49-F238E27FC236}">
+                <a16:creationId xmlns:a16="http://schemas.microsoft.com/office/drawing/2014/main" id="{0C2BE847-6890-4287-9944-33F918FE0A56}"/>
+              </a:ext>
+            </a:extLst>
+          </p:cNvPr>
+          <p:cNvPicPr>
+            <a:picLocks noChangeAspect="1"/>
+          </p:cNvPicPr>
+          <p:nvPr/>
+        </p:nvPicPr>
+        <p:blipFill rotWithShape="1">
+          <a:blip r:embed="rId3"/>
+          <a:srcRect t="2213" r="-2" b="34937"/>
+          <a:stretch/>
+        </p:blipFill>
+        <p:spPr>
+          <a:xfrm>
+            <a:off x="3942260" y="2454901"/>
+            <a:ext cx="3442803" cy="4080255"/>
+          </a:xfrm>
+          <a:prstGeom prst="rect">
+            <a:avLst/>
+          </a:prstGeom>
+        </p:spPr>
+      </p:pic>
+      <p:sp>
+        <p:nvSpPr>
+          <p:cNvPr id="12" name="Rectangle 11">
+            <a:extLst>
+              <a:ext uri="{FF2B5EF4-FFF2-40B4-BE49-F238E27FC236}">
+                <a16:creationId xmlns:a16="http://schemas.microsoft.com/office/drawing/2014/main" id="{73ED6512-6858-4552-B699-9A97FE9A4EA2}"/>
+              </a:ext>
+              <a:ext uri="{C183D7F6-B498-43B3-948B-1728B52AA6E4}">
+                <adec:decorative xmlns:adec="http://schemas.microsoft.com/office/drawing/2017/decorative" val="1"/>
+              </a:ext>
+            </a:extLst>
+          </p:cNvPr>
+          <p:cNvSpPr>
+            <a:spLocks noGrp="1" noRot="1" noChangeAspect="1" noMove="1" noResize="1" noEditPoints="1" noAdjustHandles="1" noChangeArrowheads="1" noChangeShapeType="1" noTextEdit="1"/>
+          </p:cNvSpPr>
+          <p:nvPr>
+            <p:extLst>
+              <p:ext uri="{386F3935-93C4-4BCD-93E2-E3B085C9AB24}">
+                <p16:designElem xmlns:p16="http://schemas.microsoft.com/office/powerpoint/2015/main" val="1"/>
+              </p:ext>
+            </p:extLst>
+          </p:nvPr>
+        </p:nvSpPr>
+        <p:spPr>
+          <a:xfrm>
+            <a:off x="7556975" y="321732"/>
+            <a:ext cx="4313293" cy="6214534"/>
+          </a:xfrm>
+          <a:prstGeom prst="rect">
+            <a:avLst/>
+          </a:prstGeom>
+          <a:solidFill>
+            <a:srgbClr val="595959"/>
+          </a:solidFill>
+          <a:ln>
+            <a:noFill/>
+          </a:ln>
+        </p:spPr>
+        <p:style>
+          <a:lnRef idx="2">
+            <a:schemeClr val="accent1">
+              <a:shade val="50000"/>
+            </a:schemeClr>
+          </a:lnRef>
+          <a:fillRef idx="1">
+            <a:schemeClr val="accent1"/>
+          </a:fillRef>
+          <a:effectRef idx="0">
+            <a:schemeClr val="accent1"/>
+          </a:effectRef>
+          <a:fontRef idx="minor">
+            <a:schemeClr val="lt1"/>
+          </a:fontRef>
+        </p:style>
+        <p:txBody>
+          <a:bodyPr rtlCol="0" anchor="ctr"/>
+          <a:lstStyle/>
+          <a:p>
+            <a:pPr marL="0" marR="0" lvl="0" indent="0" algn="ctr" defTabSz="914400" rtl="0" eaLnBrk="1" fontAlgn="auto" latinLnBrk="0" hangingPunct="1">
+              <a:lnSpc>
+                <a:spcPct val="100000"/>
+              </a:lnSpc>
+              <a:spcBef>
+                <a:spcPts val="0"/>
+              </a:spcBef>
+              <a:spcAft>
+                <a:spcPts val="0"/>
+              </a:spcAft>
+              <a:buClrTx/>
+              <a:buSzTx/>
+              <a:buFontTx/>
+              <a:buNone/>
+              <a:tabLst/>
+              <a:defRPr/>
+            </a:pPr>
+            <a:endParaRPr kumimoji="0" lang="en-US" sz="1800" b="0" i="0" u="none" strike="noStrike" kern="1200" cap="none" spc="0" normalizeH="0" baseline="0" noProof="0">
+              <a:ln>
+                <a:noFill/>
+              </a:ln>
+              <a:solidFill>
+                <a:prstClr val="white"/>
+              </a:solidFill>
+              <a:effectLst/>
+              <a:uLnTx/>
+              <a:uFillTx/>
+              <a:latin typeface="Calibri" panose="020F0502020204030204"/>
+              <a:ea typeface="+mn-ea"/>
+              <a:cs typeface="+mn-cs"/>
+            </a:endParaRPr>
           </a:p>
         </p:txBody>
       </p:sp>
@@ -4320,7 +8845,7 @@
           <p:cNvPr id="3" name="Content Placeholder 2">
             <a:extLst>
               <a:ext uri="{FF2B5EF4-FFF2-40B4-BE49-F238E27FC236}">
-                <a16:creationId xmlns:a16="http://schemas.microsoft.com/office/drawing/2014/main" id="{073BA246-4AE4-4A03-9DFE-F1E34D5C2EA8}"/>
+                <a16:creationId xmlns:a16="http://schemas.microsoft.com/office/drawing/2014/main" id="{1DE7E4A9-BEBB-4750-ACC1-F8C745DCCECA}"/>
               </a:ext>
             </a:extLst>
           </p:cNvPr>
@@ -4331,19 +8856,43 @@
             <p:ph idx="1"/>
           </p:nvPr>
         </p:nvSpPr>
-        <p:spPr/>
-        <p:txBody>
-          <a:bodyPr/>
-          <a:lstStyle/>
-          <a:p>
-            <a:endParaRPr lang="en-US"/>
+        <p:spPr>
+          <a:xfrm>
+            <a:off x="7957973" y="763523"/>
+            <a:ext cx="3511296" cy="5330952"/>
+          </a:xfrm>
+        </p:spPr>
+        <p:txBody>
+          <a:bodyPr anchor="ctr">
+            <a:normAutofit/>
+          </a:bodyPr>
+          <a:lstStyle/>
+          <a:p>
+            <a:r>
+              <a:rPr lang="en-US" sz="2400">
+                <a:solidFill>
+                  <a:srgbClr val="FFFFFF"/>
+                </a:solidFill>
+              </a:rPr>
+              <a:t>Step 3: Label objects</a:t>
+            </a:r>
+          </a:p>
+          <a:p>
+            <a:r>
+              <a:rPr lang="en-US" sz="2400">
+                <a:solidFill>
+                  <a:srgbClr val="FFFFFF"/>
+                </a:solidFill>
+              </a:rPr>
+              <a:t>Step 4: Measure in relation to size, i.e., Area</a:t>
+            </a:r>
           </a:p>
         </p:txBody>
       </p:sp>
     </p:spTree>
     <p:extLst>
       <p:ext uri="{BB962C8B-B14F-4D97-AF65-F5344CB8AC3E}">
-        <p14:creationId xmlns:p14="http://schemas.microsoft.com/office/powerpoint/2010/main" val="106796151"/>
+        <p14:creationId xmlns:p14="http://schemas.microsoft.com/office/powerpoint/2010/main" val="2355971140"/>
       </p:ext>
     </p:extLst>
   </p:cSld>
@@ -4356,6 +8905,14 @@
 <file path=ppt/slides/slide8.xml><?xml version="1.0" encoding="utf-8"?>
 <p:sld xmlns:a="http://schemas.openxmlformats.org/drawingml/2006/main" xmlns:r="http://schemas.openxmlformats.org/officeDocument/2006/relationships" xmlns:p="http://schemas.openxmlformats.org/presentationml/2006/main">
   <p:cSld>
+    <p:bg>
+      <p:bgPr>
+        <a:solidFill>
+          <a:schemeClr val="bg1"/>
+        </a:solidFill>
+        <a:effectLst/>
+      </p:bgPr>
+    </p:bg>
     <p:spTree>
       <p:nvGrpSpPr>
         <p:cNvPr id="1" name=""/>
@@ -4372,10 +8929,102 @@
       </p:grpSpPr>
       <p:sp>
         <p:nvSpPr>
+          <p:cNvPr id="18" name="Rectangle 9">
+            <a:extLst>
+              <a:ext uri="{FF2B5EF4-FFF2-40B4-BE49-F238E27FC236}">
+                <a16:creationId xmlns:a16="http://schemas.microsoft.com/office/drawing/2014/main" id="{4038CB10-1F5C-4D54-9DF7-12586DE5B007}"/>
+              </a:ext>
+              <a:ext uri="{C183D7F6-B498-43B3-948B-1728B52AA6E4}">
+                <adec:decorative xmlns:adec="http://schemas.microsoft.com/office/drawing/2017/decorative" val="1"/>
+              </a:ext>
+            </a:extLst>
+          </p:cNvPr>
+          <p:cNvSpPr>
+            <a:spLocks noGrp="1" noRot="1" noChangeAspect="1" noMove="1" noResize="1" noEditPoints="1" noAdjustHandles="1" noChangeArrowheads="1" noChangeShapeType="1" noTextEdit="1"/>
+          </p:cNvSpPr>
+          <p:nvPr>
+            <p:extLst>
+              <p:ext uri="{386F3935-93C4-4BCD-93E2-E3B085C9AB24}">
+                <p16:designElem xmlns:p16="http://schemas.microsoft.com/office/powerpoint/2015/main" val="1"/>
+              </p:ext>
+            </p:extLst>
+          </p:nvPr>
+        </p:nvSpPr>
+        <p:spPr>
+          <a:xfrm>
+            <a:off x="327546" y="321732"/>
+            <a:ext cx="7058307" cy="1964266"/>
+          </a:xfrm>
+          <a:prstGeom prst="rect">
+            <a:avLst/>
+          </a:prstGeom>
+          <a:solidFill>
+            <a:schemeClr val="accent5"/>
+          </a:solidFill>
+          <a:ln>
+            <a:noFill/>
+          </a:ln>
+        </p:spPr>
+        <p:style>
+          <a:lnRef idx="2">
+            <a:schemeClr val="accent1">
+              <a:shade val="50000"/>
+            </a:schemeClr>
+          </a:lnRef>
+          <a:fillRef idx="1">
+            <a:schemeClr val="accent1"/>
+          </a:fillRef>
+          <a:effectRef idx="0">
+            <a:schemeClr val="accent1"/>
+          </a:effectRef>
+          <a:fontRef idx="minor">
+            <a:schemeClr val="lt1"/>
+          </a:fontRef>
+        </p:style>
+        <p:txBody>
+          <a:bodyPr rtlCol="0" anchor="ctr"/>
+          <a:lstStyle/>
+          <a:p>
+            <a:pPr marL="0" marR="0" lvl="0" indent="0" algn="ctr" defTabSz="914400" rtl="0" eaLnBrk="1" fontAlgn="auto" latinLnBrk="0" hangingPunct="1">
+              <a:lnSpc>
+                <a:spcPct val="100000"/>
+              </a:lnSpc>
+              <a:spcBef>
+                <a:spcPts val="0"/>
+              </a:spcBef>
+              <a:spcAft>
+                <a:spcPts val="0"/>
+              </a:spcAft>
+              <a:buClrTx/>
+              <a:buSzTx/>
+              <a:buFontTx/>
+              <a:buNone/>
+              <a:tabLst/>
+              <a:defRPr/>
+            </a:pPr>
+            <a:endParaRPr kumimoji="0" lang="en-US" sz="1800" b="0" i="0" u="none" strike="noStrike" kern="1200" cap="none" spc="0" normalizeH="0" baseline="0" noProof="0">
+              <a:ln>
+                <a:noFill/>
+              </a:ln>
+              <a:solidFill>
+                <a:prstClr val="white"/>
+              </a:solidFill>
+              <a:effectLst/>
+              <a:uLnTx/>
+              <a:uFillTx/>
+              <a:latin typeface="Calibri" panose="020F0502020204030204"/>
+              <a:ea typeface="+mn-ea"/>
+              <a:cs typeface="+mn-cs"/>
+            </a:endParaRPr>
+          </a:p>
+        </p:txBody>
+      </p:sp>
+      <p:sp>
+        <p:nvSpPr>
           <p:cNvPr id="2" name="Title 1">
             <a:extLst>
               <a:ext uri="{FF2B5EF4-FFF2-40B4-BE49-F238E27FC236}">
-                <a16:creationId xmlns:a16="http://schemas.microsoft.com/office/drawing/2014/main" id="{EF3ADDFC-D5B0-4B73-8014-07BC4153CF3E}"/>
+                <a16:creationId xmlns:a16="http://schemas.microsoft.com/office/drawing/2014/main" id="{BC8CE258-8A4A-4F0D-A1B4-877B21343D52}"/>
               </a:ext>
             </a:extLst>
           </p:cNvPr>
@@ -4386,15 +9035,176 @@
             <p:ph type="title"/>
           </p:nvPr>
         </p:nvSpPr>
-        <p:spPr/>
-        <p:txBody>
-          <a:bodyPr/>
-          <a:lstStyle/>
-          <a:p>
-            <a:r>
-              <a:rPr lang="en-US" dirty="0"/>
-              <a:t>C Neural Network</a:t>
-            </a:r>
+        <p:spPr>
+          <a:xfrm>
+            <a:off x="524256" y="491260"/>
+            <a:ext cx="6594189" cy="1625210"/>
+          </a:xfrm>
+        </p:spPr>
+        <p:txBody>
+          <a:bodyPr>
+            <a:normAutofit/>
+          </a:bodyPr>
+          <a:lstStyle/>
+          <a:p>
+            <a:r>
+              <a:rPr lang="en-US">
+                <a:solidFill>
+                  <a:srgbClr val="FFFFFF"/>
+                </a:solidFill>
+              </a:rPr>
+              <a:t>Pre-Processing Algorithm</a:t>
+            </a:r>
+          </a:p>
+        </p:txBody>
+      </p:sp>
+      <p:pic>
+        <p:nvPicPr>
+          <p:cNvPr id="5" name="Picture 4">
+            <a:extLst>
+              <a:ext uri="{FF2B5EF4-FFF2-40B4-BE49-F238E27FC236}">
+                <a16:creationId xmlns:a16="http://schemas.microsoft.com/office/drawing/2014/main" id="{B9D488B4-89B7-4C64-A4AD-979599A69505}"/>
+              </a:ext>
+            </a:extLst>
+          </p:cNvPr>
+          <p:cNvPicPr>
+            <a:picLocks noChangeAspect="1"/>
+          </p:cNvPicPr>
+          <p:nvPr/>
+        </p:nvPicPr>
+        <p:blipFill rotWithShape="1">
+          <a:blip r:embed="rId2"/>
+          <a:srcRect l="10565" r="4794" b="2"/>
+          <a:stretch/>
+        </p:blipFill>
+        <p:spPr>
+          <a:xfrm>
+            <a:off x="3943052" y="2455526"/>
+            <a:ext cx="3442801" cy="4080254"/>
+          </a:xfrm>
+          <a:prstGeom prst="rect">
+            <a:avLst/>
+          </a:prstGeom>
+        </p:spPr>
+      </p:pic>
+      <p:pic>
+        <p:nvPicPr>
+          <p:cNvPr id="4" name="Picture 3">
+            <a:extLst>
+              <a:ext uri="{FF2B5EF4-FFF2-40B4-BE49-F238E27FC236}">
+                <a16:creationId xmlns:a16="http://schemas.microsoft.com/office/drawing/2014/main" id="{8F987D3D-BAD9-4C69-B9D2-604072108923}"/>
+              </a:ext>
+            </a:extLst>
+          </p:cNvPr>
+          <p:cNvPicPr>
+            <a:picLocks noChangeAspect="1"/>
+          </p:cNvPicPr>
+          <p:nvPr/>
+        </p:nvPicPr>
+        <p:blipFill rotWithShape="1">
+          <a:blip r:embed="rId3"/>
+          <a:srcRect l="8740" r="7410"/>
+          <a:stretch/>
+        </p:blipFill>
+        <p:spPr>
+          <a:xfrm>
+            <a:off x="321732" y="2455525"/>
+            <a:ext cx="3442803" cy="4080255"/>
+          </a:xfrm>
+          <a:prstGeom prst="rect">
+            <a:avLst/>
+          </a:prstGeom>
+        </p:spPr>
+      </p:pic>
+      <p:sp>
+        <p:nvSpPr>
+          <p:cNvPr id="19" name="Rectangle 11">
+            <a:extLst>
+              <a:ext uri="{FF2B5EF4-FFF2-40B4-BE49-F238E27FC236}">
+                <a16:creationId xmlns:a16="http://schemas.microsoft.com/office/drawing/2014/main" id="{73ED6512-6858-4552-B699-9A97FE9A4EA2}"/>
+              </a:ext>
+              <a:ext uri="{C183D7F6-B498-43B3-948B-1728B52AA6E4}">
+                <adec:decorative xmlns:adec="http://schemas.microsoft.com/office/drawing/2017/decorative" val="1"/>
+              </a:ext>
+            </a:extLst>
+          </p:cNvPr>
+          <p:cNvSpPr>
+            <a:spLocks noGrp="1" noRot="1" noChangeAspect="1" noMove="1" noResize="1" noEditPoints="1" noAdjustHandles="1" noChangeArrowheads="1" noChangeShapeType="1" noTextEdit="1"/>
+          </p:cNvSpPr>
+          <p:nvPr>
+            <p:extLst>
+              <p:ext uri="{386F3935-93C4-4BCD-93E2-E3B085C9AB24}">
+                <p16:designElem xmlns:p16="http://schemas.microsoft.com/office/powerpoint/2015/main" val="1"/>
+              </p:ext>
+            </p:extLst>
+          </p:nvPr>
+        </p:nvSpPr>
+        <p:spPr>
+          <a:xfrm>
+            <a:off x="7556975" y="321732"/>
+            <a:ext cx="4313293" cy="6214534"/>
+          </a:xfrm>
+          <a:prstGeom prst="rect">
+            <a:avLst/>
+          </a:prstGeom>
+          <a:solidFill>
+            <a:srgbClr val="595959"/>
+          </a:solidFill>
+          <a:ln>
+            <a:noFill/>
+          </a:ln>
+        </p:spPr>
+        <p:style>
+          <a:lnRef idx="2">
+            <a:schemeClr val="accent1">
+              <a:shade val="50000"/>
+            </a:schemeClr>
+          </a:lnRef>
+          <a:fillRef idx="1">
+            <a:schemeClr val="accent1"/>
+          </a:fillRef>
+          <a:effectRef idx="0">
+            <a:schemeClr val="accent1"/>
+          </a:effectRef>
+          <a:fontRef idx="minor">
+            <a:schemeClr val="lt1"/>
+          </a:fontRef>
+        </p:style>
+        <p:txBody>
+          <a:bodyPr rtlCol="0" anchor="ctr"/>
+          <a:lstStyle/>
+          <a:p>
+            <a:pPr marL="0" marR="0" lvl="0" indent="0" algn="ctr" defTabSz="914400" rtl="0" eaLnBrk="1" fontAlgn="auto" latinLnBrk="0" hangingPunct="1">
+              <a:lnSpc>
+                <a:spcPct val="100000"/>
+              </a:lnSpc>
+              <a:spcBef>
+                <a:spcPts val="0"/>
+              </a:spcBef>
+              <a:spcAft>
+                <a:spcPts val="0"/>
+              </a:spcAft>
+              <a:buClrTx/>
+              <a:buSzTx/>
+              <a:buFontTx/>
+              <a:buNone/>
+              <a:tabLst/>
+              <a:defRPr/>
+            </a:pPr>
+            <a:endParaRPr kumimoji="0" lang="en-US" sz="1800" b="0" i="0" u="none" strike="noStrike" kern="1200" cap="none" spc="0" normalizeH="0" baseline="0" noProof="0">
+              <a:ln>
+                <a:noFill/>
+              </a:ln>
+              <a:solidFill>
+                <a:prstClr val="white"/>
+              </a:solidFill>
+              <a:effectLst/>
+              <a:uLnTx/>
+              <a:uFillTx/>
+              <a:latin typeface="Calibri" panose="020F0502020204030204"/>
+              <a:ea typeface="+mn-ea"/>
+              <a:cs typeface="+mn-cs"/>
+            </a:endParaRPr>
           </a:p>
         </p:txBody>
       </p:sp>
@@ -4403,7 +9213,7 @@
           <p:cNvPr id="3" name="Content Placeholder 2">
             <a:extLst>
               <a:ext uri="{FF2B5EF4-FFF2-40B4-BE49-F238E27FC236}">
-                <a16:creationId xmlns:a16="http://schemas.microsoft.com/office/drawing/2014/main" id="{E863DEE9-7FE8-451F-8933-0EBC93811D1A}"/>
+                <a16:creationId xmlns:a16="http://schemas.microsoft.com/office/drawing/2014/main" id="{1DE7E4A9-BEBB-4750-ACC1-F8C745DCCECA}"/>
               </a:ext>
             </a:extLst>
           </p:cNvPr>
@@ -4414,19 +9224,33 @@
             <p:ph idx="1"/>
           </p:nvPr>
         </p:nvSpPr>
-        <p:spPr/>
-        <p:txBody>
-          <a:bodyPr/>
-          <a:lstStyle/>
-          <a:p>
-            <a:endParaRPr lang="en-US"/>
+        <p:spPr>
+          <a:xfrm>
+            <a:off x="7957973" y="763523"/>
+            <a:ext cx="3511296" cy="5330952"/>
+          </a:xfrm>
+        </p:spPr>
+        <p:txBody>
+          <a:bodyPr anchor="ctr">
+            <a:normAutofit/>
+          </a:bodyPr>
+          <a:lstStyle/>
+          <a:p>
+            <a:r>
+              <a:rPr lang="en-US" sz="2400">
+                <a:solidFill>
+                  <a:srgbClr val="FFFFFF"/>
+                </a:solidFill>
+              </a:rPr>
+              <a:t>Step 5: Find the largest object in the image &amp; threshold for 5/6ths of the maximum objects area. </a:t>
+            </a:r>
           </a:p>
         </p:txBody>
       </p:sp>
     </p:spTree>
     <p:extLst>
       <p:ext uri="{BB962C8B-B14F-4D97-AF65-F5344CB8AC3E}">
-        <p14:creationId xmlns:p14="http://schemas.microsoft.com/office/powerpoint/2010/main" val="2121356517"/>
+        <p14:creationId xmlns:p14="http://schemas.microsoft.com/office/powerpoint/2010/main" val="1720990263"/>
       </p:ext>
     </p:extLst>
   </p:cSld>
@@ -4439,6 +9263,14 @@
 <file path=ppt/slides/slide9.xml><?xml version="1.0" encoding="utf-8"?>
 <p:sld xmlns:a="http://schemas.openxmlformats.org/drawingml/2006/main" xmlns:r="http://schemas.openxmlformats.org/officeDocument/2006/relationships" xmlns:p="http://schemas.openxmlformats.org/presentationml/2006/main">
   <p:cSld>
+    <p:bg>
+      <p:bgPr>
+        <a:solidFill>
+          <a:schemeClr val="bg1"/>
+        </a:solidFill>
+        <a:effectLst/>
+      </p:bgPr>
+    </p:bg>
     <p:spTree>
       <p:nvGrpSpPr>
         <p:cNvPr id="1" name=""/>
@@ -4455,10 +9287,77 @@
       </p:grpSpPr>
       <p:sp>
         <p:nvSpPr>
+          <p:cNvPr id="13" name="Rectangle 12">
+            <a:extLst>
+              <a:ext uri="{FF2B5EF4-FFF2-40B4-BE49-F238E27FC236}">
+                <a16:creationId xmlns:a16="http://schemas.microsoft.com/office/drawing/2014/main" id="{6166C6D1-23AC-49C4-BA07-238E4E9F8CEB}"/>
+              </a:ext>
+              <a:ext uri="{C183D7F6-B498-43B3-948B-1728B52AA6E4}">
+                <adec:decorative xmlns:adec="http://schemas.microsoft.com/office/drawing/2017/decorative" val="1"/>
+              </a:ext>
+            </a:extLst>
+          </p:cNvPr>
+          <p:cNvSpPr>
+            <a:spLocks noGrp="1" noRot="1" noChangeAspect="1" noMove="1" noResize="1" noEditPoints="1" noAdjustHandles="1" noChangeArrowheads="1" noChangeShapeType="1" noTextEdit="1"/>
+          </p:cNvSpPr>
+          <p:nvPr>
+            <p:extLst>
+              <p:ext uri="{386F3935-93C4-4BCD-93E2-E3B085C9AB24}">
+                <p16:designElem xmlns:p16="http://schemas.microsoft.com/office/powerpoint/2015/main" val="1"/>
+              </p:ext>
+            </p:extLst>
+          </p:nvPr>
+        </p:nvSpPr>
+        <p:spPr>
+          <a:xfrm>
+            <a:off x="462058" y="450220"/>
+            <a:ext cx="4402377" cy="3922776"/>
+          </a:xfrm>
+          <a:prstGeom prst="rect">
+            <a:avLst/>
+          </a:prstGeom>
+          <a:solidFill>
+            <a:srgbClr val="595959"/>
+          </a:solidFill>
+          <a:ln w="25400">
+            <a:noFill/>
+          </a:ln>
+        </p:spPr>
+        <p:style>
+          <a:lnRef idx="2">
+            <a:schemeClr val="accent1">
+              <a:shade val="50000"/>
+            </a:schemeClr>
+          </a:lnRef>
+          <a:fillRef idx="1">
+            <a:schemeClr val="accent1"/>
+          </a:fillRef>
+          <a:effectRef idx="0">
+            <a:schemeClr val="accent1"/>
+          </a:effectRef>
+          <a:fontRef idx="minor">
+            <a:schemeClr val="lt1"/>
+          </a:fontRef>
+        </p:style>
+        <p:txBody>
+          <a:bodyPr rtlCol="0" anchor="ctr"/>
+          <a:lstStyle/>
+          <a:p>
+            <a:pPr algn="ctr"/>
+            <a:endParaRPr lang="en-US">
+              <a:solidFill>
+                <a:srgbClr val="FFFFFF"/>
+              </a:solidFill>
+            </a:endParaRPr>
+          </a:p>
+        </p:txBody>
+      </p:sp>
+      <p:sp>
+        <p:nvSpPr>
           <p:cNvPr id="2" name="Title 1">
             <a:extLst>
               <a:ext uri="{FF2B5EF4-FFF2-40B4-BE49-F238E27FC236}">
-                <a16:creationId xmlns:a16="http://schemas.microsoft.com/office/drawing/2014/main" id="{D0CCCD38-1330-4F99-B490-3ED6BED90DD4}"/>
+                <a16:creationId xmlns:a16="http://schemas.microsoft.com/office/drawing/2014/main" id="{BE6950D5-A277-470D-A935-FA860A1AEA66}"/>
               </a:ext>
             </a:extLst>
           </p:cNvPr>
@@ -4469,15 +9368,93 @@
             <p:ph type="title"/>
           </p:nvPr>
         </p:nvSpPr>
-        <p:spPr/>
-        <p:txBody>
-          <a:bodyPr/>
-          <a:lstStyle/>
-          <a:p>
-            <a:r>
-              <a:rPr lang="en-US" dirty="0"/>
-              <a:t>Training</a:t>
-            </a:r>
+        <p:spPr>
+          <a:xfrm>
+            <a:off x="774700" y="761999"/>
+            <a:ext cx="3759200" cy="3300984"/>
+          </a:xfrm>
+        </p:spPr>
+        <p:txBody>
+          <a:bodyPr>
+            <a:normAutofit/>
+          </a:bodyPr>
+          <a:lstStyle/>
+          <a:p>
+            <a:r>
+              <a:rPr lang="en-US">
+                <a:solidFill>
+                  <a:srgbClr val="FFFFFF"/>
+                </a:solidFill>
+              </a:rPr>
+              <a:t>Issues With Preprocessing</a:t>
+            </a:r>
+          </a:p>
+        </p:txBody>
+      </p:sp>
+      <p:sp>
+        <p:nvSpPr>
+          <p:cNvPr id="15" name="Rectangle 14">
+            <a:extLst>
+              <a:ext uri="{FF2B5EF4-FFF2-40B4-BE49-F238E27FC236}">
+                <a16:creationId xmlns:a16="http://schemas.microsoft.com/office/drawing/2014/main" id="{1C091803-41C2-48E0-9228-5148460C7479}"/>
+              </a:ext>
+              <a:ext uri="{C183D7F6-B498-43B3-948B-1728B52AA6E4}">
+                <adec:decorative xmlns:adec="http://schemas.microsoft.com/office/drawing/2017/decorative" val="1"/>
+              </a:ext>
+            </a:extLst>
+          </p:cNvPr>
+          <p:cNvSpPr>
+            <a:spLocks noGrp="1" noRot="1" noChangeAspect="1" noMove="1" noResize="1" noEditPoints="1" noAdjustHandles="1" noChangeArrowheads="1" noChangeShapeType="1" noTextEdit="1"/>
+          </p:cNvSpPr>
+          <p:nvPr>
+            <p:extLst>
+              <p:ext uri="{386F3935-93C4-4BCD-93E2-E3B085C9AB24}">
+                <p16:designElem xmlns:p16="http://schemas.microsoft.com/office/powerpoint/2015/main" val="1"/>
+              </p:ext>
+            </p:extLst>
+          </p:nvPr>
+        </p:nvSpPr>
+        <p:spPr>
+          <a:xfrm>
+            <a:off x="5038344" y="446007"/>
+            <a:ext cx="6684131" cy="3922776"/>
+          </a:xfrm>
+          <a:prstGeom prst="rect">
+            <a:avLst/>
+          </a:prstGeom>
+          <a:solidFill>
+            <a:schemeClr val="tx1">
+              <a:lumMod val="50000"/>
+              <a:lumOff val="50000"/>
+              <a:alpha val="20000"/>
+            </a:schemeClr>
+          </a:solidFill>
+          <a:ln>
+            <a:noFill/>
+          </a:ln>
+        </p:spPr>
+        <p:style>
+          <a:lnRef idx="2">
+            <a:schemeClr val="accent1">
+              <a:shade val="50000"/>
+            </a:schemeClr>
+          </a:lnRef>
+          <a:fillRef idx="1">
+            <a:schemeClr val="accent1"/>
+          </a:fillRef>
+          <a:effectRef idx="0">
+            <a:schemeClr val="accent1"/>
+          </a:effectRef>
+          <a:fontRef idx="minor">
+            <a:schemeClr val="lt1"/>
+          </a:fontRef>
+        </p:style>
+        <p:txBody>
+          <a:bodyPr rtlCol="0" anchor="ctr"/>
+          <a:lstStyle/>
+          <a:p>
+            <a:pPr algn="ctr"/>
+            <a:endParaRPr lang="en-US"/>
           </a:p>
         </p:txBody>
       </p:sp>
@@ -4486,7 +9463,7 @@
           <p:cNvPr id="3" name="Content Placeholder 2">
             <a:extLst>
               <a:ext uri="{FF2B5EF4-FFF2-40B4-BE49-F238E27FC236}">
-                <a16:creationId xmlns:a16="http://schemas.microsoft.com/office/drawing/2014/main" id="{044242D6-D587-45CE-B3F7-BABB9E4B1F6D}"/>
+                <a16:creationId xmlns:a16="http://schemas.microsoft.com/office/drawing/2014/main" id="{421157AE-E6A9-493A-BA7B-DCB1760E0CF5}"/>
               </a:ext>
             </a:extLst>
           </p:cNvPr>
@@ -4497,19 +9474,603 @@
             <p:ph idx="1"/>
           </p:nvPr>
         </p:nvSpPr>
-        <p:spPr/>
-        <p:txBody>
-          <a:bodyPr/>
-          <a:lstStyle/>
-          <a:p>
-            <a:endParaRPr lang="en-US"/>
-          </a:p>
-        </p:txBody>
-      </p:sp>
+        <p:spPr>
+          <a:xfrm>
+            <a:off x="5363497" y="761999"/>
+            <a:ext cx="6038511" cy="3300984"/>
+          </a:xfrm>
+        </p:spPr>
+        <p:txBody>
+          <a:bodyPr anchor="ctr">
+            <a:normAutofit/>
+          </a:bodyPr>
+          <a:lstStyle/>
+          <a:p>
+            <a:pPr marL="0" indent="0">
+              <a:buNone/>
+            </a:pPr>
+            <a:r>
+              <a:rPr lang="en-US" sz="2100"/>
+              <a:t>Digits with disconnection parts were susceptible to having their smaller portions thresholded out of the image.  </a:t>
+            </a:r>
+          </a:p>
+        </p:txBody>
+      </p:sp>
+      <p:sp>
+        <p:nvSpPr>
+          <p:cNvPr id="17" name="Rectangle 16">
+            <a:extLst>
+              <a:ext uri="{FF2B5EF4-FFF2-40B4-BE49-F238E27FC236}">
+                <a16:creationId xmlns:a16="http://schemas.microsoft.com/office/drawing/2014/main" id="{05CC4153-3F0D-4F4C-8F12-E8FC3FA40AEE}"/>
+              </a:ext>
+              <a:ext uri="{C183D7F6-B498-43B3-948B-1728B52AA6E4}">
+                <adec:decorative xmlns:adec="http://schemas.microsoft.com/office/drawing/2017/decorative" val="1"/>
+              </a:ext>
+            </a:extLst>
+          </p:cNvPr>
+          <p:cNvSpPr>
+            <a:spLocks noGrp="1" noRot="1" noChangeAspect="1" noMove="1" noResize="1" noEditPoints="1" noAdjustHandles="1" noChangeArrowheads="1" noChangeShapeType="1" noTextEdit="1"/>
+          </p:cNvSpPr>
+          <p:nvPr>
+            <p:extLst>
+              <p:ext uri="{386F3935-93C4-4BCD-93E2-E3B085C9AB24}">
+                <p16:designElem xmlns:p16="http://schemas.microsoft.com/office/powerpoint/2015/main" val="1"/>
+              </p:ext>
+            </p:extLst>
+          </p:nvPr>
+        </p:nvSpPr>
+        <p:spPr>
+          <a:xfrm>
+            <a:off x="466343" y="4538155"/>
+            <a:ext cx="2112263" cy="1856232"/>
+          </a:xfrm>
+          <a:prstGeom prst="rect">
+            <a:avLst/>
+          </a:prstGeom>
+          <a:solidFill>
+            <a:schemeClr val="accent5">
+              <a:alpha val="95000"/>
+            </a:schemeClr>
+          </a:solidFill>
+          <a:ln w="25400">
+            <a:noFill/>
+          </a:ln>
+        </p:spPr>
+        <p:style>
+          <a:lnRef idx="2">
+            <a:schemeClr val="accent1">
+              <a:shade val="50000"/>
+            </a:schemeClr>
+          </a:lnRef>
+          <a:fillRef idx="1">
+            <a:schemeClr val="accent1"/>
+          </a:fillRef>
+          <a:effectRef idx="0">
+            <a:schemeClr val="accent1"/>
+          </a:effectRef>
+          <a:fontRef idx="minor">
+            <a:schemeClr val="lt1"/>
+          </a:fontRef>
+        </p:style>
+        <p:txBody>
+          <a:bodyPr rtlCol="0" anchor="ctr"/>
+          <a:lstStyle/>
+          <a:p>
+            <a:pPr algn="ctr"/>
+            <a:endParaRPr lang="en-US">
+              <a:solidFill>
+                <a:srgbClr val="FFFFFF"/>
+              </a:solidFill>
+            </a:endParaRPr>
+          </a:p>
+        </p:txBody>
+      </p:sp>
+      <p:sp>
+        <p:nvSpPr>
+          <p:cNvPr id="19" name="Rectangle 18">
+            <a:extLst>
+              <a:ext uri="{FF2B5EF4-FFF2-40B4-BE49-F238E27FC236}">
+                <a16:creationId xmlns:a16="http://schemas.microsoft.com/office/drawing/2014/main" id="{D3028761-9F9B-4351-992E-55164DD6DD1A}"/>
+              </a:ext>
+              <a:ext uri="{C183D7F6-B498-43B3-948B-1728B52AA6E4}">
+                <adec:decorative xmlns:adec="http://schemas.microsoft.com/office/drawing/2017/decorative" val="1"/>
+              </a:ext>
+            </a:extLst>
+          </p:cNvPr>
+          <p:cNvSpPr>
+            <a:spLocks noGrp="1" noRot="1" noChangeAspect="1" noMove="1" noResize="1" noEditPoints="1" noAdjustHandles="1" noChangeArrowheads="1" noChangeShapeType="1" noTextEdit="1"/>
+          </p:cNvSpPr>
+          <p:nvPr>
+            <p:extLst>
+              <p:ext uri="{386F3935-93C4-4BCD-93E2-E3B085C9AB24}">
+                <p16:designElem xmlns:p16="http://schemas.microsoft.com/office/powerpoint/2015/main" val="1"/>
+              </p:ext>
+            </p:extLst>
+          </p:nvPr>
+        </p:nvSpPr>
+        <p:spPr>
+          <a:xfrm>
+            <a:off x="2752344" y="4535424"/>
+            <a:ext cx="2112264" cy="1856232"/>
+          </a:xfrm>
+          <a:prstGeom prst="rect">
+            <a:avLst/>
+          </a:prstGeom>
+          <a:solidFill>
+            <a:srgbClr val="7F7F7F">
+              <a:alpha val="20000"/>
+            </a:srgbClr>
+          </a:solidFill>
+          <a:ln w="25400">
+            <a:noFill/>
+          </a:ln>
+        </p:spPr>
+        <p:style>
+          <a:lnRef idx="2">
+            <a:schemeClr val="accent1">
+              <a:shade val="50000"/>
+            </a:schemeClr>
+          </a:lnRef>
+          <a:fillRef idx="1">
+            <a:schemeClr val="accent1"/>
+          </a:fillRef>
+          <a:effectRef idx="0">
+            <a:schemeClr val="accent1"/>
+          </a:effectRef>
+          <a:fontRef idx="minor">
+            <a:schemeClr val="lt1"/>
+          </a:fontRef>
+        </p:style>
+        <p:txBody>
+          <a:bodyPr rtlCol="0" anchor="ctr"/>
+          <a:lstStyle/>
+          <a:p>
+            <a:pPr marL="0" marR="0" lvl="0" indent="0" algn="ctr" defTabSz="914400" rtl="0" eaLnBrk="1" fontAlgn="auto" latinLnBrk="0" hangingPunct="1">
+              <a:lnSpc>
+                <a:spcPct val="100000"/>
+              </a:lnSpc>
+              <a:spcBef>
+                <a:spcPts val="0"/>
+              </a:spcBef>
+              <a:spcAft>
+                <a:spcPts val="0"/>
+              </a:spcAft>
+              <a:buClrTx/>
+              <a:buSzTx/>
+              <a:buFontTx/>
+              <a:buNone/>
+              <a:tabLst/>
+              <a:defRPr/>
+            </a:pPr>
+            <a:endParaRPr kumimoji="0" lang="en-US" sz="1800" b="0" i="0" u="none" strike="noStrike" kern="1200" cap="none" spc="0" normalizeH="0" baseline="0" noProof="0">
+              <a:ln>
+                <a:noFill/>
+              </a:ln>
+              <a:solidFill>
+                <a:srgbClr val="FFFFFF"/>
+              </a:solidFill>
+              <a:effectLst/>
+              <a:uLnTx/>
+              <a:uFillTx/>
+              <a:latin typeface="Calibri" panose="020F0502020204030204"/>
+              <a:ea typeface="+mn-ea"/>
+              <a:cs typeface="+mn-cs"/>
+            </a:endParaRPr>
+          </a:p>
+        </p:txBody>
+      </p:sp>
+      <p:pic>
+        <p:nvPicPr>
+          <p:cNvPr id="6" name="Picture 5">
+            <a:extLst>
+              <a:ext uri="{FF2B5EF4-FFF2-40B4-BE49-F238E27FC236}">
+                <a16:creationId xmlns:a16="http://schemas.microsoft.com/office/drawing/2014/main" id="{EF5CE023-CBBC-4055-891A-6DDB76B17192}"/>
+              </a:ext>
+            </a:extLst>
+          </p:cNvPr>
+          <p:cNvPicPr>
+            <a:picLocks noChangeAspect="1"/>
+          </p:cNvPicPr>
+          <p:nvPr/>
+        </p:nvPicPr>
+        <p:blipFill>
+          <a:blip r:embed="rId2"/>
+          <a:stretch>
+            <a:fillRect/>
+          </a:stretch>
+        </p:blipFill>
+        <p:spPr>
+          <a:xfrm>
+            <a:off x="5363497" y="4637198"/>
+            <a:ext cx="1539336" cy="1586701"/>
+          </a:xfrm>
+          <a:prstGeom prst="rect">
+            <a:avLst/>
+          </a:prstGeom>
+        </p:spPr>
+      </p:pic>
+      <p:sp>
+        <p:nvSpPr>
+          <p:cNvPr id="21" name="Rectangle 20">
+            <a:extLst>
+              <a:ext uri="{FF2B5EF4-FFF2-40B4-BE49-F238E27FC236}">
+                <a16:creationId xmlns:a16="http://schemas.microsoft.com/office/drawing/2014/main" id="{77B95E54-858B-4F49-809C-E711C8EB082D}"/>
+              </a:ext>
+              <a:ext uri="{C183D7F6-B498-43B3-948B-1728B52AA6E4}">
+                <adec:decorative xmlns:adec="http://schemas.microsoft.com/office/drawing/2017/decorative" val="1"/>
+              </a:ext>
+            </a:extLst>
+          </p:cNvPr>
+          <p:cNvSpPr>
+            <a:spLocks noGrp="1" noRot="1" noChangeAspect="1" noMove="1" noResize="1" noEditPoints="1" noAdjustHandles="1" noChangeArrowheads="1" noChangeShapeType="1" noTextEdit="1"/>
+          </p:cNvSpPr>
+          <p:nvPr>
+            <p:extLst>
+              <p:ext uri="{386F3935-93C4-4BCD-93E2-E3B085C9AB24}">
+                <p16:designElem xmlns:p16="http://schemas.microsoft.com/office/powerpoint/2015/main" val="1"/>
+              </p:ext>
+            </p:extLst>
+          </p:nvPr>
+        </p:nvSpPr>
+        <p:spPr>
+          <a:xfrm>
+            <a:off x="5047488" y="4535424"/>
+            <a:ext cx="2112264" cy="1856232"/>
+          </a:xfrm>
+          <a:prstGeom prst="rect">
+            <a:avLst/>
+          </a:prstGeom>
+          <a:solidFill>
+            <a:srgbClr val="7F7F7F">
+              <a:alpha val="20000"/>
+            </a:srgbClr>
+          </a:solidFill>
+          <a:ln w="25400">
+            <a:noFill/>
+          </a:ln>
+        </p:spPr>
+        <p:style>
+          <a:lnRef idx="2">
+            <a:schemeClr val="accent1">
+              <a:shade val="50000"/>
+            </a:schemeClr>
+          </a:lnRef>
+          <a:fillRef idx="1">
+            <a:schemeClr val="accent1"/>
+          </a:fillRef>
+          <a:effectRef idx="0">
+            <a:schemeClr val="accent1"/>
+          </a:effectRef>
+          <a:fontRef idx="minor">
+            <a:schemeClr val="lt1"/>
+          </a:fontRef>
+        </p:style>
+        <p:txBody>
+          <a:bodyPr rtlCol="0" anchor="ctr"/>
+          <a:lstStyle/>
+          <a:p>
+            <a:pPr marL="0" marR="0" lvl="0" indent="0" algn="ctr" defTabSz="914400" rtl="0" eaLnBrk="1" fontAlgn="auto" latinLnBrk="0" hangingPunct="1">
+              <a:lnSpc>
+                <a:spcPct val="100000"/>
+              </a:lnSpc>
+              <a:spcBef>
+                <a:spcPts val="0"/>
+              </a:spcBef>
+              <a:spcAft>
+                <a:spcPts val="0"/>
+              </a:spcAft>
+              <a:buClrTx/>
+              <a:buSzTx/>
+              <a:buFontTx/>
+              <a:buNone/>
+              <a:tabLst/>
+              <a:defRPr/>
+            </a:pPr>
+            <a:endParaRPr kumimoji="0" lang="en-US" sz="1800" b="0" i="0" u="none" strike="noStrike" kern="1200" cap="none" spc="0" normalizeH="0" baseline="0" noProof="0">
+              <a:ln>
+                <a:noFill/>
+              </a:ln>
+              <a:solidFill>
+                <a:srgbClr val="FFFFFF"/>
+              </a:solidFill>
+              <a:effectLst/>
+              <a:uLnTx/>
+              <a:uFillTx/>
+              <a:latin typeface="Calibri" panose="020F0502020204030204"/>
+              <a:ea typeface="+mn-ea"/>
+              <a:cs typeface="+mn-cs"/>
+            </a:endParaRPr>
+          </a:p>
+        </p:txBody>
+      </p:sp>
+      <p:pic>
+        <p:nvPicPr>
+          <p:cNvPr id="7" name="Picture 6">
+            <a:extLst>
+              <a:ext uri="{FF2B5EF4-FFF2-40B4-BE49-F238E27FC236}">
+                <a16:creationId xmlns:a16="http://schemas.microsoft.com/office/drawing/2014/main" id="{8617A48C-C95E-4657-A4A9-1A3664A73E60}"/>
+              </a:ext>
+            </a:extLst>
+          </p:cNvPr>
+          <p:cNvPicPr>
+            <a:picLocks noChangeAspect="1"/>
+          </p:cNvPicPr>
+          <p:nvPr/>
+        </p:nvPicPr>
+        <p:blipFill>
+          <a:blip r:embed="rId3"/>
+          <a:stretch>
+            <a:fillRect/>
+          </a:stretch>
+        </p:blipFill>
+        <p:spPr>
+          <a:xfrm>
+            <a:off x="7644733" y="4670186"/>
+            <a:ext cx="1508152" cy="1586702"/>
+          </a:xfrm>
+          <a:prstGeom prst="rect">
+            <a:avLst/>
+          </a:prstGeom>
+        </p:spPr>
+      </p:pic>
+      <p:sp>
+        <p:nvSpPr>
+          <p:cNvPr id="23" name="Rectangle 22">
+            <a:extLst>
+              <a:ext uri="{FF2B5EF4-FFF2-40B4-BE49-F238E27FC236}">
+                <a16:creationId xmlns:a16="http://schemas.microsoft.com/office/drawing/2014/main" id="{32161A1C-CBC2-4CCE-97F7-ED23FB334FDE}"/>
+              </a:ext>
+              <a:ext uri="{C183D7F6-B498-43B3-948B-1728B52AA6E4}">
+                <adec:decorative xmlns:adec="http://schemas.microsoft.com/office/drawing/2017/decorative" val="1"/>
+              </a:ext>
+            </a:extLst>
+          </p:cNvPr>
+          <p:cNvSpPr>
+            <a:spLocks noGrp="1" noRot="1" noChangeAspect="1" noMove="1" noResize="1" noEditPoints="1" noAdjustHandles="1" noChangeArrowheads="1" noChangeShapeType="1" noTextEdit="1"/>
+          </p:cNvSpPr>
+          <p:nvPr>
+            <p:extLst>
+              <p:ext uri="{386F3935-93C4-4BCD-93E2-E3B085C9AB24}">
+                <p16:designElem xmlns:p16="http://schemas.microsoft.com/office/powerpoint/2015/main" val="1"/>
+              </p:ext>
+            </p:extLst>
+          </p:nvPr>
+        </p:nvSpPr>
+        <p:spPr>
+          <a:xfrm>
+            <a:off x="7342632" y="4535424"/>
+            <a:ext cx="2112264" cy="1856232"/>
+          </a:xfrm>
+          <a:prstGeom prst="rect">
+            <a:avLst/>
+          </a:prstGeom>
+          <a:solidFill>
+            <a:srgbClr val="7F7F7F">
+              <a:alpha val="20000"/>
+            </a:srgbClr>
+          </a:solidFill>
+          <a:ln w="25400">
+            <a:noFill/>
+          </a:ln>
+        </p:spPr>
+        <p:style>
+          <a:lnRef idx="2">
+            <a:schemeClr val="accent1">
+              <a:shade val="50000"/>
+            </a:schemeClr>
+          </a:lnRef>
+          <a:fillRef idx="1">
+            <a:schemeClr val="accent1"/>
+          </a:fillRef>
+          <a:effectRef idx="0">
+            <a:schemeClr val="accent1"/>
+          </a:effectRef>
+          <a:fontRef idx="minor">
+            <a:schemeClr val="lt1"/>
+          </a:fontRef>
+        </p:style>
+        <p:txBody>
+          <a:bodyPr rtlCol="0" anchor="ctr"/>
+          <a:lstStyle/>
+          <a:p>
+            <a:pPr marL="0" marR="0" lvl="0" indent="0" algn="ctr" defTabSz="914400" rtl="0" eaLnBrk="1" fontAlgn="auto" latinLnBrk="0" hangingPunct="1">
+              <a:lnSpc>
+                <a:spcPct val="100000"/>
+              </a:lnSpc>
+              <a:spcBef>
+                <a:spcPts val="0"/>
+              </a:spcBef>
+              <a:spcAft>
+                <a:spcPts val="0"/>
+              </a:spcAft>
+              <a:buClrTx/>
+              <a:buSzTx/>
+              <a:buFontTx/>
+              <a:buNone/>
+              <a:tabLst/>
+              <a:defRPr/>
+            </a:pPr>
+            <a:endParaRPr kumimoji="0" lang="en-US" sz="1800" b="0" i="0" u="none" strike="noStrike" kern="1200" cap="none" spc="0" normalizeH="0" baseline="0" noProof="0">
+              <a:ln>
+                <a:noFill/>
+              </a:ln>
+              <a:solidFill>
+                <a:srgbClr val="FFFFFF"/>
+              </a:solidFill>
+              <a:effectLst/>
+              <a:uLnTx/>
+              <a:uFillTx/>
+              <a:latin typeface="Calibri" panose="020F0502020204030204"/>
+              <a:ea typeface="+mn-ea"/>
+              <a:cs typeface="+mn-cs"/>
+            </a:endParaRPr>
+          </a:p>
+        </p:txBody>
+      </p:sp>
+      <p:pic>
+        <p:nvPicPr>
+          <p:cNvPr id="5" name="Picture 4" descr="A picture containing text&#10;&#10;Description automatically generated">
+            <a:extLst>
+              <a:ext uri="{FF2B5EF4-FFF2-40B4-BE49-F238E27FC236}">
+                <a16:creationId xmlns:a16="http://schemas.microsoft.com/office/drawing/2014/main" id="{5D7842C0-2061-431F-862E-7731BEB85002}"/>
+              </a:ext>
+            </a:extLst>
+          </p:cNvPr>
+          <p:cNvPicPr>
+            <a:picLocks noChangeAspect="1"/>
+          </p:cNvPicPr>
+          <p:nvPr/>
+        </p:nvPicPr>
+        <p:blipFill>
+          <a:blip r:embed="rId4">
+            <a:extLst>
+              <a:ext uri="{28A0092B-C50C-407E-A947-70E740481C1C}">
+                <a14:useLocalDpi xmlns:a14="http://schemas.microsoft.com/office/drawing/2010/main" val="0"/>
+              </a:ext>
+            </a:extLst>
+          </a:blip>
+          <a:stretch>
+            <a:fillRect/>
+          </a:stretch>
+        </p:blipFill>
+        <p:spPr>
+          <a:xfrm>
+            <a:off x="3052135" y="4637197"/>
+            <a:ext cx="1523233" cy="1586702"/>
+          </a:xfrm>
+          <a:prstGeom prst="rect">
+            <a:avLst/>
+          </a:prstGeom>
+        </p:spPr>
+      </p:pic>
+      <p:sp>
+        <p:nvSpPr>
+          <p:cNvPr id="25" name="Rectangle 24">
+            <a:extLst>
+              <a:ext uri="{FF2B5EF4-FFF2-40B4-BE49-F238E27FC236}">
+                <a16:creationId xmlns:a16="http://schemas.microsoft.com/office/drawing/2014/main" id="{72843663-68E2-42BD-B6EE-C0E80B54A7C8}"/>
+              </a:ext>
+              <a:ext uri="{C183D7F6-B498-43B3-948B-1728B52AA6E4}">
+                <adec:decorative xmlns:adec="http://schemas.microsoft.com/office/drawing/2017/decorative" val="1"/>
+              </a:ext>
+            </a:extLst>
+          </p:cNvPr>
+          <p:cNvSpPr>
+            <a:spLocks noGrp="1" noRot="1" noChangeAspect="1" noMove="1" noResize="1" noEditPoints="1" noAdjustHandles="1" noChangeArrowheads="1" noChangeShapeType="1" noTextEdit="1"/>
+          </p:cNvSpPr>
+          <p:nvPr>
+            <p:extLst>
+              <p:ext uri="{386F3935-93C4-4BCD-93E2-E3B085C9AB24}">
+                <p16:designElem xmlns:p16="http://schemas.microsoft.com/office/powerpoint/2015/main" val="1"/>
+              </p:ext>
+            </p:extLst>
+          </p:nvPr>
+        </p:nvSpPr>
+        <p:spPr>
+          <a:xfrm>
+            <a:off x="9601200" y="4535424"/>
+            <a:ext cx="2112264" cy="1856232"/>
+          </a:xfrm>
+          <a:prstGeom prst="rect">
+            <a:avLst/>
+          </a:prstGeom>
+          <a:solidFill>
+            <a:srgbClr val="7F7F7F">
+              <a:alpha val="20000"/>
+            </a:srgbClr>
+          </a:solidFill>
+          <a:ln w="25400">
+            <a:noFill/>
+          </a:ln>
+        </p:spPr>
+        <p:style>
+          <a:lnRef idx="2">
+            <a:schemeClr val="accent1">
+              <a:shade val="50000"/>
+            </a:schemeClr>
+          </a:lnRef>
+          <a:fillRef idx="1">
+            <a:schemeClr val="accent1"/>
+          </a:fillRef>
+          <a:effectRef idx="0">
+            <a:schemeClr val="accent1"/>
+          </a:effectRef>
+          <a:fontRef idx="minor">
+            <a:schemeClr val="lt1"/>
+          </a:fontRef>
+        </p:style>
+        <p:txBody>
+          <a:bodyPr rtlCol="0" anchor="ctr"/>
+          <a:lstStyle/>
+          <a:p>
+            <a:pPr marL="0" marR="0" lvl="0" indent="0" algn="ctr" defTabSz="914400" rtl="0" eaLnBrk="1" fontAlgn="auto" latinLnBrk="0" hangingPunct="1">
+              <a:lnSpc>
+                <a:spcPct val="100000"/>
+              </a:lnSpc>
+              <a:spcBef>
+                <a:spcPts val="0"/>
+              </a:spcBef>
+              <a:spcAft>
+                <a:spcPts val="0"/>
+              </a:spcAft>
+              <a:buClrTx/>
+              <a:buSzTx/>
+              <a:buFontTx/>
+              <a:buNone/>
+              <a:tabLst/>
+              <a:defRPr/>
+            </a:pPr>
+            <a:endParaRPr kumimoji="0" lang="en-US" sz="1800" b="0" i="0" u="none" strike="noStrike" kern="1200" cap="none" spc="0" normalizeH="0" baseline="0" noProof="0">
+              <a:ln>
+                <a:noFill/>
+              </a:ln>
+              <a:solidFill>
+                <a:srgbClr val="FFFFFF"/>
+              </a:solidFill>
+              <a:effectLst/>
+              <a:uLnTx/>
+              <a:uFillTx/>
+              <a:latin typeface="Calibri" panose="020F0502020204030204"/>
+              <a:ea typeface="+mn-ea"/>
+              <a:cs typeface="+mn-cs"/>
+            </a:endParaRPr>
+          </a:p>
+        </p:txBody>
+      </p:sp>
+      <p:pic>
+        <p:nvPicPr>
+          <p:cNvPr id="8" name="Picture 7">
+            <a:extLst>
+              <a:ext uri="{FF2B5EF4-FFF2-40B4-BE49-F238E27FC236}">
+                <a16:creationId xmlns:a16="http://schemas.microsoft.com/office/drawing/2014/main" id="{154BD835-47B9-45DC-A367-80FB82F5D8C0}"/>
+              </a:ext>
+            </a:extLst>
+          </p:cNvPr>
+          <p:cNvPicPr>
+            <a:picLocks noChangeAspect="1"/>
+          </p:cNvPicPr>
+          <p:nvPr/>
+        </p:nvPicPr>
+        <p:blipFill>
+          <a:blip r:embed="rId5"/>
+          <a:stretch>
+            <a:fillRect/>
+          </a:stretch>
+        </p:blipFill>
+        <p:spPr>
+          <a:xfrm>
+            <a:off x="9879691" y="4670187"/>
+            <a:ext cx="1555281" cy="1586701"/>
+          </a:xfrm>
+          <a:prstGeom prst="rect">
+            <a:avLst/>
+          </a:prstGeom>
+        </p:spPr>
+      </p:pic>
     </p:spTree>
     <p:extLst>
       <p:ext uri="{BB962C8B-B14F-4D97-AF65-F5344CB8AC3E}">
-        <p14:creationId xmlns:p14="http://schemas.microsoft.com/office/powerpoint/2010/main" val="4153135317"/>
+        <p14:creationId xmlns:p14="http://schemas.microsoft.com/office/powerpoint/2010/main" val="3134990441"/>
       </p:ext>
     </p:extLst>
   </p:cSld>
